--- a/events/2022-03-16/slides/01-rules.pptx
+++ b/events/2022-03-16/slides/01-rules.pptx
@@ -53109,7 +53109,7 @@
           <a:p>
             <a:r>
               <a:rPr kumimoji="1" lang="en-US" altLang="ja-JP"/>
-              <a:t>2021/9/15</a:t>
+              <a:t>2022/3/16</a:t>
             </a:r>
             <a:endParaRPr kumimoji="1" lang="ja-JP" altLang="en-US"/>
           </a:p>
@@ -53175,6 +53175,43 @@
               <a:rPr lang="ja-JP" altLang="en-US" sz="1400" dirty="0"/>
               <a:t>一般社団法人授業目的公衆送信補償金等管理協会</a:t>
             </a:r>
+          </a:p>
+        </p:txBody>
+      </p:sp>
+      <p:sp>
+        <p:nvSpPr>
+          <p:cNvPr id="5" name="フッター プレースホルダー 4">
+            <a:extLst>
+              <a:ext uri="{FF2B5EF4-FFF2-40B4-BE49-F238E27FC236}">
+                <a16:creationId xmlns:a16="http://schemas.microsoft.com/office/drawing/2014/main" id="{6AAD55DB-142B-4BDC-975D-3B8A2B99B892}"/>
+              </a:ext>
+            </a:extLst>
+          </p:cNvPr>
+          <p:cNvSpPr>
+            <a:spLocks noGrp="1"/>
+          </p:cNvSpPr>
+          <p:nvPr>
+            <p:ph type="ftr" sz="quarter" idx="11"/>
+          </p:nvPr>
+        </p:nvSpPr>
+        <p:spPr/>
+        <p:txBody>
+          <a:bodyPr/>
+          <a:lstStyle/>
+          <a:p>
+            <a:r>
+              <a:rPr kumimoji="1" lang="en-US" altLang="ja-JP"/>
+              <a:t>2022 S</a:t>
+            </a:r>
+            <a:r>
+              <a:rPr kumimoji="1" lang="ja-JP" altLang="en-US"/>
+              <a:t>セメスタ 説明会 </a:t>
+            </a:r>
+            <a:r>
+              <a:rPr kumimoji="1" lang="en-US" altLang="ja-JP"/>
+              <a:t>https://utelecon.adm.u-tokyo.ac.jp/</a:t>
+            </a:r>
+            <a:endParaRPr kumimoji="1" lang="ja-JP" altLang="en-US"/>
           </a:p>
         </p:txBody>
       </p:sp>

--- a/events/2022-03-16/slides/01-rules.pptx
+++ b/events/2022-03-16/slides/01-rules.pptx
@@ -5,13 +5,21 @@
     <p:sldMasterId id="2147483660" r:id="rId1"/>
   </p:sldMasterIdLst>
   <p:notesMasterIdLst>
-    <p:notesMasterId r:id="rId6"/>
+    <p:notesMasterId r:id="rId14"/>
   </p:notesMasterIdLst>
   <p:sldIdLst>
     <p:sldId id="256" r:id="rId2"/>
-    <p:sldId id="366" r:id="rId3"/>
-    <p:sldId id="372" r:id="rId4"/>
-    <p:sldId id="371" r:id="rId5"/>
+    <p:sldId id="373" r:id="rId3"/>
+    <p:sldId id="379" r:id="rId4"/>
+    <p:sldId id="380" r:id="rId5"/>
+    <p:sldId id="366" r:id="rId6"/>
+    <p:sldId id="374" r:id="rId7"/>
+    <p:sldId id="378" r:id="rId8"/>
+    <p:sldId id="375" r:id="rId9"/>
+    <p:sldId id="381" r:id="rId10"/>
+    <p:sldId id="383" r:id="rId11"/>
+    <p:sldId id="371" r:id="rId12"/>
+    <p:sldId id="382" r:id="rId13"/>
   </p:sldIdLst>
   <p:sldSz cx="9144000" cy="6858000" type="screen4x3"/>
   <p:notesSz cx="6858000" cy="9144000"/>
@@ -226,7 +234,7 @@
             <a:fld id="{35305EB0-020F-4995-961E-A35B2BB78D2B}" type="datetimeFigureOut">
               <a:rPr kumimoji="1" lang="ja-JP" altLang="en-US" smtClean="0"/>
               <a:pPr/>
-              <a:t>2022/3/6</a:t>
+              <a:t>2022/3/13</a:t>
             </a:fld>
             <a:endParaRPr kumimoji="1" lang="ja-JP" altLang="en-US"/>
           </a:p>
@@ -52514,7 +52522,1655 @@
 </p:sld>
 </file>
 
+<file path=ppt/slides/slide10.xml><?xml version="1.0" encoding="utf-8"?>
+<p:sld xmlns:a="http://schemas.openxmlformats.org/drawingml/2006/main" xmlns:r="http://schemas.openxmlformats.org/officeDocument/2006/relationships" xmlns:p="http://schemas.openxmlformats.org/presentationml/2006/main">
+  <p:cSld>
+    <p:spTree>
+      <p:nvGrpSpPr>
+        <p:cNvPr id="1" name=""/>
+        <p:cNvGrpSpPr/>
+        <p:nvPr/>
+      </p:nvGrpSpPr>
+      <p:grpSpPr>
+        <a:xfrm>
+          <a:off x="0" y="0"/>
+          <a:ext cx="0" cy="0"/>
+          <a:chOff x="0" y="0"/>
+          <a:chExt cx="0" cy="0"/>
+        </a:xfrm>
+      </p:grpSpPr>
+      <p:sp>
+        <p:nvSpPr>
+          <p:cNvPr id="2" name="タイトル 1">
+            <a:extLst>
+              <a:ext uri="{FF2B5EF4-FFF2-40B4-BE49-F238E27FC236}">
+                <a16:creationId xmlns:a16="http://schemas.microsoft.com/office/drawing/2014/main" id="{F1B2A76D-59D6-418A-BC2C-4417B9C88257}"/>
+              </a:ext>
+            </a:extLst>
+          </p:cNvPr>
+          <p:cNvSpPr>
+            <a:spLocks noGrp="1"/>
+          </p:cNvSpPr>
+          <p:nvPr>
+            <p:ph type="title"/>
+          </p:nvPr>
+        </p:nvSpPr>
+        <p:spPr/>
+        <p:txBody>
+          <a:bodyPr/>
+          <a:lstStyle/>
+          <a:p>
+            <a:r>
+              <a:rPr kumimoji="1" lang="ja-JP" altLang="en-US" dirty="0"/>
+              <a:t>教員のこれだけは</a:t>
+            </a:r>
+          </a:p>
+        </p:txBody>
+      </p:sp>
+      <p:sp>
+        <p:nvSpPr>
+          <p:cNvPr id="3" name="コンテンツ プレースホルダー 2">
+            <a:extLst>
+              <a:ext uri="{FF2B5EF4-FFF2-40B4-BE49-F238E27FC236}">
+                <a16:creationId xmlns:a16="http://schemas.microsoft.com/office/drawing/2014/main" id="{A7BA7D97-330E-4473-993B-74ADAD1DB0B4}"/>
+              </a:ext>
+            </a:extLst>
+          </p:cNvPr>
+          <p:cNvSpPr>
+            <a:spLocks noGrp="1"/>
+          </p:cNvSpPr>
+          <p:nvPr>
+            <p:ph idx="1"/>
+          </p:nvPr>
+        </p:nvSpPr>
+        <p:spPr>
+          <a:xfrm>
+            <a:off x="251520" y="1500174"/>
+            <a:ext cx="8892480" cy="4525963"/>
+          </a:xfrm>
+        </p:spPr>
+        <p:txBody>
+          <a:bodyPr>
+            <a:normAutofit/>
+          </a:bodyPr>
+          <a:lstStyle/>
+          <a:p>
+            <a:r>
+              <a:rPr lang="ja-JP" altLang="en-US" dirty="0"/>
+              <a:t>（授業の過程で利用する場合には）</a:t>
+            </a:r>
+            <a:endParaRPr lang="en-US" altLang="ja-JP" dirty="0"/>
+          </a:p>
+          <a:p>
+            <a:pPr lvl="1"/>
+            <a:r>
+              <a:rPr lang="ja-JP" altLang="en-US" dirty="0"/>
+              <a:t>必要と認められる限度において</a:t>
+            </a:r>
+            <a:endParaRPr lang="en-US" altLang="ja-JP" dirty="0"/>
+          </a:p>
+          <a:p>
+            <a:pPr lvl="1"/>
+            <a:r>
+              <a:rPr kumimoji="1" lang="ja-JP" altLang="en-US" dirty="0"/>
+              <a:t>著作権者の利益を不当に害さない範囲で</a:t>
+            </a:r>
+            <a:r>
+              <a:rPr kumimoji="1" lang="ja-JP" altLang="en-US" dirty="0">
+                <a:solidFill>
+                  <a:srgbClr val="00B050"/>
+                </a:solidFill>
+              </a:rPr>
+              <a:t>利用可能</a:t>
+            </a:r>
+            <a:endParaRPr kumimoji="1" lang="en-US" altLang="ja-JP" dirty="0">
+              <a:solidFill>
+                <a:srgbClr val="00B050"/>
+              </a:solidFill>
+            </a:endParaRPr>
+          </a:p>
+          <a:p>
+            <a:r>
+              <a:rPr kumimoji="1" lang="ja-JP" altLang="en-US" dirty="0">
+                <a:solidFill>
+                  <a:srgbClr val="7030A0"/>
+                </a:solidFill>
+              </a:rPr>
+              <a:t>教室内、オンライン配信、オンデマンド配信、ネット配布される資料などでの利用が可能</a:t>
+            </a:r>
+            <a:endParaRPr kumimoji="1" lang="en-US" altLang="ja-JP" dirty="0">
+              <a:solidFill>
+                <a:srgbClr val="7030A0"/>
+              </a:solidFill>
+            </a:endParaRPr>
+          </a:p>
+          <a:p>
+            <a:r>
+              <a:rPr lang="ja-JP" altLang="en-US" dirty="0"/>
+              <a:t>注：</a:t>
+            </a:r>
+            <a:r>
+              <a:rPr lang="ja-JP" altLang="en-US" dirty="0">
+                <a:solidFill>
+                  <a:srgbClr val="00B050"/>
+                </a:solidFill>
+              </a:rPr>
+              <a:t>「利用可能」</a:t>
+            </a:r>
+            <a:r>
+              <a:rPr lang="ja-JP" altLang="en-US" dirty="0"/>
+              <a:t>は</a:t>
+            </a:r>
+            <a:r>
+              <a:rPr lang="ja-JP" altLang="en-US" dirty="0">
+                <a:solidFill>
+                  <a:srgbClr val="00B050"/>
+                </a:solidFill>
+              </a:rPr>
+              <a:t>利用許諾を個別に取る必要がない</a:t>
+            </a:r>
+            <a:r>
+              <a:rPr lang="ja-JP" altLang="en-US" dirty="0"/>
+              <a:t>という意味</a:t>
+            </a:r>
+            <a:endParaRPr lang="en-US" altLang="ja-JP" dirty="0"/>
+          </a:p>
+        </p:txBody>
+      </p:sp>
+      <p:sp>
+        <p:nvSpPr>
+          <p:cNvPr id="4" name="日付プレースホルダー 3">
+            <a:extLst>
+              <a:ext uri="{FF2B5EF4-FFF2-40B4-BE49-F238E27FC236}">
+                <a16:creationId xmlns:a16="http://schemas.microsoft.com/office/drawing/2014/main" id="{A897A53A-28EC-4CE6-A685-E5AE99103306}"/>
+              </a:ext>
+            </a:extLst>
+          </p:cNvPr>
+          <p:cNvSpPr>
+            <a:spLocks noGrp="1"/>
+          </p:cNvSpPr>
+          <p:nvPr>
+            <p:ph type="dt" sz="half" idx="10"/>
+          </p:nvPr>
+        </p:nvSpPr>
+        <p:spPr/>
+        <p:txBody>
+          <a:bodyPr/>
+          <a:lstStyle/>
+          <a:p>
+            <a:r>
+              <a:rPr kumimoji="1" lang="en-US" altLang="ja-JP"/>
+              <a:t>2022/3/16</a:t>
+            </a:r>
+            <a:endParaRPr kumimoji="1" lang="ja-JP" altLang="en-US"/>
+          </a:p>
+        </p:txBody>
+      </p:sp>
+      <p:sp>
+        <p:nvSpPr>
+          <p:cNvPr id="5" name="フッター プレースホルダー 4">
+            <a:extLst>
+              <a:ext uri="{FF2B5EF4-FFF2-40B4-BE49-F238E27FC236}">
+                <a16:creationId xmlns:a16="http://schemas.microsoft.com/office/drawing/2014/main" id="{FC0FE16F-FB3E-43BF-93B7-BC865F966191}"/>
+              </a:ext>
+            </a:extLst>
+          </p:cNvPr>
+          <p:cNvSpPr>
+            <a:spLocks noGrp="1"/>
+          </p:cNvSpPr>
+          <p:nvPr>
+            <p:ph type="ftr" sz="quarter" idx="11"/>
+          </p:nvPr>
+        </p:nvSpPr>
+        <p:spPr/>
+        <p:txBody>
+          <a:bodyPr/>
+          <a:lstStyle/>
+          <a:p>
+            <a:r>
+              <a:rPr kumimoji="1" lang="en-US" altLang="ja-JP"/>
+              <a:t>2022 S</a:t>
+            </a:r>
+            <a:r>
+              <a:rPr kumimoji="1" lang="ja-JP" altLang="en-US"/>
+              <a:t>セメスタ 説明会 </a:t>
+            </a:r>
+            <a:r>
+              <a:rPr kumimoji="1" lang="en-US" altLang="ja-JP"/>
+              <a:t>https://utelecon.adm.u-tokyo.ac.jp/</a:t>
+            </a:r>
+            <a:endParaRPr kumimoji="1" lang="ja-JP" altLang="en-US"/>
+          </a:p>
+        </p:txBody>
+      </p:sp>
+      <p:sp>
+        <p:nvSpPr>
+          <p:cNvPr id="6" name="スライド番号プレースホルダー 5">
+            <a:extLst>
+              <a:ext uri="{FF2B5EF4-FFF2-40B4-BE49-F238E27FC236}">
+                <a16:creationId xmlns:a16="http://schemas.microsoft.com/office/drawing/2014/main" id="{06BB4B98-CF13-4052-84BF-252CAD2C9810}"/>
+              </a:ext>
+            </a:extLst>
+          </p:cNvPr>
+          <p:cNvSpPr>
+            <a:spLocks noGrp="1"/>
+          </p:cNvSpPr>
+          <p:nvPr>
+            <p:ph type="sldNum" sz="quarter" idx="12"/>
+          </p:nvPr>
+        </p:nvSpPr>
+        <p:spPr/>
+        <p:txBody>
+          <a:bodyPr/>
+          <a:lstStyle/>
+          <a:p>
+            <a:fld id="{EDF77D8D-9987-453A-9A05-EB91CA595C68}" type="slidenum">
+              <a:rPr kumimoji="1" lang="ja-JP" altLang="en-US" smtClean="0"/>
+              <a:pPr/>
+              <a:t>10</a:t>
+            </a:fld>
+            <a:endParaRPr kumimoji="1" lang="ja-JP" altLang="en-US"/>
+          </a:p>
+        </p:txBody>
+      </p:sp>
+    </p:spTree>
+    <p:extLst>
+      <p:ext uri="{BB962C8B-B14F-4D97-AF65-F5344CB8AC3E}">
+        <p14:creationId xmlns:p14="http://schemas.microsoft.com/office/powerpoint/2010/main" val="1934674316"/>
+      </p:ext>
+    </p:extLst>
+  </p:cSld>
+  <p:clrMapOvr>
+    <a:masterClrMapping/>
+  </p:clrMapOvr>
+</p:sld>
+</file>
+
+<file path=ppt/slides/slide11.xml><?xml version="1.0" encoding="utf-8"?>
+<p:sld xmlns:a="http://schemas.openxmlformats.org/drawingml/2006/main" xmlns:r="http://schemas.openxmlformats.org/officeDocument/2006/relationships" xmlns:p="http://schemas.openxmlformats.org/presentationml/2006/main">
+  <p:cSld>
+    <p:spTree>
+      <p:nvGrpSpPr>
+        <p:cNvPr id="1" name=""/>
+        <p:cNvGrpSpPr/>
+        <p:nvPr/>
+      </p:nvGrpSpPr>
+      <p:grpSpPr>
+        <a:xfrm>
+          <a:off x="0" y="0"/>
+          <a:ext cx="0" cy="0"/>
+          <a:chOff x="0" y="0"/>
+          <a:chExt cx="0" cy="0"/>
+        </a:xfrm>
+      </p:grpSpPr>
+      <p:sp>
+        <p:nvSpPr>
+          <p:cNvPr id="2" name="タイトル 1"/>
+          <p:cNvSpPr>
+            <a:spLocks noGrp="1"/>
+          </p:cNvSpPr>
+          <p:nvPr>
+            <p:ph type="title"/>
+          </p:nvPr>
+        </p:nvSpPr>
+        <p:spPr/>
+        <p:txBody>
+          <a:bodyPr/>
+          <a:lstStyle/>
+          <a:p>
+            <a:r>
+              <a:rPr kumimoji="1" lang="ja-JP" altLang="en-US" dirty="0"/>
+              <a:t>（一応）基本</a:t>
+            </a:r>
+          </a:p>
+        </p:txBody>
+      </p:sp>
+      <p:sp>
+        <p:nvSpPr>
+          <p:cNvPr id="3" name="コンテンツ プレースホルダ 2"/>
+          <p:cNvSpPr>
+            <a:spLocks noGrp="1"/>
+          </p:cNvSpPr>
+          <p:nvPr>
+            <p:ph idx="1"/>
+          </p:nvPr>
+        </p:nvSpPr>
+        <p:spPr>
+          <a:xfrm>
+            <a:off x="0" y="1500174"/>
+            <a:ext cx="9036496" cy="4856176"/>
+          </a:xfrm>
+          <a:ln>
+            <a:noFill/>
+          </a:ln>
+        </p:spPr>
+        <p:txBody>
+          <a:bodyPr>
+            <a:normAutofit fontScale="92500"/>
+          </a:bodyPr>
+          <a:lstStyle/>
+          <a:p>
+            <a:r>
+              <a:rPr kumimoji="1" lang="ja-JP" altLang="en-US" dirty="0"/>
+              <a:t>基本</a:t>
+            </a:r>
+            <a:r>
+              <a:rPr lang="ja-JP" altLang="en-US" dirty="0"/>
+              <a:t>：著作物利用には利用許諾を取ればよい</a:t>
+            </a:r>
+            <a:endParaRPr lang="en-US" altLang="ja-JP" dirty="0"/>
+          </a:p>
+          <a:p>
+            <a:r>
+              <a:rPr kumimoji="1" lang="ja-JP" altLang="en-US" dirty="0"/>
+              <a:t>授業における利用（著作権法</a:t>
+            </a:r>
+            <a:r>
+              <a:rPr kumimoji="1" lang="en-US" altLang="ja-JP" dirty="0"/>
+              <a:t>35</a:t>
+            </a:r>
+            <a:r>
+              <a:rPr kumimoji="1" lang="ja-JP" altLang="en-US" dirty="0"/>
+              <a:t>条）</a:t>
+            </a:r>
+            <a:endParaRPr kumimoji="1" lang="en-US" altLang="ja-JP" dirty="0"/>
+          </a:p>
+          <a:p>
+            <a:pPr lvl="1"/>
+            <a:r>
+              <a:rPr kumimoji="1" lang="en-US" altLang="ja-JP" dirty="0"/>
+              <a:t>…</a:t>
+            </a:r>
+            <a:r>
+              <a:rPr lang="ja-JP" altLang="en-US" dirty="0"/>
+              <a:t> </a:t>
+            </a:r>
+            <a:r>
+              <a:rPr kumimoji="1" lang="ja-JP" altLang="en-US" dirty="0"/>
+              <a:t>必要と認められる限度において</a:t>
+            </a:r>
+            <a:r>
+              <a:rPr kumimoji="1" lang="en-US" altLang="ja-JP" dirty="0"/>
+              <a:t>…</a:t>
+            </a:r>
+            <a:r>
+              <a:rPr kumimoji="1" lang="ja-JP" altLang="en-US" dirty="0"/>
+              <a:t>複製</a:t>
+            </a:r>
+            <a:r>
+              <a:rPr kumimoji="1" lang="en-US" altLang="ja-JP" dirty="0"/>
+              <a:t>…</a:t>
+            </a:r>
+            <a:r>
+              <a:rPr kumimoji="1" lang="ja-JP" altLang="en-US" dirty="0">
+                <a:solidFill>
+                  <a:srgbClr val="00B0F0"/>
+                </a:solidFill>
+              </a:rPr>
+              <a:t>公衆送信</a:t>
+            </a:r>
+            <a:r>
+              <a:rPr kumimoji="1" lang="en-US" altLang="ja-JP" dirty="0"/>
+              <a:t>... </a:t>
+            </a:r>
+            <a:r>
+              <a:rPr kumimoji="1" lang="ja-JP" altLang="en-US" dirty="0"/>
+              <a:t>できる</a:t>
+            </a:r>
+            <a:r>
+              <a:rPr kumimoji="1" lang="ja-JP" altLang="en-US" sz="1900" dirty="0"/>
+              <a:t>（利用許諾不要）</a:t>
+            </a:r>
+            <a:endParaRPr lang="en-US" altLang="ja-JP" dirty="0">
+              <a:solidFill>
+                <a:srgbClr val="00B050"/>
+              </a:solidFill>
+            </a:endParaRPr>
+          </a:p>
+          <a:p>
+            <a:pPr lvl="1"/>
+            <a:r>
+              <a:rPr kumimoji="1" lang="ja-JP" altLang="en-US" dirty="0">
+                <a:solidFill>
+                  <a:srgbClr val="00B0F0"/>
+                </a:solidFill>
+              </a:rPr>
+              <a:t>公衆送信</a:t>
+            </a:r>
+            <a:r>
+              <a:rPr kumimoji="1" lang="en-US" altLang="ja-JP" dirty="0">
+                <a:solidFill>
+                  <a:schemeClr val="tx1"/>
+                </a:solidFill>
+              </a:rPr>
+              <a:t>…</a:t>
+            </a:r>
+            <a:r>
+              <a:rPr kumimoji="1" lang="ja-JP" altLang="en-US" dirty="0">
+                <a:solidFill>
+                  <a:schemeClr val="tx1"/>
+                </a:solidFill>
+              </a:rPr>
+              <a:t>には</a:t>
+            </a:r>
+            <a:r>
+              <a:rPr kumimoji="1" lang="en-US" altLang="ja-JP" dirty="0">
+                <a:solidFill>
+                  <a:schemeClr val="tx1"/>
+                </a:solidFill>
+              </a:rPr>
+              <a:t>…</a:t>
+            </a:r>
+            <a:r>
+              <a:rPr kumimoji="1" lang="ja-JP" altLang="en-US" dirty="0">
+                <a:solidFill>
+                  <a:schemeClr val="tx1"/>
+                </a:solidFill>
+              </a:rPr>
+              <a:t>補償金を</a:t>
+            </a:r>
+            <a:r>
+              <a:rPr kumimoji="1" lang="en-US" altLang="ja-JP" dirty="0">
+                <a:solidFill>
+                  <a:schemeClr val="tx1"/>
+                </a:solidFill>
+              </a:rPr>
+              <a:t>…</a:t>
+            </a:r>
+            <a:r>
+              <a:rPr kumimoji="1" lang="ja-JP" altLang="en-US" dirty="0">
+                <a:solidFill>
+                  <a:schemeClr val="tx1"/>
+                </a:solidFill>
+              </a:rPr>
+              <a:t>支払わなければならない</a:t>
+            </a:r>
+            <a:endParaRPr kumimoji="1" lang="en-US" altLang="zh-TW" dirty="0">
+              <a:solidFill>
+                <a:schemeClr val="tx1"/>
+              </a:solidFill>
+            </a:endParaRPr>
+          </a:p>
+          <a:p>
+            <a:r>
+              <a:rPr kumimoji="1" lang="zh-TW" altLang="en-US" dirty="0"/>
+              <a:t>授業目的</a:t>
+            </a:r>
+            <a:r>
+              <a:rPr kumimoji="1" lang="zh-TW" altLang="en-US" dirty="0">
+                <a:solidFill>
+                  <a:srgbClr val="00B0F0"/>
+                </a:solidFill>
+              </a:rPr>
+              <a:t>公衆送信補償金</a:t>
+            </a:r>
+            <a:r>
+              <a:rPr kumimoji="1" lang="zh-TW" altLang="en-US" dirty="0"/>
+              <a:t>制度</a:t>
+            </a:r>
+            <a:endParaRPr kumimoji="1" lang="en-US" altLang="zh-TW" dirty="0"/>
+          </a:p>
+          <a:p>
+            <a:pPr lvl="1"/>
+            <a:r>
+              <a:rPr lang="ja-JP" altLang="en-US" dirty="0">
+                <a:solidFill>
+                  <a:srgbClr val="00B0F0"/>
+                </a:solidFill>
+              </a:rPr>
+              <a:t>公衆送信</a:t>
+            </a:r>
+            <a:r>
+              <a:rPr lang="ja-JP" altLang="en-US" dirty="0"/>
+              <a:t>に対する利用許諾を、</a:t>
+            </a:r>
+            <a:r>
+              <a:rPr lang="ja-JP" altLang="en-US" dirty="0">
+                <a:solidFill>
+                  <a:srgbClr val="00B0F0"/>
+                </a:solidFill>
+              </a:rPr>
+              <a:t>補償金</a:t>
+            </a:r>
+            <a:r>
+              <a:rPr lang="ja-JP" altLang="en-US" dirty="0"/>
+              <a:t>を一括して支払うことで不要とした</a:t>
+            </a:r>
+            <a:endParaRPr lang="en-US" altLang="ja-JP" dirty="0"/>
+          </a:p>
+          <a:p>
+            <a:pPr lvl="1"/>
+            <a:r>
+              <a:rPr lang="en-US" altLang="ja-JP" dirty="0"/>
+              <a:t>2020/4/28 </a:t>
+            </a:r>
+            <a:r>
+              <a:rPr lang="ja-JP" altLang="en-US" dirty="0"/>
+              <a:t>から施行</a:t>
+            </a:r>
+            <a:endParaRPr lang="en-US" altLang="ja-JP" dirty="0"/>
+          </a:p>
+          <a:p>
+            <a:pPr lvl="1"/>
+            <a:r>
+              <a:rPr lang="ja-JP" altLang="en-US" dirty="0"/>
+              <a:t>補償金は大学が一括支払</a:t>
+            </a:r>
+            <a:r>
+              <a:rPr lang="ja-JP" altLang="en-US" dirty="0">
+                <a:solidFill>
+                  <a:srgbClr val="00B0F0"/>
+                </a:solidFill>
+              </a:rPr>
+              <a:t>（教員の手続き不要）</a:t>
+            </a:r>
+            <a:endParaRPr lang="en-US" altLang="ja-JP" dirty="0">
+              <a:solidFill>
+                <a:srgbClr val="00B0F0"/>
+              </a:solidFill>
+            </a:endParaRPr>
+          </a:p>
+        </p:txBody>
+      </p:sp>
+      <p:sp>
+        <p:nvSpPr>
+          <p:cNvPr id="4" name="日付プレースホルダ 3"/>
+          <p:cNvSpPr>
+            <a:spLocks noGrp="1"/>
+          </p:cNvSpPr>
+          <p:nvPr>
+            <p:ph type="dt" sz="half" idx="10"/>
+          </p:nvPr>
+        </p:nvSpPr>
+        <p:spPr/>
+        <p:txBody>
+          <a:bodyPr/>
+          <a:lstStyle/>
+          <a:p>
+            <a:r>
+              <a:rPr kumimoji="1" lang="en-US" altLang="ja-JP"/>
+              <a:t>2022/3/16</a:t>
+            </a:r>
+            <a:endParaRPr kumimoji="1" lang="ja-JP" altLang="en-US"/>
+          </a:p>
+        </p:txBody>
+      </p:sp>
+      <p:sp>
+        <p:nvSpPr>
+          <p:cNvPr id="6" name="スライド番号プレースホルダ 5"/>
+          <p:cNvSpPr>
+            <a:spLocks noGrp="1"/>
+          </p:cNvSpPr>
+          <p:nvPr>
+            <p:ph type="sldNum" sz="quarter" idx="12"/>
+          </p:nvPr>
+        </p:nvSpPr>
+        <p:spPr/>
+        <p:txBody>
+          <a:bodyPr/>
+          <a:lstStyle/>
+          <a:p>
+            <a:fld id="{EDF77D8D-9987-453A-9A05-EB91CA595C68}" type="slidenum">
+              <a:rPr kumimoji="1" lang="ja-JP" altLang="en-US" smtClean="0"/>
+              <a:pPr/>
+              <a:t>11</a:t>
+            </a:fld>
+            <a:endParaRPr kumimoji="1" lang="ja-JP" altLang="en-US" dirty="0"/>
+          </a:p>
+        </p:txBody>
+      </p:sp>
+      <p:sp>
+        <p:nvSpPr>
+          <p:cNvPr id="5" name="フッター プレースホルダー 4">
+            <a:extLst>
+              <a:ext uri="{FF2B5EF4-FFF2-40B4-BE49-F238E27FC236}">
+                <a16:creationId xmlns:a16="http://schemas.microsoft.com/office/drawing/2014/main" id="{6AAD55DB-142B-4BDC-975D-3B8A2B99B892}"/>
+              </a:ext>
+            </a:extLst>
+          </p:cNvPr>
+          <p:cNvSpPr>
+            <a:spLocks noGrp="1"/>
+          </p:cNvSpPr>
+          <p:nvPr>
+            <p:ph type="ftr" sz="quarter" idx="11"/>
+          </p:nvPr>
+        </p:nvSpPr>
+        <p:spPr/>
+        <p:txBody>
+          <a:bodyPr/>
+          <a:lstStyle/>
+          <a:p>
+            <a:r>
+              <a:rPr kumimoji="1" lang="en-US" altLang="ja-JP"/>
+              <a:t>2022 S</a:t>
+            </a:r>
+            <a:r>
+              <a:rPr kumimoji="1" lang="ja-JP" altLang="en-US"/>
+              <a:t>セメスタ 説明会 </a:t>
+            </a:r>
+            <a:r>
+              <a:rPr kumimoji="1" lang="en-US" altLang="ja-JP"/>
+              <a:t>https://utelecon.adm.u-tokyo.ac.jp/</a:t>
+            </a:r>
+            <a:endParaRPr kumimoji="1" lang="ja-JP" altLang="en-US"/>
+          </a:p>
+        </p:txBody>
+      </p:sp>
+      <p:sp>
+        <p:nvSpPr>
+          <p:cNvPr id="7" name="正方形/長方形 6">
+            <a:extLst>
+              <a:ext uri="{FF2B5EF4-FFF2-40B4-BE49-F238E27FC236}">
+                <a16:creationId xmlns:a16="http://schemas.microsoft.com/office/drawing/2014/main" id="{A4093194-F681-4C71-B888-6CBE66DA427B}"/>
+              </a:ext>
+            </a:extLst>
+          </p:cNvPr>
+          <p:cNvSpPr/>
+          <p:nvPr/>
+        </p:nvSpPr>
+        <p:spPr>
+          <a:xfrm>
+            <a:off x="6576000" y="620688"/>
+            <a:ext cx="2339752" cy="648072"/>
+          </a:xfrm>
+          <a:prstGeom prst="rect">
+            <a:avLst/>
+          </a:prstGeom>
+          <a:solidFill>
+            <a:schemeClr val="bg1"/>
+          </a:solidFill>
+          <a:ln>
+            <a:solidFill>
+              <a:srgbClr val="00B0F0"/>
+            </a:solidFill>
+          </a:ln>
+        </p:spPr>
+        <p:style>
+          <a:lnRef idx="2">
+            <a:schemeClr val="accent1">
+              <a:shade val="50000"/>
+            </a:schemeClr>
+          </a:lnRef>
+          <a:fillRef idx="1">
+            <a:schemeClr val="accent1"/>
+          </a:fillRef>
+          <a:effectRef idx="0">
+            <a:schemeClr val="accent1"/>
+          </a:effectRef>
+          <a:fontRef idx="minor">
+            <a:schemeClr val="lt1"/>
+          </a:fontRef>
+        </p:style>
+        <p:txBody>
+          <a:bodyPr rtlCol="0" anchor="ctr"/>
+          <a:lstStyle/>
+          <a:p>
+            <a:pPr algn="ctr"/>
+            <a:r>
+              <a:rPr kumimoji="1" lang="ja-JP" altLang="en-US" dirty="0">
+                <a:solidFill>
+                  <a:srgbClr val="00B0F0"/>
+                </a:solidFill>
+              </a:rPr>
+              <a:t>オンデマンドや資料のネットでの配布</a:t>
+            </a:r>
+          </a:p>
+        </p:txBody>
+      </p:sp>
+      <p:cxnSp>
+        <p:nvCxnSpPr>
+          <p:cNvPr id="9" name="直線コネクタ 8">
+            <a:extLst>
+              <a:ext uri="{FF2B5EF4-FFF2-40B4-BE49-F238E27FC236}">
+                <a16:creationId xmlns:a16="http://schemas.microsoft.com/office/drawing/2014/main" id="{37ED512B-DD44-41C8-B7A0-D03DBE263AFD}"/>
+              </a:ext>
+            </a:extLst>
+          </p:cNvPr>
+          <p:cNvCxnSpPr>
+            <a:cxnSpLocks/>
+            <a:stCxn id="7" idx="2"/>
+          </p:cNvCxnSpPr>
+          <p:nvPr/>
+        </p:nvCxnSpPr>
+        <p:spPr>
+          <a:xfrm flipH="1">
+            <a:off x="7596336" y="1268760"/>
+            <a:ext cx="149540" cy="1143000"/>
+          </a:xfrm>
+          <a:prstGeom prst="line">
+            <a:avLst/>
+          </a:prstGeom>
+          <a:ln w="19050">
+            <a:solidFill>
+              <a:srgbClr val="00B0F0"/>
+            </a:solidFill>
+          </a:ln>
+        </p:spPr>
+        <p:style>
+          <a:lnRef idx="1">
+            <a:schemeClr val="accent1"/>
+          </a:lnRef>
+          <a:fillRef idx="0">
+            <a:schemeClr val="accent1"/>
+          </a:fillRef>
+          <a:effectRef idx="0">
+            <a:schemeClr val="accent1"/>
+          </a:effectRef>
+          <a:fontRef idx="minor">
+            <a:schemeClr val="tx1"/>
+          </a:fontRef>
+        </p:style>
+      </p:cxnSp>
+    </p:spTree>
+    <p:extLst>
+      <p:ext uri="{BB962C8B-B14F-4D97-AF65-F5344CB8AC3E}">
+        <p14:creationId xmlns:p14="http://schemas.microsoft.com/office/powerpoint/2010/main" val="1570231915"/>
+      </p:ext>
+    </p:extLst>
+  </p:cSld>
+  <p:clrMapOvr>
+    <a:masterClrMapping/>
+  </p:clrMapOvr>
+</p:sld>
+</file>
+
+<file path=ppt/slides/slide12.xml><?xml version="1.0" encoding="utf-8"?>
+<p:sld xmlns:a="http://schemas.openxmlformats.org/drawingml/2006/main" xmlns:r="http://schemas.openxmlformats.org/officeDocument/2006/relationships" xmlns:p="http://schemas.openxmlformats.org/presentationml/2006/main">
+  <p:cSld>
+    <p:spTree>
+      <p:nvGrpSpPr>
+        <p:cNvPr id="1" name=""/>
+        <p:cNvGrpSpPr/>
+        <p:nvPr/>
+      </p:nvGrpSpPr>
+      <p:grpSpPr>
+        <a:xfrm>
+          <a:off x="0" y="0"/>
+          <a:ext cx="0" cy="0"/>
+          <a:chOff x="0" y="0"/>
+          <a:chExt cx="0" cy="0"/>
+        </a:xfrm>
+      </p:grpSpPr>
+      <p:sp>
+        <p:nvSpPr>
+          <p:cNvPr id="2" name="タイトル 1"/>
+          <p:cNvSpPr>
+            <a:spLocks noGrp="1"/>
+          </p:cNvSpPr>
+          <p:nvPr>
+            <p:ph type="title"/>
+          </p:nvPr>
+        </p:nvSpPr>
+        <p:spPr/>
+        <p:txBody>
+          <a:bodyPr/>
+          <a:lstStyle/>
+          <a:p>
+            <a:r>
+              <a:rPr kumimoji="1" lang="ja-JP" altLang="en-US" dirty="0"/>
+              <a:t>参考情報</a:t>
+            </a:r>
+          </a:p>
+        </p:txBody>
+      </p:sp>
+      <p:sp>
+        <p:nvSpPr>
+          <p:cNvPr id="3" name="コンテンツ プレースホルダ 2"/>
+          <p:cNvSpPr>
+            <a:spLocks noGrp="1"/>
+          </p:cNvSpPr>
+          <p:nvPr>
+            <p:ph idx="1"/>
+          </p:nvPr>
+        </p:nvSpPr>
+        <p:spPr>
+          <a:xfrm>
+            <a:off x="457200" y="1500174"/>
+            <a:ext cx="8579296" cy="4856176"/>
+          </a:xfrm>
+        </p:spPr>
+        <p:txBody>
+          <a:bodyPr>
+            <a:normAutofit/>
+          </a:bodyPr>
+          <a:lstStyle/>
+          <a:p>
+            <a:r>
+              <a:rPr kumimoji="1" lang="ja-JP" altLang="en-US" sz="2700" dirty="0"/>
+              <a:t>授業における利用の解説・原典</a:t>
+            </a:r>
+            <a:endParaRPr kumimoji="1" lang="en-US" altLang="zh-CN" sz="2700" dirty="0">
+              <a:hlinkClick r:id="rId2"/>
+            </a:endParaRPr>
+          </a:p>
+          <a:p>
+            <a:pPr lvl="1"/>
+            <a:r>
+              <a:rPr kumimoji="1" lang="zh-CN" altLang="en-US" sz="2300" dirty="0">
+                <a:hlinkClick r:id="rId2"/>
+              </a:rPr>
+              <a:t>改正著作権法第３５条</a:t>
+            </a:r>
+            <a:r>
+              <a:rPr kumimoji="1" lang="ja-JP" altLang="en-US" sz="2300" dirty="0">
+                <a:hlinkClick r:id="rId2"/>
+              </a:rPr>
+              <a:t>運用指針</a:t>
+            </a:r>
+            <a:r>
+              <a:rPr kumimoji="1" lang="ja-JP" altLang="en-US" sz="2300" dirty="0"/>
+              <a:t>（令和</a:t>
+            </a:r>
+            <a:r>
+              <a:rPr kumimoji="1" lang="en-US" altLang="ja-JP" sz="2300" dirty="0"/>
+              <a:t>3</a:t>
+            </a:r>
+            <a:r>
+              <a:rPr kumimoji="1" lang="ja-JP" altLang="en-US" sz="2300" dirty="0"/>
+              <a:t>年度版）</a:t>
+            </a:r>
+            <a:endParaRPr kumimoji="1" lang="en-US" altLang="ja-JP" sz="2300" dirty="0"/>
+          </a:p>
+          <a:p>
+            <a:pPr lvl="1"/>
+            <a:r>
+              <a:rPr lang="ja-JP" altLang="en-US" sz="2400" dirty="0">
+                <a:hlinkClick r:id="rId3"/>
+              </a:rPr>
+              <a:t>著作権法</a:t>
+            </a:r>
+            <a:endParaRPr lang="en-US" altLang="ja-JP" sz="2400" dirty="0"/>
+          </a:p>
+          <a:p>
+            <a:r>
+              <a:rPr kumimoji="1" lang="ja-JP" altLang="en-US" sz="2700" dirty="0"/>
+              <a:t>補償金</a:t>
+            </a:r>
+            <a:r>
+              <a:rPr lang="ja-JP" altLang="en-US" sz="2700" dirty="0"/>
+              <a:t>制度について</a:t>
+            </a:r>
+            <a:endParaRPr kumimoji="1" lang="en-US" altLang="ja-JP" sz="2700" dirty="0"/>
+          </a:p>
+          <a:p>
+            <a:pPr lvl="1"/>
+            <a:r>
+              <a:rPr lang="ja-JP" altLang="en-US" sz="2300" dirty="0">
+                <a:hlinkClick r:id="rId4"/>
+              </a:rPr>
+              <a:t>授業目的公衆送信補償金管理協会</a:t>
+            </a:r>
+            <a:r>
+              <a:rPr lang="ja-JP" altLang="en-US" sz="2300" dirty="0"/>
+              <a:t>（</a:t>
+            </a:r>
+            <a:r>
+              <a:rPr lang="en-US" altLang="ja-JP" sz="2300" dirty="0"/>
+              <a:t>SARTRAS</a:t>
+            </a:r>
+            <a:r>
+              <a:rPr lang="ja-JP" altLang="en-US" sz="2300" dirty="0"/>
+              <a:t>）</a:t>
+            </a:r>
+            <a:endParaRPr lang="en-US" altLang="ja-JP" sz="2300" dirty="0"/>
+          </a:p>
+          <a:p>
+            <a:pPr lvl="1"/>
+            <a:r>
+              <a:rPr lang="en-US" altLang="ja-JP" sz="2300" dirty="0">
+                <a:hlinkClick r:id="rId5"/>
+              </a:rPr>
+              <a:t>FAQ</a:t>
+            </a:r>
+            <a:endParaRPr lang="en-US" altLang="ja-JP" sz="2300" dirty="0"/>
+          </a:p>
+          <a:p>
+            <a:r>
+              <a:rPr lang="ja-JP" altLang="en-US" sz="2700" dirty="0">
+                <a:hlinkClick r:id="rId6"/>
+              </a:rPr>
+              <a:t>本学での著作物利用に関する説明会</a:t>
+            </a:r>
+            <a:r>
+              <a:rPr lang="ja-JP" altLang="en-US" sz="2700" dirty="0"/>
+              <a:t>（</a:t>
+            </a:r>
+            <a:r>
+              <a:rPr lang="en-US" altLang="ja-JP" sz="2700" dirty="0"/>
+              <a:t>2020</a:t>
+            </a:r>
+            <a:r>
+              <a:rPr lang="ja-JP" altLang="en-US" sz="2700" dirty="0"/>
+              <a:t>年</a:t>
+            </a:r>
+            <a:r>
+              <a:rPr lang="en-US" altLang="ja-JP" sz="2700" dirty="0"/>
+              <a:t>5</a:t>
+            </a:r>
+            <a:r>
+              <a:rPr lang="ja-JP" altLang="en-US" sz="2700" dirty="0"/>
+              <a:t>月）</a:t>
+            </a:r>
+            <a:endParaRPr lang="en-US" altLang="ja-JP" sz="2700" dirty="0"/>
+          </a:p>
+          <a:p>
+            <a:r>
+              <a:rPr lang="ja-JP" altLang="en-US" sz="2700" dirty="0"/>
+              <a:t>卒業に必要な単位数など</a:t>
+            </a:r>
+            <a:endParaRPr lang="en-US" altLang="ja-JP" sz="2700" dirty="0">
+              <a:hlinkClick r:id="rId7"/>
+            </a:endParaRPr>
+          </a:p>
+          <a:p>
+            <a:pPr lvl="1"/>
+            <a:r>
+              <a:rPr lang="ja-JP" altLang="en-US" sz="2300" dirty="0">
+                <a:hlinkClick r:id="rId7"/>
+              </a:rPr>
+              <a:t>大学設置基準</a:t>
+            </a:r>
+            <a:endParaRPr lang="en-US" altLang="ja-JP" sz="2300" dirty="0"/>
+          </a:p>
+        </p:txBody>
+      </p:sp>
+      <p:sp>
+        <p:nvSpPr>
+          <p:cNvPr id="4" name="日付プレースホルダ 3"/>
+          <p:cNvSpPr>
+            <a:spLocks noGrp="1"/>
+          </p:cNvSpPr>
+          <p:nvPr>
+            <p:ph type="dt" sz="half" idx="10"/>
+          </p:nvPr>
+        </p:nvSpPr>
+        <p:spPr/>
+        <p:txBody>
+          <a:bodyPr/>
+          <a:lstStyle/>
+          <a:p>
+            <a:r>
+              <a:rPr kumimoji="1" lang="en-US" altLang="ja-JP"/>
+              <a:t>2022/3/16</a:t>
+            </a:r>
+            <a:endParaRPr kumimoji="1" lang="ja-JP" altLang="en-US"/>
+          </a:p>
+        </p:txBody>
+      </p:sp>
+      <p:sp>
+        <p:nvSpPr>
+          <p:cNvPr id="6" name="スライド番号プレースホルダ 5"/>
+          <p:cNvSpPr>
+            <a:spLocks noGrp="1"/>
+          </p:cNvSpPr>
+          <p:nvPr>
+            <p:ph type="sldNum" sz="quarter" idx="12"/>
+          </p:nvPr>
+        </p:nvSpPr>
+        <p:spPr/>
+        <p:txBody>
+          <a:bodyPr/>
+          <a:lstStyle/>
+          <a:p>
+            <a:fld id="{EDF77D8D-9987-453A-9A05-EB91CA595C68}" type="slidenum">
+              <a:rPr kumimoji="1" lang="ja-JP" altLang="en-US" smtClean="0"/>
+              <a:pPr/>
+              <a:t>12</a:t>
+            </a:fld>
+            <a:endParaRPr kumimoji="1" lang="ja-JP" altLang="en-US" dirty="0"/>
+          </a:p>
+        </p:txBody>
+      </p:sp>
+      <p:sp>
+        <p:nvSpPr>
+          <p:cNvPr id="5" name="フッター プレースホルダー 4">
+            <a:extLst>
+              <a:ext uri="{FF2B5EF4-FFF2-40B4-BE49-F238E27FC236}">
+                <a16:creationId xmlns:a16="http://schemas.microsoft.com/office/drawing/2014/main" id="{6AAD55DB-142B-4BDC-975D-3B8A2B99B892}"/>
+              </a:ext>
+            </a:extLst>
+          </p:cNvPr>
+          <p:cNvSpPr>
+            <a:spLocks noGrp="1"/>
+          </p:cNvSpPr>
+          <p:nvPr>
+            <p:ph type="ftr" sz="quarter" idx="11"/>
+          </p:nvPr>
+        </p:nvSpPr>
+        <p:spPr/>
+        <p:txBody>
+          <a:bodyPr/>
+          <a:lstStyle/>
+          <a:p>
+            <a:r>
+              <a:rPr kumimoji="1" lang="en-US" altLang="ja-JP"/>
+              <a:t>2022 S</a:t>
+            </a:r>
+            <a:r>
+              <a:rPr kumimoji="1" lang="ja-JP" altLang="en-US"/>
+              <a:t>セメスタ 説明会 </a:t>
+            </a:r>
+            <a:r>
+              <a:rPr kumimoji="1" lang="en-US" altLang="ja-JP"/>
+              <a:t>https://utelecon.adm.u-tokyo.ac.jp/</a:t>
+            </a:r>
+            <a:endParaRPr kumimoji="1" lang="ja-JP" altLang="en-US"/>
+          </a:p>
+        </p:txBody>
+      </p:sp>
+    </p:spTree>
+    <p:extLst>
+      <p:ext uri="{BB962C8B-B14F-4D97-AF65-F5344CB8AC3E}">
+        <p14:creationId xmlns:p14="http://schemas.microsoft.com/office/powerpoint/2010/main" val="4234888860"/>
+      </p:ext>
+    </p:extLst>
+  </p:cSld>
+  <p:clrMapOvr>
+    <a:masterClrMapping/>
+  </p:clrMapOvr>
+</p:sld>
+</file>
+
 <file path=ppt/slides/slide2.xml><?xml version="1.0" encoding="utf-8"?>
+<p:sld xmlns:a="http://schemas.openxmlformats.org/drawingml/2006/main" xmlns:r="http://schemas.openxmlformats.org/officeDocument/2006/relationships" xmlns:p="http://schemas.openxmlformats.org/presentationml/2006/main">
+  <p:cSld>
+    <p:spTree>
+      <p:nvGrpSpPr>
+        <p:cNvPr id="1" name=""/>
+        <p:cNvGrpSpPr/>
+        <p:nvPr/>
+      </p:nvGrpSpPr>
+      <p:grpSpPr>
+        <a:xfrm>
+          <a:off x="0" y="0"/>
+          <a:ext cx="0" cy="0"/>
+          <a:chOff x="0" y="0"/>
+          <a:chExt cx="0" cy="0"/>
+        </a:xfrm>
+      </p:grpSpPr>
+      <p:sp>
+        <p:nvSpPr>
+          <p:cNvPr id="2" name="タイトル 1">
+            <a:extLst>
+              <a:ext uri="{FF2B5EF4-FFF2-40B4-BE49-F238E27FC236}">
+                <a16:creationId xmlns:a16="http://schemas.microsoft.com/office/drawing/2014/main" id="{11888EFB-D97F-4211-A8EB-65013FE7B6EC}"/>
+              </a:ext>
+            </a:extLst>
+          </p:cNvPr>
+          <p:cNvSpPr>
+            <a:spLocks noGrp="1"/>
+          </p:cNvSpPr>
+          <p:nvPr>
+            <p:ph type="title"/>
+          </p:nvPr>
+        </p:nvSpPr>
+        <p:spPr/>
+        <p:txBody>
+          <a:bodyPr/>
+          <a:lstStyle/>
+          <a:p>
+            <a:r>
+              <a:rPr kumimoji="1" lang="ja-JP" altLang="en-US" dirty="0"/>
+              <a:t>目的</a:t>
+            </a:r>
+          </a:p>
+        </p:txBody>
+      </p:sp>
+      <p:sp>
+        <p:nvSpPr>
+          <p:cNvPr id="3" name="コンテンツ プレースホルダー 2">
+            <a:extLst>
+              <a:ext uri="{FF2B5EF4-FFF2-40B4-BE49-F238E27FC236}">
+                <a16:creationId xmlns:a16="http://schemas.microsoft.com/office/drawing/2014/main" id="{B1475A2D-4680-498E-AC85-3C1CC85BEE80}"/>
+              </a:ext>
+            </a:extLst>
+          </p:cNvPr>
+          <p:cNvSpPr>
+            <a:spLocks noGrp="1"/>
+          </p:cNvSpPr>
+          <p:nvPr>
+            <p:ph idx="1"/>
+          </p:nvPr>
+        </p:nvSpPr>
+        <p:spPr/>
+        <p:txBody>
+          <a:bodyPr/>
+          <a:lstStyle/>
+          <a:p>
+            <a:r>
+              <a:rPr kumimoji="1" lang="en-US" altLang="ja-JP" dirty="0"/>
+              <a:t>2022</a:t>
+            </a:r>
+            <a:r>
+              <a:rPr kumimoji="1" lang="ja-JP" altLang="en-US" dirty="0"/>
+              <a:t>年度の「気になるポイント」解説</a:t>
+            </a:r>
+            <a:endParaRPr kumimoji="1" lang="en-US" altLang="ja-JP" dirty="0"/>
+          </a:p>
+        </p:txBody>
+      </p:sp>
+      <p:sp>
+        <p:nvSpPr>
+          <p:cNvPr id="4" name="日付プレースホルダー 3">
+            <a:extLst>
+              <a:ext uri="{FF2B5EF4-FFF2-40B4-BE49-F238E27FC236}">
+                <a16:creationId xmlns:a16="http://schemas.microsoft.com/office/drawing/2014/main" id="{AACEE1DE-C2FE-416F-BE61-42C07CBA3694}"/>
+              </a:ext>
+            </a:extLst>
+          </p:cNvPr>
+          <p:cNvSpPr>
+            <a:spLocks noGrp="1"/>
+          </p:cNvSpPr>
+          <p:nvPr>
+            <p:ph type="dt" sz="half" idx="10"/>
+          </p:nvPr>
+        </p:nvSpPr>
+        <p:spPr/>
+        <p:txBody>
+          <a:bodyPr/>
+          <a:lstStyle/>
+          <a:p>
+            <a:r>
+              <a:rPr kumimoji="1" lang="en-US" altLang="ja-JP"/>
+              <a:t>2022/3/16</a:t>
+            </a:r>
+            <a:endParaRPr kumimoji="1" lang="ja-JP" altLang="en-US"/>
+          </a:p>
+        </p:txBody>
+      </p:sp>
+      <p:sp>
+        <p:nvSpPr>
+          <p:cNvPr id="5" name="フッター プレースホルダー 4">
+            <a:extLst>
+              <a:ext uri="{FF2B5EF4-FFF2-40B4-BE49-F238E27FC236}">
+                <a16:creationId xmlns:a16="http://schemas.microsoft.com/office/drawing/2014/main" id="{90A1C6B6-C0CF-4E31-BA7F-78D9B342A992}"/>
+              </a:ext>
+            </a:extLst>
+          </p:cNvPr>
+          <p:cNvSpPr>
+            <a:spLocks noGrp="1"/>
+          </p:cNvSpPr>
+          <p:nvPr>
+            <p:ph type="ftr" sz="quarter" idx="11"/>
+          </p:nvPr>
+        </p:nvSpPr>
+        <p:spPr/>
+        <p:txBody>
+          <a:bodyPr/>
+          <a:lstStyle/>
+          <a:p>
+            <a:r>
+              <a:rPr kumimoji="1" lang="en-US" altLang="ja-JP"/>
+              <a:t>2022 S</a:t>
+            </a:r>
+            <a:r>
+              <a:rPr kumimoji="1" lang="ja-JP" altLang="en-US"/>
+              <a:t>セメスタ 説明会 </a:t>
+            </a:r>
+            <a:r>
+              <a:rPr kumimoji="1" lang="en-US" altLang="ja-JP"/>
+              <a:t>https://utelecon.adm.u-tokyo.ac.jp/</a:t>
+            </a:r>
+            <a:endParaRPr kumimoji="1" lang="ja-JP" altLang="en-US"/>
+          </a:p>
+        </p:txBody>
+      </p:sp>
+      <p:sp>
+        <p:nvSpPr>
+          <p:cNvPr id="6" name="スライド番号プレースホルダー 5">
+            <a:extLst>
+              <a:ext uri="{FF2B5EF4-FFF2-40B4-BE49-F238E27FC236}">
+                <a16:creationId xmlns:a16="http://schemas.microsoft.com/office/drawing/2014/main" id="{6199F59F-677A-4DD1-BB77-655151672426}"/>
+              </a:ext>
+            </a:extLst>
+          </p:cNvPr>
+          <p:cNvSpPr>
+            <a:spLocks noGrp="1"/>
+          </p:cNvSpPr>
+          <p:nvPr>
+            <p:ph type="sldNum" sz="quarter" idx="12"/>
+          </p:nvPr>
+        </p:nvSpPr>
+        <p:spPr/>
+        <p:txBody>
+          <a:bodyPr/>
+          <a:lstStyle/>
+          <a:p>
+            <a:fld id="{EDF77D8D-9987-453A-9A05-EB91CA595C68}" type="slidenum">
+              <a:rPr kumimoji="1" lang="ja-JP" altLang="en-US" smtClean="0"/>
+              <a:pPr/>
+              <a:t>2</a:t>
+            </a:fld>
+            <a:endParaRPr kumimoji="1" lang="ja-JP" altLang="en-US"/>
+          </a:p>
+        </p:txBody>
+      </p:sp>
+    </p:spTree>
+    <p:extLst>
+      <p:ext uri="{BB962C8B-B14F-4D97-AF65-F5344CB8AC3E}">
+        <p14:creationId xmlns:p14="http://schemas.microsoft.com/office/powerpoint/2010/main" val="2808641711"/>
+      </p:ext>
+    </p:extLst>
+  </p:cSld>
+  <p:clrMapOvr>
+    <a:masterClrMapping/>
+  </p:clrMapOvr>
+</p:sld>
+</file>
+
+<file path=ppt/slides/slide3.xml><?xml version="1.0" encoding="utf-8"?>
+<p:sld xmlns:a="http://schemas.openxmlformats.org/drawingml/2006/main" xmlns:r="http://schemas.openxmlformats.org/officeDocument/2006/relationships" xmlns:p="http://schemas.openxmlformats.org/presentationml/2006/main">
+  <p:cSld>
+    <p:spTree>
+      <p:nvGrpSpPr>
+        <p:cNvPr id="1" name=""/>
+        <p:cNvGrpSpPr/>
+        <p:nvPr/>
+      </p:nvGrpSpPr>
+      <p:grpSpPr>
+        <a:xfrm>
+          <a:off x="0" y="0"/>
+          <a:ext cx="0" cy="0"/>
+          <a:chOff x="0" y="0"/>
+          <a:chExt cx="0" cy="0"/>
+        </a:xfrm>
+      </p:grpSpPr>
+      <p:sp>
+        <p:nvSpPr>
+          <p:cNvPr id="2" name="タイトル 1">
+            <a:extLst>
+              <a:ext uri="{FF2B5EF4-FFF2-40B4-BE49-F238E27FC236}">
+                <a16:creationId xmlns:a16="http://schemas.microsoft.com/office/drawing/2014/main" id="{11888EFB-D97F-4211-A8EB-65013FE7B6EC}"/>
+              </a:ext>
+            </a:extLst>
+          </p:cNvPr>
+          <p:cNvSpPr>
+            <a:spLocks noGrp="1"/>
+          </p:cNvSpPr>
+          <p:nvPr>
+            <p:ph type="title"/>
+          </p:nvPr>
+        </p:nvSpPr>
+        <p:spPr/>
+        <p:txBody>
+          <a:bodyPr/>
+          <a:lstStyle/>
+          <a:p>
+            <a:r>
+              <a:rPr kumimoji="1" lang="ja-JP" altLang="en-US" dirty="0"/>
+              <a:t>目次</a:t>
+            </a:r>
+          </a:p>
+        </p:txBody>
+      </p:sp>
+      <p:sp>
+        <p:nvSpPr>
+          <p:cNvPr id="3" name="コンテンツ プレースホルダー 2">
+            <a:extLst>
+              <a:ext uri="{FF2B5EF4-FFF2-40B4-BE49-F238E27FC236}">
+                <a16:creationId xmlns:a16="http://schemas.microsoft.com/office/drawing/2014/main" id="{B1475A2D-4680-498E-AC85-3C1CC85BEE80}"/>
+              </a:ext>
+            </a:extLst>
+          </p:cNvPr>
+          <p:cNvSpPr>
+            <a:spLocks noGrp="1"/>
+          </p:cNvSpPr>
+          <p:nvPr>
+            <p:ph idx="1"/>
+          </p:nvPr>
+        </p:nvSpPr>
+        <p:spPr/>
+        <p:txBody>
+          <a:bodyPr/>
+          <a:lstStyle/>
+          <a:p>
+            <a:r>
+              <a:rPr kumimoji="1" lang="ja-JP" altLang="en-US" dirty="0"/>
+              <a:t>いわゆる「メディア授業</a:t>
+            </a:r>
+            <a:r>
+              <a:rPr kumimoji="1" lang="en-US" altLang="ja-JP" dirty="0"/>
+              <a:t>60</a:t>
+            </a:r>
+            <a:r>
+              <a:rPr kumimoji="1" lang="ja-JP" altLang="en-US" dirty="0"/>
+              <a:t>単位上限」</a:t>
+            </a:r>
+            <a:endParaRPr kumimoji="1" lang="en-US" altLang="ja-JP" dirty="0"/>
+          </a:p>
+          <a:p>
+            <a:r>
+              <a:rPr lang="ja-JP" altLang="en-US" dirty="0"/>
+              <a:t>著作物利用（復習）</a:t>
+            </a:r>
+            <a:endParaRPr kumimoji="1" lang="ja-JP" altLang="en-US" dirty="0"/>
+          </a:p>
+        </p:txBody>
+      </p:sp>
+      <p:sp>
+        <p:nvSpPr>
+          <p:cNvPr id="4" name="日付プレースホルダー 3">
+            <a:extLst>
+              <a:ext uri="{FF2B5EF4-FFF2-40B4-BE49-F238E27FC236}">
+                <a16:creationId xmlns:a16="http://schemas.microsoft.com/office/drawing/2014/main" id="{AACEE1DE-C2FE-416F-BE61-42C07CBA3694}"/>
+              </a:ext>
+            </a:extLst>
+          </p:cNvPr>
+          <p:cNvSpPr>
+            <a:spLocks noGrp="1"/>
+          </p:cNvSpPr>
+          <p:nvPr>
+            <p:ph type="dt" sz="half" idx="10"/>
+          </p:nvPr>
+        </p:nvSpPr>
+        <p:spPr/>
+        <p:txBody>
+          <a:bodyPr/>
+          <a:lstStyle/>
+          <a:p>
+            <a:r>
+              <a:rPr kumimoji="1" lang="en-US" altLang="ja-JP"/>
+              <a:t>2022/3/16</a:t>
+            </a:r>
+            <a:endParaRPr kumimoji="1" lang="ja-JP" altLang="en-US"/>
+          </a:p>
+        </p:txBody>
+      </p:sp>
+      <p:sp>
+        <p:nvSpPr>
+          <p:cNvPr id="5" name="フッター プレースホルダー 4">
+            <a:extLst>
+              <a:ext uri="{FF2B5EF4-FFF2-40B4-BE49-F238E27FC236}">
+                <a16:creationId xmlns:a16="http://schemas.microsoft.com/office/drawing/2014/main" id="{90A1C6B6-C0CF-4E31-BA7F-78D9B342A992}"/>
+              </a:ext>
+            </a:extLst>
+          </p:cNvPr>
+          <p:cNvSpPr>
+            <a:spLocks noGrp="1"/>
+          </p:cNvSpPr>
+          <p:nvPr>
+            <p:ph type="ftr" sz="quarter" idx="11"/>
+          </p:nvPr>
+        </p:nvSpPr>
+        <p:spPr/>
+        <p:txBody>
+          <a:bodyPr/>
+          <a:lstStyle/>
+          <a:p>
+            <a:r>
+              <a:rPr kumimoji="1" lang="en-US" altLang="ja-JP"/>
+              <a:t>2022 S</a:t>
+            </a:r>
+            <a:r>
+              <a:rPr kumimoji="1" lang="ja-JP" altLang="en-US"/>
+              <a:t>セメスタ 説明会 </a:t>
+            </a:r>
+            <a:r>
+              <a:rPr kumimoji="1" lang="en-US" altLang="ja-JP"/>
+              <a:t>https://utelecon.adm.u-tokyo.ac.jp/</a:t>
+            </a:r>
+            <a:endParaRPr kumimoji="1" lang="ja-JP" altLang="en-US"/>
+          </a:p>
+        </p:txBody>
+      </p:sp>
+      <p:sp>
+        <p:nvSpPr>
+          <p:cNvPr id="6" name="スライド番号プレースホルダー 5">
+            <a:extLst>
+              <a:ext uri="{FF2B5EF4-FFF2-40B4-BE49-F238E27FC236}">
+                <a16:creationId xmlns:a16="http://schemas.microsoft.com/office/drawing/2014/main" id="{6199F59F-677A-4DD1-BB77-655151672426}"/>
+              </a:ext>
+            </a:extLst>
+          </p:cNvPr>
+          <p:cNvSpPr>
+            <a:spLocks noGrp="1"/>
+          </p:cNvSpPr>
+          <p:nvPr>
+            <p:ph type="sldNum" sz="quarter" idx="12"/>
+          </p:nvPr>
+        </p:nvSpPr>
+        <p:spPr/>
+        <p:txBody>
+          <a:bodyPr/>
+          <a:lstStyle/>
+          <a:p>
+            <a:fld id="{EDF77D8D-9987-453A-9A05-EB91CA595C68}" type="slidenum">
+              <a:rPr kumimoji="1" lang="ja-JP" altLang="en-US" smtClean="0"/>
+              <a:pPr/>
+              <a:t>3</a:t>
+            </a:fld>
+            <a:endParaRPr kumimoji="1" lang="ja-JP" altLang="en-US"/>
+          </a:p>
+        </p:txBody>
+      </p:sp>
+    </p:spTree>
+    <p:extLst>
+      <p:ext uri="{BB962C8B-B14F-4D97-AF65-F5344CB8AC3E}">
+        <p14:creationId xmlns:p14="http://schemas.microsoft.com/office/powerpoint/2010/main" val="158887215"/>
+      </p:ext>
+    </p:extLst>
+  </p:cSld>
+  <p:clrMapOvr>
+    <a:masterClrMapping/>
+  </p:clrMapOvr>
+</p:sld>
+</file>
+
+<file path=ppt/slides/slide4.xml><?xml version="1.0" encoding="utf-8"?>
+<p:sld xmlns:a="http://schemas.openxmlformats.org/drawingml/2006/main" xmlns:r="http://schemas.openxmlformats.org/officeDocument/2006/relationships" xmlns:p="http://schemas.openxmlformats.org/presentationml/2006/main">
+  <p:cSld>
+    <p:spTree>
+      <p:nvGrpSpPr>
+        <p:cNvPr id="1" name=""/>
+        <p:cNvGrpSpPr/>
+        <p:nvPr/>
+      </p:nvGrpSpPr>
+      <p:grpSpPr>
+        <a:xfrm>
+          <a:off x="0" y="0"/>
+          <a:ext cx="0" cy="0"/>
+          <a:chOff x="0" y="0"/>
+          <a:chExt cx="0" cy="0"/>
+        </a:xfrm>
+      </p:grpSpPr>
+      <p:sp>
+        <p:nvSpPr>
+          <p:cNvPr id="2" name="タイトル 1">
+            <a:extLst>
+              <a:ext uri="{FF2B5EF4-FFF2-40B4-BE49-F238E27FC236}">
+                <a16:creationId xmlns:a16="http://schemas.microsoft.com/office/drawing/2014/main" id="{11888EFB-D97F-4211-A8EB-65013FE7B6EC}"/>
+              </a:ext>
+            </a:extLst>
+          </p:cNvPr>
+          <p:cNvSpPr>
+            <a:spLocks noGrp="1"/>
+          </p:cNvSpPr>
+          <p:nvPr>
+            <p:ph type="title"/>
+          </p:nvPr>
+        </p:nvSpPr>
+        <p:spPr/>
+        <p:txBody>
+          <a:bodyPr/>
+          <a:lstStyle/>
+          <a:p>
+            <a:r>
+              <a:rPr kumimoji="1" lang="ja-JP" altLang="en-US" dirty="0"/>
+              <a:t>目次</a:t>
+            </a:r>
+          </a:p>
+        </p:txBody>
+      </p:sp>
+      <p:sp>
+        <p:nvSpPr>
+          <p:cNvPr id="3" name="コンテンツ プレースホルダー 2">
+            <a:extLst>
+              <a:ext uri="{FF2B5EF4-FFF2-40B4-BE49-F238E27FC236}">
+                <a16:creationId xmlns:a16="http://schemas.microsoft.com/office/drawing/2014/main" id="{B1475A2D-4680-498E-AC85-3C1CC85BEE80}"/>
+              </a:ext>
+            </a:extLst>
+          </p:cNvPr>
+          <p:cNvSpPr>
+            <a:spLocks noGrp="1"/>
+          </p:cNvSpPr>
+          <p:nvPr>
+            <p:ph idx="1"/>
+          </p:nvPr>
+        </p:nvSpPr>
+        <p:spPr/>
+        <p:txBody>
+          <a:bodyPr/>
+          <a:lstStyle/>
+          <a:p>
+            <a:r>
+              <a:rPr kumimoji="1" lang="ja-JP" altLang="en-US" dirty="0">
+                <a:solidFill>
+                  <a:srgbClr val="7030A0"/>
+                </a:solidFill>
+              </a:rPr>
+              <a:t>いわゆる「メディア授業</a:t>
+            </a:r>
+            <a:r>
+              <a:rPr kumimoji="1" lang="en-US" altLang="ja-JP" dirty="0">
+                <a:solidFill>
+                  <a:srgbClr val="7030A0"/>
+                </a:solidFill>
+              </a:rPr>
+              <a:t>60</a:t>
+            </a:r>
+            <a:r>
+              <a:rPr kumimoji="1" lang="ja-JP" altLang="en-US" dirty="0">
+                <a:solidFill>
+                  <a:srgbClr val="7030A0"/>
+                </a:solidFill>
+              </a:rPr>
+              <a:t>単位上限」</a:t>
+            </a:r>
+            <a:endParaRPr kumimoji="1" lang="en-US" altLang="ja-JP" dirty="0">
+              <a:solidFill>
+                <a:srgbClr val="7030A0"/>
+              </a:solidFill>
+            </a:endParaRPr>
+          </a:p>
+          <a:p>
+            <a:r>
+              <a:rPr lang="ja-JP" altLang="en-US" dirty="0"/>
+              <a:t>著作物利用（復習）</a:t>
+            </a:r>
+            <a:endParaRPr kumimoji="1" lang="ja-JP" altLang="en-US" dirty="0"/>
+          </a:p>
+        </p:txBody>
+      </p:sp>
+      <p:sp>
+        <p:nvSpPr>
+          <p:cNvPr id="4" name="日付プレースホルダー 3">
+            <a:extLst>
+              <a:ext uri="{FF2B5EF4-FFF2-40B4-BE49-F238E27FC236}">
+                <a16:creationId xmlns:a16="http://schemas.microsoft.com/office/drawing/2014/main" id="{AACEE1DE-C2FE-416F-BE61-42C07CBA3694}"/>
+              </a:ext>
+            </a:extLst>
+          </p:cNvPr>
+          <p:cNvSpPr>
+            <a:spLocks noGrp="1"/>
+          </p:cNvSpPr>
+          <p:nvPr>
+            <p:ph type="dt" sz="half" idx="10"/>
+          </p:nvPr>
+        </p:nvSpPr>
+        <p:spPr/>
+        <p:txBody>
+          <a:bodyPr/>
+          <a:lstStyle/>
+          <a:p>
+            <a:r>
+              <a:rPr kumimoji="1" lang="en-US" altLang="ja-JP"/>
+              <a:t>2022/3/16</a:t>
+            </a:r>
+            <a:endParaRPr kumimoji="1" lang="ja-JP" altLang="en-US"/>
+          </a:p>
+        </p:txBody>
+      </p:sp>
+      <p:sp>
+        <p:nvSpPr>
+          <p:cNvPr id="5" name="フッター プレースホルダー 4">
+            <a:extLst>
+              <a:ext uri="{FF2B5EF4-FFF2-40B4-BE49-F238E27FC236}">
+                <a16:creationId xmlns:a16="http://schemas.microsoft.com/office/drawing/2014/main" id="{90A1C6B6-C0CF-4E31-BA7F-78D9B342A992}"/>
+              </a:ext>
+            </a:extLst>
+          </p:cNvPr>
+          <p:cNvSpPr>
+            <a:spLocks noGrp="1"/>
+          </p:cNvSpPr>
+          <p:nvPr>
+            <p:ph type="ftr" sz="quarter" idx="11"/>
+          </p:nvPr>
+        </p:nvSpPr>
+        <p:spPr/>
+        <p:txBody>
+          <a:bodyPr/>
+          <a:lstStyle/>
+          <a:p>
+            <a:r>
+              <a:rPr kumimoji="1" lang="en-US" altLang="ja-JP"/>
+              <a:t>2022 S</a:t>
+            </a:r>
+            <a:r>
+              <a:rPr kumimoji="1" lang="ja-JP" altLang="en-US"/>
+              <a:t>セメスタ 説明会 </a:t>
+            </a:r>
+            <a:r>
+              <a:rPr kumimoji="1" lang="en-US" altLang="ja-JP"/>
+              <a:t>https://utelecon.adm.u-tokyo.ac.jp/</a:t>
+            </a:r>
+            <a:endParaRPr kumimoji="1" lang="ja-JP" altLang="en-US"/>
+          </a:p>
+        </p:txBody>
+      </p:sp>
+      <p:sp>
+        <p:nvSpPr>
+          <p:cNvPr id="6" name="スライド番号プレースホルダー 5">
+            <a:extLst>
+              <a:ext uri="{FF2B5EF4-FFF2-40B4-BE49-F238E27FC236}">
+                <a16:creationId xmlns:a16="http://schemas.microsoft.com/office/drawing/2014/main" id="{6199F59F-677A-4DD1-BB77-655151672426}"/>
+              </a:ext>
+            </a:extLst>
+          </p:cNvPr>
+          <p:cNvSpPr>
+            <a:spLocks noGrp="1"/>
+          </p:cNvSpPr>
+          <p:nvPr>
+            <p:ph type="sldNum" sz="quarter" idx="12"/>
+          </p:nvPr>
+        </p:nvSpPr>
+        <p:spPr/>
+        <p:txBody>
+          <a:bodyPr/>
+          <a:lstStyle/>
+          <a:p>
+            <a:fld id="{EDF77D8D-9987-453A-9A05-EB91CA595C68}" type="slidenum">
+              <a:rPr kumimoji="1" lang="ja-JP" altLang="en-US" smtClean="0"/>
+              <a:pPr/>
+              <a:t>4</a:t>
+            </a:fld>
+            <a:endParaRPr kumimoji="1" lang="ja-JP" altLang="en-US"/>
+          </a:p>
+        </p:txBody>
+      </p:sp>
+    </p:spTree>
+    <p:extLst>
+      <p:ext uri="{BB962C8B-B14F-4D97-AF65-F5344CB8AC3E}">
+        <p14:creationId xmlns:p14="http://schemas.microsoft.com/office/powerpoint/2010/main" val="3808015318"/>
+      </p:ext>
+    </p:extLst>
+  </p:cSld>
+  <p:clrMapOvr>
+    <a:masterClrMapping/>
+  </p:clrMapOvr>
+</p:sld>
+</file>
+
+<file path=ppt/slides/slide5.xml><?xml version="1.0" encoding="utf-8"?>
 <p:sld xmlns:a="http://schemas.openxmlformats.org/drawingml/2006/main" xmlns:r="http://schemas.openxmlformats.org/officeDocument/2006/relationships" xmlns:p="http://schemas.openxmlformats.org/presentationml/2006/main">
   <p:cSld>
     <p:spTree>
@@ -52549,12 +54205,29 @@
         </p:nvSpPr>
         <p:spPr/>
         <p:txBody>
-          <a:bodyPr/>
+          <a:bodyPr>
+            <a:normAutofit fontScale="90000"/>
+          </a:bodyPr>
           <a:lstStyle/>
           <a:p>
             <a:r>
               <a:rPr kumimoji="1" lang="ja-JP" altLang="en-US" dirty="0"/>
-              <a:t>メディア授業関連</a:t>
+              <a:t>メディア授業</a:t>
+            </a:r>
+            <a:r>
+              <a:rPr kumimoji="1" lang="en-US" altLang="ja-JP" dirty="0"/>
+              <a:t>60</a:t>
+            </a:r>
+            <a:r>
+              <a:rPr kumimoji="1" lang="ja-JP" altLang="en-US" dirty="0"/>
+              <a:t>単位上限</a:t>
+            </a:r>
+            <a:br>
+              <a:rPr kumimoji="1" lang="en-US" altLang="ja-JP" dirty="0"/>
+            </a:br>
+            <a:r>
+              <a:rPr kumimoji="1" lang="ja-JP" altLang="en-US" dirty="0"/>
+              <a:t>用語の確認</a:t>
             </a:r>
           </a:p>
         </p:txBody>
@@ -52575,12 +54248,134 @@
             <p:ph idx="1"/>
           </p:nvPr>
         </p:nvSpPr>
-        <p:spPr/>
+        <p:spPr>
+          <a:xfrm>
+            <a:off x="457200" y="1500174"/>
+            <a:ext cx="8363272" cy="4525963"/>
+          </a:xfrm>
+        </p:spPr>
         <p:txBody>
-          <a:bodyPr/>
+          <a:bodyPr>
+            <a:normAutofit/>
+          </a:bodyPr>
           <a:lstStyle/>
           <a:p>
-            <a:endParaRPr kumimoji="1" lang="ja-JP" altLang="en-US"/>
+            <a:r>
+              <a:rPr lang="ja-JP" altLang="en-US" dirty="0"/>
+              <a:t>文科省用語</a:t>
+            </a:r>
+            <a:endParaRPr lang="en-US" altLang="ja-JP" dirty="0"/>
+          </a:p>
+          <a:p>
+            <a:pPr lvl="1"/>
+            <a:r>
+              <a:rPr lang="ja-JP" altLang="en-US" dirty="0">
+                <a:solidFill>
+                  <a:srgbClr val="00B050"/>
+                </a:solidFill>
+              </a:rPr>
+              <a:t>面接授業</a:t>
+            </a:r>
+            <a:r>
+              <a:rPr lang="ja-JP" altLang="en-US" dirty="0"/>
+              <a:t>（通称：対面授業）</a:t>
+            </a:r>
+            <a:endParaRPr lang="en-US" altLang="ja-JP" dirty="0"/>
+          </a:p>
+          <a:p>
+            <a:pPr lvl="1"/>
+            <a:r>
+              <a:rPr lang="ja-JP" altLang="en-US" dirty="0">
+                <a:solidFill>
+                  <a:srgbClr val="00B0F0"/>
+                </a:solidFill>
+              </a:rPr>
+              <a:t>メディア授業</a:t>
+            </a:r>
+            <a:r>
+              <a:rPr lang="ja-JP" altLang="en-US" dirty="0"/>
+              <a:t>（通称：オンライン授業）</a:t>
+            </a:r>
+            <a:endParaRPr lang="en-US" altLang="ja-JP" dirty="0"/>
+          </a:p>
+          <a:p>
+            <a:r>
+              <a:rPr lang="ja-JP" altLang="en-US" dirty="0"/>
+              <a:t>いわゆる「</a:t>
+            </a:r>
+            <a:r>
+              <a:rPr lang="en-US" altLang="ja-JP" dirty="0"/>
+              <a:t>60</a:t>
+            </a:r>
+            <a:r>
+              <a:rPr lang="ja-JP" altLang="en-US" dirty="0"/>
+              <a:t>単位上限」</a:t>
+            </a:r>
+            <a:r>
+              <a:rPr lang="en-US" altLang="ja-JP" dirty="0"/>
+              <a:t>=</a:t>
+            </a:r>
+            <a:r>
+              <a:rPr lang="ja-JP" altLang="en-US" dirty="0">
+                <a:solidFill>
+                  <a:srgbClr val="7030A0"/>
+                </a:solidFill>
+              </a:rPr>
+              <a:t>「学部卒業にカウントできるメディア授業は</a:t>
+            </a:r>
+            <a:r>
+              <a:rPr lang="en-US" altLang="ja-JP" dirty="0">
+                <a:solidFill>
+                  <a:srgbClr val="7030A0"/>
+                </a:solidFill>
+              </a:rPr>
+              <a:t>60</a:t>
+            </a:r>
+            <a:r>
+              <a:rPr lang="ja-JP" altLang="en-US" dirty="0">
+                <a:solidFill>
+                  <a:srgbClr val="7030A0"/>
+                </a:solidFill>
+              </a:rPr>
+              <a:t>単位まで」</a:t>
+            </a:r>
+            <a:r>
+              <a:rPr lang="ja-JP" altLang="en-US" dirty="0"/>
+              <a:t>という制限</a:t>
+            </a:r>
+            <a:endParaRPr lang="en-US" altLang="ja-JP" dirty="0"/>
+          </a:p>
+          <a:p>
+            <a:pPr lvl="1"/>
+            <a:r>
+              <a:rPr lang="ja-JP" altLang="en-US" dirty="0"/>
+              <a:t>注</a:t>
+            </a:r>
+            <a:r>
+              <a:rPr lang="en-US" altLang="ja-JP" dirty="0"/>
+              <a:t>1: 2020, 2021</a:t>
+            </a:r>
+            <a:r>
+              <a:rPr lang="ja-JP" altLang="en-US" dirty="0"/>
+              <a:t>は特例として制限がなかった</a:t>
+            </a:r>
+            <a:endParaRPr lang="en-US" altLang="ja-JP" dirty="0"/>
+          </a:p>
+          <a:p>
+            <a:pPr lvl="1"/>
+            <a:r>
+              <a:rPr lang="ja-JP" altLang="en-US" dirty="0"/>
+              <a:t>注</a:t>
+            </a:r>
+            <a:r>
+              <a:rPr lang="en-US" altLang="ja-JP" dirty="0"/>
+              <a:t>2:</a:t>
+            </a:r>
+            <a:r>
+              <a:rPr lang="ja-JP" altLang="en-US" dirty="0"/>
+              <a:t>ちなみに大学院にはこのような制限はない</a:t>
+            </a:r>
+            <a:endParaRPr lang="en-US" altLang="ja-JP" dirty="0"/>
           </a:p>
         </p:txBody>
       </p:sp>
@@ -52674,9 +54469,122 @@
             <a:fld id="{EDF77D8D-9987-453A-9A05-EB91CA595C68}" type="slidenum">
               <a:rPr kumimoji="1" lang="ja-JP" altLang="en-US" smtClean="0"/>
               <a:pPr/>
-              <a:t>2</a:t>
+              <a:t>5</a:t>
             </a:fld>
             <a:endParaRPr kumimoji="1" lang="ja-JP" altLang="en-US"/>
+          </a:p>
+        </p:txBody>
+      </p:sp>
+      <p:sp>
+        <p:nvSpPr>
+          <p:cNvPr id="8" name="正方形/長方形 7">
+            <a:extLst>
+              <a:ext uri="{FF2B5EF4-FFF2-40B4-BE49-F238E27FC236}">
+                <a16:creationId xmlns:a16="http://schemas.microsoft.com/office/drawing/2014/main" id="{EB70A05C-DCD5-4894-89F2-B69149615551}"/>
+              </a:ext>
+            </a:extLst>
+          </p:cNvPr>
+          <p:cNvSpPr/>
+          <p:nvPr/>
+        </p:nvSpPr>
+        <p:spPr>
+          <a:xfrm>
+            <a:off x="822412" y="5714590"/>
+            <a:ext cx="7632848" cy="623094"/>
+          </a:xfrm>
+          <a:prstGeom prst="rect">
+            <a:avLst/>
+          </a:prstGeom>
+          <a:solidFill>
+            <a:schemeClr val="accent2">
+              <a:lumMod val="20000"/>
+              <a:lumOff val="80000"/>
+            </a:schemeClr>
+          </a:solidFill>
+        </p:spPr>
+        <p:style>
+          <a:lnRef idx="2">
+            <a:schemeClr val="accent1">
+              <a:shade val="50000"/>
+            </a:schemeClr>
+          </a:lnRef>
+          <a:fillRef idx="1">
+            <a:schemeClr val="accent1"/>
+          </a:fillRef>
+          <a:effectRef idx="0">
+            <a:schemeClr val="accent1"/>
+          </a:effectRef>
+          <a:fontRef idx="minor">
+            <a:schemeClr val="lt1"/>
+          </a:fontRef>
+        </p:style>
+        <p:txBody>
+          <a:bodyPr rtlCol="0" anchor="ctr"/>
+          <a:lstStyle/>
+          <a:p>
+            <a:r>
+              <a:rPr kumimoji="1" lang="ja-JP" altLang="en-US" dirty="0">
+                <a:solidFill>
+                  <a:schemeClr val="tx1"/>
+                </a:solidFill>
+                <a:sym typeface="Symbol" panose="05050102010706020507" pitchFamily="18" charset="2"/>
+              </a:rPr>
+              <a:t> </a:t>
+            </a:r>
+            <a:r>
+              <a:rPr lang="ja-JP" altLang="en-US" dirty="0">
+                <a:solidFill>
+                  <a:schemeClr val="tx1"/>
+                </a:solidFill>
+                <a:sym typeface="Symbol" panose="05050102010706020507" pitchFamily="18" charset="2"/>
+              </a:rPr>
+              <a:t>どの</a:t>
+            </a:r>
+            <a:r>
+              <a:rPr kumimoji="1" lang="ja-JP" altLang="en-US" dirty="0">
+                <a:solidFill>
+                  <a:schemeClr val="tx1"/>
+                </a:solidFill>
+              </a:rPr>
+              <a:t>授業が「</a:t>
+            </a:r>
+            <a:r>
+              <a:rPr lang="ja-JP" altLang="en-US" dirty="0">
+                <a:solidFill>
+                  <a:schemeClr val="tx1"/>
+                </a:solidFill>
+              </a:rPr>
+              <a:t>面接（メディア）</a:t>
+            </a:r>
+            <a:r>
+              <a:rPr kumimoji="1" lang="ja-JP" altLang="en-US" dirty="0">
+                <a:solidFill>
+                  <a:schemeClr val="tx1"/>
+                </a:solidFill>
+              </a:rPr>
+              <a:t>授業」</a:t>
+            </a:r>
+            <a:r>
+              <a:rPr lang="ja-JP" altLang="en-US" dirty="0">
+                <a:solidFill>
+                  <a:schemeClr val="tx1"/>
+                </a:solidFill>
+              </a:rPr>
+              <a:t>扱いなのか、その明確化が</a:t>
+            </a:r>
+            <a:r>
+              <a:rPr kumimoji="1" lang="ja-JP" altLang="en-US" dirty="0">
+                <a:solidFill>
+                  <a:schemeClr val="tx1"/>
+                </a:solidFill>
+              </a:rPr>
+              <a:t>重要</a:t>
+            </a:r>
+            <a:endParaRPr kumimoji="1" lang="en-US" altLang="ja-JP" dirty="0">
+              <a:solidFill>
+                <a:schemeClr val="tx1"/>
+              </a:solidFill>
+            </a:endParaRPr>
           </a:p>
         </p:txBody>
       </p:sp>
@@ -52693,7 +54601,7 @@
 </p:sld>
 </file>
 
-<file path=ppt/slides/slide3.xml><?xml version="1.0" encoding="utf-8"?>
+<file path=ppt/slides/slide6.xml><?xml version="1.0" encoding="utf-8"?>
 <p:sld xmlns:a="http://schemas.openxmlformats.org/drawingml/2006/main" xmlns:r="http://schemas.openxmlformats.org/officeDocument/2006/relationships" xmlns:p="http://schemas.openxmlformats.org/presentationml/2006/main">
   <p:cSld>
     <p:spTree>
@@ -52715,7 +54623,7 @@
           <p:cNvPr id="2" name="タイトル 1">
             <a:extLst>
               <a:ext uri="{FF2B5EF4-FFF2-40B4-BE49-F238E27FC236}">
-                <a16:creationId xmlns:a16="http://schemas.microsoft.com/office/drawing/2014/main" id="{00021421-292A-4AC2-AAFA-A812AAB1FC51}"/>
+                <a16:creationId xmlns:a16="http://schemas.microsoft.com/office/drawing/2014/main" id="{82DFA0C1-66A1-4CA8-AC11-1409FDAE765D}"/>
               </a:ext>
             </a:extLst>
           </p:cNvPr>
@@ -52728,14 +54636,15 @@
         </p:nvSpPr>
         <p:spPr/>
         <p:txBody>
-          <a:bodyPr/>
+          <a:bodyPr>
+            <a:normAutofit/>
+          </a:bodyPr>
           <a:lstStyle/>
           <a:p>
             <a:r>
-              <a:rPr kumimoji="1" lang="en-US" altLang="ja-JP" dirty="0"/>
-              <a:t>UTAS</a:t>
+              <a:rPr kumimoji="1" lang="ja-JP" altLang="en-US" dirty="0"/>
+              <a:t>教員の「これだけは」</a:t>
             </a:r>
-            <a:endParaRPr kumimoji="1" lang="ja-JP" altLang="en-US" dirty="0"/>
           </a:p>
         </p:txBody>
       </p:sp>
@@ -52744,7 +54653,7 @@
           <p:cNvPr id="3" name="コンテンツ プレースホルダー 2">
             <a:extLst>
               <a:ext uri="{FF2B5EF4-FFF2-40B4-BE49-F238E27FC236}">
-                <a16:creationId xmlns:a16="http://schemas.microsoft.com/office/drawing/2014/main" id="{AD95C992-FAF9-41EF-9601-0358EB711ABA}"/>
+                <a16:creationId xmlns:a16="http://schemas.microsoft.com/office/drawing/2014/main" id="{5D1A062F-8002-483B-9082-65275BDB7B0B}"/>
               </a:ext>
             </a:extLst>
           </p:cNvPr>
@@ -52760,7 +54669,68 @@
           <a:bodyPr/>
           <a:lstStyle/>
           <a:p>
-            <a:endParaRPr kumimoji="1" lang="ja-JP" altLang="en-US"/>
+            <a:r>
+              <a:rPr kumimoji="1" lang="en-US" altLang="ja-JP" dirty="0"/>
+              <a:t>UTAS</a:t>
+            </a:r>
+            <a:r>
+              <a:rPr kumimoji="1" lang="ja-JP" altLang="en-US" dirty="0"/>
+              <a:t>（後述）シラバスの記入欄に「</a:t>
+            </a:r>
+            <a:r>
+              <a:rPr kumimoji="1" lang="zh-TW" altLang="en-US" dirty="0"/>
+              <a:t>授業実施形態</a:t>
+            </a:r>
+            <a:r>
+              <a:rPr kumimoji="1" lang="ja-JP" altLang="en-US" dirty="0"/>
+              <a:t>」が新設された</a:t>
+            </a:r>
+            <a:endParaRPr kumimoji="1" lang="en-US" altLang="ja-JP" dirty="0"/>
+          </a:p>
+          <a:p>
+            <a:r>
+              <a:rPr kumimoji="1" lang="ja-JP" altLang="en-US" dirty="0"/>
+              <a:t>選択肢</a:t>
+            </a:r>
+            <a:r>
+              <a:rPr kumimoji="1" lang="en-US" altLang="ja-JP" dirty="0"/>
+              <a:t>#1, #2</a:t>
+            </a:r>
+            <a:r>
+              <a:rPr kumimoji="1" lang="ja-JP" altLang="en-US" dirty="0"/>
+              <a:t>が</a:t>
+            </a:r>
+            <a:r>
+              <a:rPr kumimoji="1" lang="ja-JP" altLang="en-US" dirty="0">
+                <a:solidFill>
+                  <a:srgbClr val="00B050"/>
+                </a:solidFill>
+              </a:rPr>
+              <a:t>面接授業</a:t>
+            </a:r>
+            <a:r>
+              <a:rPr kumimoji="1" lang="ja-JP" altLang="en-US" dirty="0"/>
+              <a:t>、</a:t>
+            </a:r>
+            <a:endParaRPr kumimoji="1" lang="en-US" altLang="ja-JP" dirty="0"/>
+          </a:p>
+          <a:p>
+            <a:r>
+              <a:rPr kumimoji="1" lang="en-US" altLang="ja-JP" dirty="0"/>
+              <a:t>#3-#5</a:t>
+            </a:r>
+            <a:r>
+              <a:rPr kumimoji="1" lang="ja-JP" altLang="en-US" dirty="0"/>
+              <a:t>が</a:t>
+            </a:r>
+            <a:r>
+              <a:rPr kumimoji="1" lang="ja-JP" altLang="en-US" dirty="0">
+                <a:solidFill>
+                  <a:srgbClr val="00B0F0"/>
+                </a:solidFill>
+              </a:rPr>
+              <a:t>メディア授業</a:t>
+            </a:r>
           </a:p>
         </p:txBody>
       </p:sp>
@@ -52769,7 +54739,7 @@
           <p:cNvPr id="4" name="日付プレースホルダー 3">
             <a:extLst>
               <a:ext uri="{FF2B5EF4-FFF2-40B4-BE49-F238E27FC236}">
-                <a16:creationId xmlns:a16="http://schemas.microsoft.com/office/drawing/2014/main" id="{1F051EA2-74A3-4E73-8E26-99BC301FB16F}"/>
+                <a16:creationId xmlns:a16="http://schemas.microsoft.com/office/drawing/2014/main" id="{A83BAF8A-C3B2-4F65-9BB7-F1EDC287533D}"/>
               </a:ext>
             </a:extLst>
           </p:cNvPr>
@@ -52798,7 +54768,7 @@
           <p:cNvPr id="5" name="フッター プレースホルダー 4">
             <a:extLst>
               <a:ext uri="{FF2B5EF4-FFF2-40B4-BE49-F238E27FC236}">
-                <a16:creationId xmlns:a16="http://schemas.microsoft.com/office/drawing/2014/main" id="{4417B55C-0A33-49E7-A545-03AE0414D9D3}"/>
+                <a16:creationId xmlns:a16="http://schemas.microsoft.com/office/drawing/2014/main" id="{DA190C5D-9CDA-4668-85B7-0B25C1C4F675}"/>
               </a:ext>
             </a:extLst>
           </p:cNvPr>
@@ -52835,7 +54805,7 @@
           <p:cNvPr id="6" name="スライド番号プレースホルダー 5">
             <a:extLst>
               <a:ext uri="{FF2B5EF4-FFF2-40B4-BE49-F238E27FC236}">
-                <a16:creationId xmlns:a16="http://schemas.microsoft.com/office/drawing/2014/main" id="{FAA5A99E-ADA6-413F-9CA1-39CFB519BBD4}"/>
+                <a16:creationId xmlns:a16="http://schemas.microsoft.com/office/drawing/2014/main" id="{A2ECD126-562E-4334-9BCD-4743194C709D}"/>
               </a:ext>
             </a:extLst>
           </p:cNvPr>
@@ -52854,16 +54824,442 @@
             <a:fld id="{EDF77D8D-9987-453A-9A05-EB91CA595C68}" type="slidenum">
               <a:rPr kumimoji="1" lang="ja-JP" altLang="en-US" smtClean="0"/>
               <a:pPr/>
-              <a:t>3</a:t>
+              <a:t>6</a:t>
             </a:fld>
             <a:endParaRPr kumimoji="1" lang="ja-JP" altLang="en-US"/>
           </a:p>
         </p:txBody>
       </p:sp>
+      <p:pic>
+        <p:nvPicPr>
+          <p:cNvPr id="8" name="図 7" descr="テキスト&#10;&#10;自動的に生成された説明">
+            <a:extLst>
+              <a:ext uri="{FF2B5EF4-FFF2-40B4-BE49-F238E27FC236}">
+                <a16:creationId xmlns:a16="http://schemas.microsoft.com/office/drawing/2014/main" id="{9D806DAC-E63A-4E57-8346-9DC2BCAFF87B}"/>
+              </a:ext>
+            </a:extLst>
+          </p:cNvPr>
+          <p:cNvPicPr>
+            <a:picLocks noChangeAspect="1"/>
+          </p:cNvPicPr>
+          <p:nvPr/>
+        </p:nvPicPr>
+        <p:blipFill>
+          <a:blip r:embed="rId2">
+            <a:extLst>
+              <a:ext uri="{28A0092B-C50C-407E-A947-70E740481C1C}">
+                <a14:useLocalDpi xmlns:a14="http://schemas.microsoft.com/office/drawing/2010/main" val="0"/>
+              </a:ext>
+            </a:extLst>
+          </a:blip>
+          <a:stretch>
+            <a:fillRect/>
+          </a:stretch>
+        </p:blipFill>
+        <p:spPr>
+          <a:xfrm>
+            <a:off x="38099" y="3686148"/>
+            <a:ext cx="13472781" cy="2911204"/>
+          </a:xfrm>
+          <a:prstGeom prst="rect">
+            <a:avLst/>
+          </a:prstGeom>
+        </p:spPr>
+      </p:pic>
+      <p:sp>
+        <p:nvSpPr>
+          <p:cNvPr id="15" name="テキスト ボックス 14">
+            <a:extLst>
+              <a:ext uri="{FF2B5EF4-FFF2-40B4-BE49-F238E27FC236}">
+                <a16:creationId xmlns:a16="http://schemas.microsoft.com/office/drawing/2014/main" id="{BAD21666-A917-48FE-A4F9-E70E43A81066}"/>
+              </a:ext>
+            </a:extLst>
+          </p:cNvPr>
+          <p:cNvSpPr txBox="1"/>
+          <p:nvPr/>
+        </p:nvSpPr>
+        <p:spPr>
+          <a:xfrm>
+            <a:off x="2931524" y="6228020"/>
+            <a:ext cx="1338828" cy="369332"/>
+          </a:xfrm>
+          <a:prstGeom prst="rect">
+            <a:avLst/>
+          </a:prstGeom>
+          <a:noFill/>
+        </p:spPr>
+        <p:txBody>
+          <a:bodyPr wrap="none" rtlCol="0">
+            <a:spAutoFit/>
+          </a:bodyPr>
+          <a:lstStyle/>
+          <a:p>
+            <a:r>
+              <a:rPr kumimoji="1" lang="ja-JP" altLang="en-US" dirty="0">
+                <a:solidFill>
+                  <a:srgbClr val="7030A0"/>
+                </a:solidFill>
+              </a:rPr>
+              <a:t>詳しい説明</a:t>
+            </a:r>
+          </a:p>
+        </p:txBody>
+      </p:sp>
+      <p:grpSp>
+        <p:nvGrpSpPr>
+          <p:cNvPr id="12" name="グループ化 11">
+            <a:extLst>
+              <a:ext uri="{FF2B5EF4-FFF2-40B4-BE49-F238E27FC236}">
+                <a16:creationId xmlns:a16="http://schemas.microsoft.com/office/drawing/2014/main" id="{5E95C2C9-D888-44F3-9F8E-C2984714A69B}"/>
+              </a:ext>
+            </a:extLst>
+          </p:cNvPr>
+          <p:cNvGrpSpPr/>
+          <p:nvPr/>
+        </p:nvGrpSpPr>
+        <p:grpSpPr>
+          <a:xfrm>
+            <a:off x="1475656" y="3758156"/>
+            <a:ext cx="7488832" cy="2304256"/>
+            <a:chOff x="1475656" y="3501008"/>
+            <a:chExt cx="7488832" cy="2304256"/>
+          </a:xfrm>
+        </p:grpSpPr>
+        <p:sp>
+          <p:nvSpPr>
+            <p:cNvPr id="9" name="正方形/長方形 8">
+              <a:extLst>
+                <a:ext uri="{FF2B5EF4-FFF2-40B4-BE49-F238E27FC236}">
+                  <a16:creationId xmlns:a16="http://schemas.microsoft.com/office/drawing/2014/main" id="{4491F53C-719C-4580-8E19-A83FDA3F1E73}"/>
+                </a:ext>
+              </a:extLst>
+            </p:cNvPr>
+            <p:cNvSpPr/>
+            <p:nvPr/>
+          </p:nvSpPr>
+          <p:spPr>
+            <a:xfrm>
+              <a:off x="1475656" y="4653136"/>
+              <a:ext cx="7488832" cy="1152128"/>
+            </a:xfrm>
+            <a:prstGeom prst="rect">
+              <a:avLst/>
+            </a:prstGeom>
+            <a:noFill/>
+            <a:ln w="38100">
+              <a:solidFill>
+                <a:srgbClr val="00B0F0"/>
+              </a:solidFill>
+            </a:ln>
+          </p:spPr>
+          <p:style>
+            <a:lnRef idx="2">
+              <a:schemeClr val="accent1">
+                <a:shade val="50000"/>
+              </a:schemeClr>
+            </a:lnRef>
+            <a:fillRef idx="1">
+              <a:schemeClr val="accent1"/>
+            </a:fillRef>
+            <a:effectRef idx="0">
+              <a:schemeClr val="accent1"/>
+            </a:effectRef>
+            <a:fontRef idx="minor">
+              <a:schemeClr val="lt1"/>
+            </a:fontRef>
+          </p:style>
+          <p:txBody>
+            <a:bodyPr rtlCol="0" anchor="ctr"/>
+            <a:lstStyle/>
+            <a:p>
+              <a:pPr algn="ctr"/>
+              <a:endParaRPr kumimoji="1" lang="ja-JP" altLang="en-US"/>
+            </a:p>
+          </p:txBody>
+        </p:sp>
+        <p:cxnSp>
+          <p:nvCxnSpPr>
+            <p:cNvPr id="11" name="直線コネクタ 10">
+              <a:extLst>
+                <a:ext uri="{FF2B5EF4-FFF2-40B4-BE49-F238E27FC236}">
+                  <a16:creationId xmlns:a16="http://schemas.microsoft.com/office/drawing/2014/main" id="{8BB3D383-5694-4C58-97FD-1951631CC484}"/>
+                </a:ext>
+              </a:extLst>
+            </p:cNvPr>
+            <p:cNvCxnSpPr>
+              <a:cxnSpLocks/>
+              <a:stCxn id="9" idx="0"/>
+            </p:cNvCxnSpPr>
+            <p:nvPr/>
+          </p:nvCxnSpPr>
+          <p:spPr>
+            <a:xfrm flipH="1" flipV="1">
+              <a:off x="4139952" y="3501008"/>
+              <a:ext cx="1080120" cy="1152128"/>
+            </a:xfrm>
+            <a:prstGeom prst="line">
+              <a:avLst/>
+            </a:prstGeom>
+            <a:ln w="38100">
+              <a:solidFill>
+                <a:srgbClr val="00B0F0"/>
+              </a:solidFill>
+            </a:ln>
+          </p:spPr>
+          <p:style>
+            <a:lnRef idx="1">
+              <a:schemeClr val="accent1"/>
+            </a:lnRef>
+            <a:fillRef idx="0">
+              <a:schemeClr val="accent1"/>
+            </a:fillRef>
+            <a:effectRef idx="0">
+              <a:schemeClr val="accent1"/>
+            </a:effectRef>
+            <a:fontRef idx="minor">
+              <a:schemeClr val="tx1"/>
+            </a:fontRef>
+          </p:style>
+        </p:cxnSp>
+      </p:grpSp>
+      <p:grpSp>
+        <p:nvGrpSpPr>
+          <p:cNvPr id="20" name="グループ化 19">
+            <a:extLst>
+              <a:ext uri="{FF2B5EF4-FFF2-40B4-BE49-F238E27FC236}">
+                <a16:creationId xmlns:a16="http://schemas.microsoft.com/office/drawing/2014/main" id="{0DA76B7A-675C-4173-BB9E-6E98602052FE}"/>
+              </a:ext>
+            </a:extLst>
+          </p:cNvPr>
+          <p:cNvGrpSpPr/>
+          <p:nvPr/>
+        </p:nvGrpSpPr>
+        <p:grpSpPr>
+          <a:xfrm>
+            <a:off x="1403648" y="5974258"/>
+            <a:ext cx="1527876" cy="508214"/>
+            <a:chOff x="1403648" y="5861126"/>
+            <a:chExt cx="1527876" cy="508214"/>
+          </a:xfrm>
+        </p:grpSpPr>
+        <p:cxnSp>
+          <p:nvCxnSpPr>
+            <p:cNvPr id="17" name="直線コネクタ 16">
+              <a:extLst>
+                <a:ext uri="{FF2B5EF4-FFF2-40B4-BE49-F238E27FC236}">
+                  <a16:creationId xmlns:a16="http://schemas.microsoft.com/office/drawing/2014/main" id="{DD636339-EC52-4784-A246-BCD5F8142912}"/>
+                </a:ext>
+              </a:extLst>
+            </p:cNvPr>
+            <p:cNvCxnSpPr>
+              <a:cxnSpLocks/>
+              <a:stCxn id="14" idx="2"/>
+            </p:cNvCxnSpPr>
+            <p:nvPr/>
+          </p:nvCxnSpPr>
+          <p:spPr>
+            <a:xfrm>
+              <a:off x="1835696" y="6293174"/>
+              <a:ext cx="1095828" cy="76166"/>
+            </a:xfrm>
+            <a:prstGeom prst="line">
+              <a:avLst/>
+            </a:prstGeom>
+            <a:ln w="38100">
+              <a:solidFill>
+                <a:srgbClr val="7030A0"/>
+              </a:solidFill>
+            </a:ln>
+          </p:spPr>
+          <p:style>
+            <a:lnRef idx="1">
+              <a:schemeClr val="accent1"/>
+            </a:lnRef>
+            <a:fillRef idx="0">
+              <a:schemeClr val="accent1"/>
+            </a:fillRef>
+            <a:effectRef idx="0">
+              <a:schemeClr val="accent1"/>
+            </a:effectRef>
+            <a:fontRef idx="minor">
+              <a:schemeClr val="tx1"/>
+            </a:fontRef>
+          </p:style>
+        </p:cxnSp>
+        <p:sp>
+          <p:nvSpPr>
+            <p:cNvPr id="14" name="正方形/長方形 13">
+              <a:extLst>
+                <a:ext uri="{FF2B5EF4-FFF2-40B4-BE49-F238E27FC236}">
+                  <a16:creationId xmlns:a16="http://schemas.microsoft.com/office/drawing/2014/main" id="{4984FA2B-4326-4894-8625-F4D9BA252EBF}"/>
+                </a:ext>
+              </a:extLst>
+            </p:cNvPr>
+            <p:cNvSpPr/>
+            <p:nvPr/>
+          </p:nvSpPr>
+          <p:spPr>
+            <a:xfrm>
+              <a:off x="1403648" y="5861126"/>
+              <a:ext cx="864096" cy="432048"/>
+            </a:xfrm>
+            <a:prstGeom prst="rect">
+              <a:avLst/>
+            </a:prstGeom>
+            <a:noFill/>
+            <a:ln w="38100">
+              <a:solidFill>
+                <a:srgbClr val="7030A0"/>
+              </a:solidFill>
+            </a:ln>
+          </p:spPr>
+          <p:style>
+            <a:lnRef idx="2">
+              <a:schemeClr val="accent1">
+                <a:shade val="50000"/>
+              </a:schemeClr>
+            </a:lnRef>
+            <a:fillRef idx="1">
+              <a:schemeClr val="accent1"/>
+            </a:fillRef>
+            <a:effectRef idx="0">
+              <a:schemeClr val="accent1"/>
+            </a:effectRef>
+            <a:fontRef idx="minor">
+              <a:schemeClr val="lt1"/>
+            </a:fontRef>
+          </p:style>
+          <p:txBody>
+            <a:bodyPr rtlCol="0" anchor="ctr"/>
+            <a:lstStyle/>
+            <a:p>
+              <a:pPr algn="ctr"/>
+              <a:endParaRPr kumimoji="1" lang="ja-JP" altLang="en-US"/>
+            </a:p>
+          </p:txBody>
+        </p:sp>
+      </p:grpSp>
+      <p:grpSp>
+        <p:nvGrpSpPr>
+          <p:cNvPr id="22" name="グループ化 21">
+            <a:extLst>
+              <a:ext uri="{FF2B5EF4-FFF2-40B4-BE49-F238E27FC236}">
+                <a16:creationId xmlns:a16="http://schemas.microsoft.com/office/drawing/2014/main" id="{B096B130-9E3B-43A0-818F-D5388043FCF9}"/>
+              </a:ext>
+            </a:extLst>
+          </p:cNvPr>
+          <p:cNvGrpSpPr/>
+          <p:nvPr/>
+        </p:nvGrpSpPr>
+        <p:grpSpPr>
+          <a:xfrm>
+            <a:off x="1475656" y="3140968"/>
+            <a:ext cx="7488832" cy="1697308"/>
+            <a:chOff x="1323256" y="2772544"/>
+            <a:chExt cx="7488832" cy="1697308"/>
+          </a:xfrm>
+        </p:grpSpPr>
+        <p:sp>
+          <p:nvSpPr>
+            <p:cNvPr id="23" name="正方形/長方形 22">
+              <a:extLst>
+                <a:ext uri="{FF2B5EF4-FFF2-40B4-BE49-F238E27FC236}">
+                  <a16:creationId xmlns:a16="http://schemas.microsoft.com/office/drawing/2014/main" id="{A495E7AF-3A3A-46A4-96B9-7F7251084CAE}"/>
+                </a:ext>
+              </a:extLst>
+            </p:cNvPr>
+            <p:cNvSpPr/>
+            <p:nvPr/>
+          </p:nvSpPr>
+          <p:spPr>
+            <a:xfrm>
+              <a:off x="1323256" y="3636640"/>
+              <a:ext cx="7488832" cy="833212"/>
+            </a:xfrm>
+            <a:prstGeom prst="rect">
+              <a:avLst/>
+            </a:prstGeom>
+            <a:noFill/>
+            <a:ln w="38100">
+              <a:solidFill>
+                <a:srgbClr val="00B050"/>
+              </a:solidFill>
+            </a:ln>
+          </p:spPr>
+          <p:style>
+            <a:lnRef idx="2">
+              <a:schemeClr val="accent1">
+                <a:shade val="50000"/>
+              </a:schemeClr>
+            </a:lnRef>
+            <a:fillRef idx="1">
+              <a:schemeClr val="accent1"/>
+            </a:fillRef>
+            <a:effectRef idx="0">
+              <a:schemeClr val="accent1"/>
+            </a:effectRef>
+            <a:fontRef idx="minor">
+              <a:schemeClr val="lt1"/>
+            </a:fontRef>
+          </p:style>
+          <p:txBody>
+            <a:bodyPr rtlCol="0" anchor="ctr"/>
+            <a:lstStyle/>
+            <a:p>
+              <a:pPr algn="ctr"/>
+              <a:endParaRPr kumimoji="1" lang="ja-JP" altLang="en-US"/>
+            </a:p>
+          </p:txBody>
+        </p:sp>
+        <p:cxnSp>
+          <p:nvCxnSpPr>
+            <p:cNvPr id="24" name="直線コネクタ 23">
+              <a:extLst>
+                <a:ext uri="{FF2B5EF4-FFF2-40B4-BE49-F238E27FC236}">
+                  <a16:creationId xmlns:a16="http://schemas.microsoft.com/office/drawing/2014/main" id="{5AE2765F-02F5-42D1-BFA6-83B07951F0BE}"/>
+                </a:ext>
+              </a:extLst>
+            </p:cNvPr>
+            <p:cNvCxnSpPr>
+              <a:cxnSpLocks/>
+              <a:stCxn id="23" idx="0"/>
+            </p:cNvCxnSpPr>
+            <p:nvPr/>
+          </p:nvCxnSpPr>
+          <p:spPr>
+            <a:xfrm flipH="1" flipV="1">
+              <a:off x="4707632" y="2772544"/>
+              <a:ext cx="360040" cy="864096"/>
+            </a:xfrm>
+            <a:prstGeom prst="line">
+              <a:avLst/>
+            </a:prstGeom>
+            <a:ln w="38100">
+              <a:solidFill>
+                <a:srgbClr val="00B050"/>
+              </a:solidFill>
+            </a:ln>
+          </p:spPr>
+          <p:style>
+            <a:lnRef idx="1">
+              <a:schemeClr val="accent1"/>
+            </a:lnRef>
+            <a:fillRef idx="0">
+              <a:schemeClr val="accent1"/>
+            </a:fillRef>
+            <a:effectRef idx="0">
+              <a:schemeClr val="accent1"/>
+            </a:effectRef>
+            <a:fontRef idx="minor">
+              <a:schemeClr val="tx1"/>
+            </a:fontRef>
+          </p:style>
+        </p:cxnSp>
+      </p:grpSp>
     </p:spTree>
     <p:extLst>
       <p:ext uri="{BB962C8B-B14F-4D97-AF65-F5344CB8AC3E}">
-        <p14:creationId xmlns:p14="http://schemas.microsoft.com/office/powerpoint/2010/main" val="1857546812"/>
+        <p14:creationId xmlns:p14="http://schemas.microsoft.com/office/powerpoint/2010/main" val="93639884"/>
       </p:ext>
     </p:extLst>
   </p:cSld>
@@ -52873,7 +55269,7 @@
 </p:sld>
 </file>
 
-<file path=ppt/slides/slide4.xml><?xml version="1.0" encoding="utf-8"?>
+<file path=ppt/slides/slide7.xml><?xml version="1.0" encoding="utf-8"?>
 <p:sld xmlns:a="http://schemas.openxmlformats.org/drawingml/2006/main" xmlns:r="http://schemas.openxmlformats.org/officeDocument/2006/relationships" xmlns:p="http://schemas.openxmlformats.org/presentationml/2006/main">
   <p:cSld>
     <p:spTree>
@@ -52892,7 +55288,13 @@
       </p:grpSpPr>
       <p:sp>
         <p:nvSpPr>
-          <p:cNvPr id="2" name="タイトル 1"/>
+          <p:cNvPr id="2" name="タイトル 1">
+            <a:extLst>
+              <a:ext uri="{FF2B5EF4-FFF2-40B4-BE49-F238E27FC236}">
+                <a16:creationId xmlns:a16="http://schemas.microsoft.com/office/drawing/2014/main" id="{8D3081F9-1BD4-471F-85DA-E9474DA2B4FB}"/>
+              </a:ext>
+            </a:extLst>
+          </p:cNvPr>
           <p:cNvSpPr>
             <a:spLocks noGrp="1"/>
           </p:cNvSpPr>
@@ -52902,19 +55304,27 @@
         </p:nvSpPr>
         <p:spPr/>
         <p:txBody>
-          <a:bodyPr/>
+          <a:bodyPr>
+            <a:normAutofit/>
+          </a:bodyPr>
           <a:lstStyle/>
           <a:p>
             <a:r>
               <a:rPr kumimoji="1" lang="ja-JP" altLang="en-US" dirty="0"/>
-              <a:t>著作権関連</a:t>
+              <a:t>文科省線引き</a:t>
             </a:r>
           </a:p>
         </p:txBody>
       </p:sp>
       <p:sp>
         <p:nvSpPr>
-          <p:cNvPr id="3" name="コンテンツ プレースホルダ 2"/>
+          <p:cNvPr id="3" name="コンテンツ プレースホルダー 2">
+            <a:extLst>
+              <a:ext uri="{FF2B5EF4-FFF2-40B4-BE49-F238E27FC236}">
+                <a16:creationId xmlns:a16="http://schemas.microsoft.com/office/drawing/2014/main" id="{333EA64F-4036-47D5-8798-0B7A2248A842}"/>
+              </a:ext>
+            </a:extLst>
+          </p:cNvPr>
           <p:cNvSpPr>
             <a:spLocks noGrp="1"/>
           </p:cNvSpPr>
@@ -52922,179 +55332,129 @@
             <p:ph idx="1"/>
           </p:nvPr>
         </p:nvSpPr>
-        <p:spPr>
-          <a:xfrm>
-            <a:off x="457200" y="1500174"/>
-            <a:ext cx="8579296" cy="4856176"/>
-          </a:xfrm>
-        </p:spPr>
+        <p:spPr/>
         <p:txBody>
           <a:bodyPr>
-            <a:normAutofit fontScale="85000" lnSpcReduction="20000"/>
+            <a:normAutofit lnSpcReduction="10000"/>
           </a:bodyPr>
           <a:lstStyle/>
           <a:p>
             <a:r>
-              <a:rPr kumimoji="1" lang="zh-TW" altLang="en-US" dirty="0"/>
-              <a:t>授業目的公衆送信補償金制度</a:t>
+              <a:rPr kumimoji="1" lang="ja-JP" altLang="en-US" dirty="0"/>
+              <a:t>「面接授業」の定義</a:t>
+            </a:r>
+            <a:endParaRPr kumimoji="1" lang="en-US" altLang="ja-JP" dirty="0"/>
+          </a:p>
+          <a:p>
+            <a:pPr lvl="1"/>
+            <a:r>
+              <a:rPr kumimoji="1" lang="ja-JP" altLang="en-US" dirty="0"/>
+              <a:t>（当該科目を履修している）</a:t>
+            </a:r>
+            <a:r>
+              <a:rPr kumimoji="1" lang="ja-JP" altLang="en-US" dirty="0">
+                <a:solidFill>
+                  <a:srgbClr val="00B0F0"/>
+                </a:solidFill>
+              </a:rPr>
+              <a:t>全ての</a:t>
+            </a:r>
+            <a:r>
+              <a:rPr kumimoji="1" lang="ja-JP" altLang="en-US" dirty="0"/>
+              <a:t>学生に</a:t>
+            </a:r>
+          </a:p>
+          <a:p>
+            <a:pPr lvl="1"/>
+            <a:r>
+              <a:rPr kumimoji="1" lang="ja-JP" altLang="en-US" dirty="0"/>
+              <a:t>総授業時間数の</a:t>
+            </a:r>
+            <a:r>
+              <a:rPr kumimoji="1" lang="ja-JP" altLang="en-US" dirty="0">
+                <a:solidFill>
+                  <a:srgbClr val="00B0F0"/>
+                </a:solidFill>
+              </a:rPr>
+              <a:t>半分以上</a:t>
+            </a:r>
+            <a:r>
+              <a:rPr kumimoji="1" lang="ja-JP" altLang="en-US" dirty="0"/>
+              <a:t>について</a:t>
+            </a:r>
+          </a:p>
+          <a:p>
+            <a:pPr lvl="1"/>
+            <a:r>
+              <a:rPr kumimoji="1" lang="ja-JP" altLang="en-US" dirty="0"/>
+              <a:t>対面で受講する</a:t>
+            </a:r>
+            <a:r>
+              <a:rPr kumimoji="1" lang="ja-JP" altLang="en-US" dirty="0">
+                <a:solidFill>
+                  <a:srgbClr val="00B0F0"/>
+                </a:solidFill>
+              </a:rPr>
+              <a:t>機会を設けて</a:t>
+            </a:r>
+            <a:r>
+              <a:rPr kumimoji="1" lang="ja-JP" altLang="en-US" dirty="0"/>
+              <a:t>いる</a:t>
+            </a:r>
+            <a:endParaRPr kumimoji="1" lang="en-US" altLang="ja-JP" dirty="0"/>
+          </a:p>
+          <a:p>
+            <a:r>
+              <a:rPr lang="en-US" altLang="ja-JP" dirty="0"/>
+              <a:t>UTAS</a:t>
             </a:r>
             <a:r>
               <a:rPr lang="ja-JP" altLang="en-US" dirty="0"/>
-              <a:t>が</a:t>
+              <a:t>の選択肢</a:t>
             </a:r>
             <a:r>
               <a:rPr lang="en-US" altLang="ja-JP" dirty="0"/>
-              <a:t>2020/4/28 </a:t>
+              <a:t>#2</a:t>
             </a:r>
             <a:r>
               <a:rPr lang="ja-JP" altLang="en-US" dirty="0"/>
-              <a:t>から施行</a:t>
+              <a:t>の文言と微妙にずれ</a:t>
             </a:r>
             <a:endParaRPr lang="en-US" altLang="ja-JP" dirty="0"/>
           </a:p>
           <a:p>
             <a:pPr lvl="1"/>
             <a:r>
-              <a:rPr lang="ja-JP" altLang="en-US" dirty="0"/>
-              <a:t>大学として補償金を支払うため、</a:t>
-            </a:r>
-            <a:br>
-              <a:rPr lang="en-US" altLang="ja-JP" dirty="0"/>
-            </a:br>
-            <a:r>
-              <a:rPr lang="ja-JP" altLang="en-US" dirty="0"/>
-              <a:t>　　　　　　　　　</a:t>
+              <a:rPr kumimoji="1" lang="ja-JP" altLang="en-US" dirty="0"/>
+              <a:t>対面・オンライン併用型</a:t>
             </a:r>
             <a:r>
-              <a:rPr lang="ja-JP" altLang="en-US" b="1" u="sng" dirty="0"/>
-              <a:t>教員が個別に手続きする必要なし</a:t>
+              <a:rPr kumimoji="1" lang="en-US" altLang="ja-JP" dirty="0"/>
+              <a:t>A</a:t>
             </a:r>
-            <a:endParaRPr lang="en-US" altLang="ja-JP" b="1" u="sng" dirty="0"/>
+            <a:r>
+              <a:rPr kumimoji="1" lang="ja-JP" altLang="en-US" dirty="0"/>
+              <a:t>（総時間数の半数以上を対面で実施）</a:t>
+            </a:r>
           </a:p>
           <a:p>
             <a:r>
-              <a:rPr kumimoji="1" lang="ja-JP" altLang="en-US" dirty="0"/>
-              <a:t>授業の過程において、</a:t>
+              <a:rPr lang="ja-JP" altLang="en-US" dirty="0"/>
+              <a:t>いわゆるハイフレックス（先生が教室、学生は自由）は面接授業の定義を満たす</a:t>
             </a:r>
-            <a:br>
-              <a:rPr kumimoji="1" lang="en-US" altLang="ja-JP" dirty="0"/>
-            </a:br>
-            <a:r>
-              <a:rPr kumimoji="1" lang="ja-JP" altLang="en-US" b="1" u="sng" dirty="0"/>
-              <a:t>必要と認められる限度で著作物を公衆送信可能に</a:t>
-            </a:r>
-            <a:endParaRPr kumimoji="1" lang="en-US" altLang="ja-JP" b="1" u="sng" dirty="0"/>
-          </a:p>
-          <a:p>
-            <a:r>
-              <a:rPr kumimoji="1" lang="ja-JP" altLang="en-US" b="1" u="sng" dirty="0"/>
-              <a:t>著作権者の利益を不当に害する行為は </a:t>
-            </a:r>
-            <a:r>
-              <a:rPr lang="en-US" altLang="ja-JP" b="1" u="sng" dirty="0"/>
-              <a:t>NG</a:t>
-            </a:r>
-            <a:endParaRPr kumimoji="1" lang="en-US" altLang="ja-JP" b="1" u="sng" dirty="0"/>
-          </a:p>
-          <a:p>
-            <a:pPr lvl="8"/>
             <a:endParaRPr lang="en-US" altLang="ja-JP" dirty="0"/>
-          </a:p>
-          <a:p>
-            <a:r>
-              <a:rPr lang="ja-JP" altLang="en-US" sz="2600" dirty="0"/>
-              <a:t>参考情報</a:t>
-            </a:r>
-            <a:endParaRPr lang="en-US" altLang="ja-JP" sz="2600" dirty="0"/>
-          </a:p>
-          <a:p>
-            <a:pPr lvl="1"/>
-            <a:r>
-              <a:rPr kumimoji="1" lang="zh-CN" altLang="en-US" sz="2300" dirty="0"/>
-              <a:t>改正著作権法第３５条</a:t>
-            </a:r>
-            <a:r>
-              <a:rPr kumimoji="1" lang="ja-JP" altLang="en-US" sz="2300" dirty="0"/>
-              <a:t>運用指針（令和</a:t>
-            </a:r>
-            <a:r>
-              <a:rPr kumimoji="1" lang="en-US" altLang="ja-JP" sz="2300" dirty="0"/>
-              <a:t>3</a:t>
-            </a:r>
-            <a:r>
-              <a:rPr kumimoji="1" lang="ja-JP" altLang="en-US" sz="2300" dirty="0"/>
-              <a:t>年度版）</a:t>
-            </a:r>
-            <a:endParaRPr kumimoji="1" lang="en-US" altLang="ja-JP" sz="2300" dirty="0"/>
-          </a:p>
-          <a:p>
-            <a:pPr lvl="2"/>
-            <a:r>
-              <a:rPr kumimoji="1" lang="en-US" altLang="ja-JP" sz="2100" dirty="0">
-                <a:hlinkClick r:id="rId2"/>
-              </a:rPr>
-              <a:t>https://sartras.or.jp/wp-content/uploads/unyoshishin_20201221.pdf</a:t>
-            </a:r>
-            <a:r>
-              <a:rPr kumimoji="1" lang="en-US" altLang="ja-JP" sz="2100" dirty="0"/>
-              <a:t> </a:t>
-            </a:r>
-          </a:p>
-          <a:p>
-            <a:pPr lvl="1"/>
-            <a:r>
-              <a:rPr lang="en-US" altLang="ja-JP" sz="2300" dirty="0"/>
-              <a:t>SARTRAS</a:t>
-            </a:r>
-            <a:r>
-              <a:rPr lang="ja-JP" altLang="en-US" sz="2300" dirty="0"/>
-              <a:t> </a:t>
-            </a:r>
-            <a:r>
-              <a:rPr lang="en-US" altLang="ja-JP" sz="2300" dirty="0"/>
-              <a:t>FAQ</a:t>
-            </a:r>
-          </a:p>
-          <a:p>
-            <a:pPr lvl="2"/>
-            <a:r>
-              <a:rPr kumimoji="1" lang="en-US" altLang="ja-JP" sz="2100" dirty="0">
-                <a:hlinkClick r:id="rId3"/>
-              </a:rPr>
-              <a:t>https://sartras.or.jp/newfaqs-online/</a:t>
-            </a:r>
-            <a:r>
-              <a:rPr kumimoji="1" lang="en-US" altLang="ja-JP" sz="2100" dirty="0"/>
-              <a:t> </a:t>
-            </a:r>
-          </a:p>
-          <a:p>
-            <a:pPr lvl="1"/>
-            <a:r>
-              <a:rPr lang="ja-JP" altLang="en-US" sz="2300" dirty="0"/>
-              <a:t>著作物に関する説明会</a:t>
-            </a:r>
-            <a:endParaRPr lang="en-US" altLang="ja-JP" sz="2300" dirty="0"/>
-          </a:p>
-          <a:p>
-            <a:pPr lvl="2"/>
-            <a:r>
-              <a:rPr kumimoji="1" lang="en-US" altLang="ja-JP" sz="2100" dirty="0">
-                <a:hlinkClick r:id="rId4"/>
-              </a:rPr>
-              <a:t>https://utelecon.adm.u-tokyo.ac.jp/events/2020-05-08/</a:t>
-            </a:r>
-            <a:r>
-              <a:rPr kumimoji="1" lang="en-US" altLang="ja-JP" sz="2100" dirty="0"/>
-              <a:t> </a:t>
-            </a:r>
-            <a:endParaRPr kumimoji="1" lang="ja-JP" altLang="en-US" sz="2100" dirty="0"/>
           </a:p>
         </p:txBody>
       </p:sp>
       <p:sp>
         <p:nvSpPr>
-          <p:cNvPr id="4" name="日付プレースホルダ 3"/>
+          <p:cNvPr id="4" name="日付プレースホルダー 3">
+            <a:extLst>
+              <a:ext uri="{FF2B5EF4-FFF2-40B4-BE49-F238E27FC236}">
+                <a16:creationId xmlns:a16="http://schemas.microsoft.com/office/drawing/2014/main" id="{D1A55413-0E16-4282-BD42-EFB68868336C}"/>
+              </a:ext>
+            </a:extLst>
+          </p:cNvPr>
           <p:cNvSpPr>
             <a:spLocks noGrp="1"/>
           </p:cNvSpPr>
@@ -53117,73 +55477,10 @@
       </p:sp>
       <p:sp>
         <p:nvSpPr>
-          <p:cNvPr id="6" name="スライド番号プレースホルダ 5"/>
-          <p:cNvSpPr>
-            <a:spLocks noGrp="1"/>
-          </p:cNvSpPr>
-          <p:nvPr>
-            <p:ph type="sldNum" sz="quarter" idx="12"/>
-          </p:nvPr>
-        </p:nvSpPr>
-        <p:spPr/>
-        <p:txBody>
-          <a:bodyPr/>
-          <a:lstStyle/>
-          <a:p>
-            <a:fld id="{EDF77D8D-9987-453A-9A05-EB91CA595C68}" type="slidenum">
-              <a:rPr kumimoji="1" lang="ja-JP" altLang="en-US" smtClean="0"/>
-              <a:pPr/>
-              <a:t>4</a:t>
-            </a:fld>
-            <a:endParaRPr kumimoji="1" lang="ja-JP" altLang="en-US" dirty="0"/>
-          </a:p>
-        </p:txBody>
-      </p:sp>
-      <p:sp>
-        <p:nvSpPr>
-          <p:cNvPr id="12" name="テキスト ボックス 11">
-            <a:extLst>
-              <a:ext uri="{FF2B5EF4-FFF2-40B4-BE49-F238E27FC236}">
-                <a16:creationId xmlns:a16="http://schemas.microsoft.com/office/drawing/2014/main" id="{51AB91AD-DC42-456D-BED5-99F09A06797A}"/>
-              </a:ext>
-            </a:extLst>
-          </p:cNvPr>
-          <p:cNvSpPr txBox="1"/>
-          <p:nvPr/>
-        </p:nvSpPr>
-        <p:spPr>
-          <a:xfrm>
-            <a:off x="2928660" y="4905094"/>
-            <a:ext cx="5692824" cy="307777"/>
-          </a:xfrm>
-          <a:prstGeom prst="rect">
-            <a:avLst/>
-          </a:prstGeom>
-          <a:noFill/>
-        </p:spPr>
-        <p:txBody>
-          <a:bodyPr wrap="square">
-            <a:spAutoFit/>
-          </a:bodyPr>
-          <a:lstStyle/>
-          <a:p>
-            <a:r>
-              <a:rPr lang="en-US" altLang="ja-JP" sz="1400" dirty="0"/>
-              <a:t>SARTRAS: </a:t>
-            </a:r>
-            <a:r>
-              <a:rPr lang="ja-JP" altLang="en-US" sz="1400" dirty="0"/>
-              <a:t>一般社団法人授業目的公衆送信補償金等管理協会</a:t>
-            </a:r>
-          </a:p>
-        </p:txBody>
-      </p:sp>
-      <p:sp>
-        <p:nvSpPr>
           <p:cNvPr id="5" name="フッター プレースホルダー 4">
             <a:extLst>
               <a:ext uri="{FF2B5EF4-FFF2-40B4-BE49-F238E27FC236}">
-                <a16:creationId xmlns:a16="http://schemas.microsoft.com/office/drawing/2014/main" id="{6AAD55DB-142B-4BDC-975D-3B8A2B99B892}"/>
+                <a16:creationId xmlns:a16="http://schemas.microsoft.com/office/drawing/2014/main" id="{E3C1218C-78B9-4734-A616-560B2B1E9D1F}"/>
               </a:ext>
             </a:extLst>
           </p:cNvPr>
@@ -53215,10 +55512,566 @@
           </a:p>
         </p:txBody>
       </p:sp>
+      <p:sp>
+        <p:nvSpPr>
+          <p:cNvPr id="6" name="スライド番号プレースホルダー 5">
+            <a:extLst>
+              <a:ext uri="{FF2B5EF4-FFF2-40B4-BE49-F238E27FC236}">
+                <a16:creationId xmlns:a16="http://schemas.microsoft.com/office/drawing/2014/main" id="{D950C5A0-B18A-4196-A234-00AC86324116}"/>
+              </a:ext>
+            </a:extLst>
+          </p:cNvPr>
+          <p:cNvSpPr>
+            <a:spLocks noGrp="1"/>
+          </p:cNvSpPr>
+          <p:nvPr>
+            <p:ph type="sldNum" sz="quarter" idx="12"/>
+          </p:nvPr>
+        </p:nvSpPr>
+        <p:spPr/>
+        <p:txBody>
+          <a:bodyPr/>
+          <a:lstStyle/>
+          <a:p>
+            <a:fld id="{EDF77D8D-9987-453A-9A05-EB91CA595C68}" type="slidenum">
+              <a:rPr kumimoji="1" lang="ja-JP" altLang="en-US" smtClean="0"/>
+              <a:pPr/>
+              <a:t>7</a:t>
+            </a:fld>
+            <a:endParaRPr kumimoji="1" lang="ja-JP" altLang="en-US"/>
+          </a:p>
+        </p:txBody>
+      </p:sp>
     </p:spTree>
     <p:extLst>
       <p:ext uri="{BB962C8B-B14F-4D97-AF65-F5344CB8AC3E}">
-        <p14:creationId xmlns:p14="http://schemas.microsoft.com/office/powerpoint/2010/main" val="1570231915"/>
+        <p14:creationId xmlns:p14="http://schemas.microsoft.com/office/powerpoint/2010/main" val="2842314454"/>
+      </p:ext>
+    </p:extLst>
+  </p:cSld>
+  <p:clrMapOvr>
+    <a:masterClrMapping/>
+  </p:clrMapOvr>
+</p:sld>
+</file>
+
+<file path=ppt/slides/slide8.xml><?xml version="1.0" encoding="utf-8"?>
+<p:sld xmlns:a="http://schemas.openxmlformats.org/drawingml/2006/main" xmlns:r="http://schemas.openxmlformats.org/officeDocument/2006/relationships" xmlns:p="http://schemas.openxmlformats.org/presentationml/2006/main">
+  <p:cSld>
+    <p:spTree>
+      <p:nvGrpSpPr>
+        <p:cNvPr id="1" name=""/>
+        <p:cNvGrpSpPr/>
+        <p:nvPr/>
+      </p:nvGrpSpPr>
+      <p:grpSpPr>
+        <a:xfrm>
+          <a:off x="0" y="0"/>
+          <a:ext cx="0" cy="0"/>
+          <a:chOff x="0" y="0"/>
+          <a:chExt cx="0" cy="0"/>
+        </a:xfrm>
+      </p:grpSpPr>
+      <p:sp>
+        <p:nvSpPr>
+          <p:cNvPr id="2" name="タイトル 1">
+            <a:extLst>
+              <a:ext uri="{FF2B5EF4-FFF2-40B4-BE49-F238E27FC236}">
+                <a16:creationId xmlns:a16="http://schemas.microsoft.com/office/drawing/2014/main" id="{86867635-CB4B-4A9C-8B40-BB45DD5674FA}"/>
+              </a:ext>
+            </a:extLst>
+          </p:cNvPr>
+          <p:cNvSpPr>
+            <a:spLocks noGrp="1"/>
+          </p:cNvSpPr>
+          <p:nvPr>
+            <p:ph type="title"/>
+          </p:nvPr>
+        </p:nvSpPr>
+        <p:spPr/>
+        <p:txBody>
+          <a:bodyPr>
+            <a:normAutofit/>
+          </a:bodyPr>
+          <a:lstStyle/>
+          <a:p>
+            <a:r>
+              <a:rPr kumimoji="1" lang="ja-JP" altLang="en-US" dirty="0"/>
+              <a:t>参考情報</a:t>
+            </a:r>
+          </a:p>
+        </p:txBody>
+      </p:sp>
+      <p:sp>
+        <p:nvSpPr>
+          <p:cNvPr id="3" name="コンテンツ プレースホルダー 2">
+            <a:extLst>
+              <a:ext uri="{FF2B5EF4-FFF2-40B4-BE49-F238E27FC236}">
+                <a16:creationId xmlns:a16="http://schemas.microsoft.com/office/drawing/2014/main" id="{77ED5692-2F80-4BD9-8715-F66F632A0B23}"/>
+              </a:ext>
+            </a:extLst>
+          </p:cNvPr>
+          <p:cNvSpPr>
+            <a:spLocks noGrp="1"/>
+          </p:cNvSpPr>
+          <p:nvPr>
+            <p:ph idx="1"/>
+          </p:nvPr>
+        </p:nvSpPr>
+        <p:spPr/>
+        <p:txBody>
+          <a:bodyPr>
+            <a:normAutofit/>
+          </a:bodyPr>
+          <a:lstStyle/>
+          <a:p>
+            <a:r>
+              <a:rPr lang="ja-JP" altLang="en-US" dirty="0"/>
+              <a:t>文科省線引きの原典</a:t>
+            </a:r>
+            <a:endParaRPr lang="en-US" altLang="ja-JP" dirty="0"/>
+          </a:p>
+          <a:p>
+            <a:pPr lvl="1"/>
+            <a:r>
+              <a:rPr lang="ja-JP" altLang="en-US" dirty="0"/>
+              <a:t>学事日程等の取扱い及び遠隔授業の活用に係る </a:t>
+            </a:r>
+            <a:r>
+              <a:rPr lang="en-US" altLang="ja-JP" dirty="0">
+                <a:hlinkClick r:id="rId2"/>
+              </a:rPr>
+              <a:t>Q</a:t>
+            </a:r>
+            <a:r>
+              <a:rPr lang="ja-JP" altLang="en-US" dirty="0">
+                <a:hlinkClick r:id="rId2"/>
+              </a:rPr>
+              <a:t>＆</a:t>
+            </a:r>
+            <a:r>
+              <a:rPr lang="en-US" altLang="ja-JP" dirty="0">
+                <a:hlinkClick r:id="rId2"/>
+              </a:rPr>
+              <a:t>A</a:t>
+            </a:r>
+            <a:r>
+              <a:rPr lang="en-US" altLang="ja-JP" dirty="0"/>
+              <a:t> </a:t>
+            </a:r>
+            <a:r>
+              <a:rPr lang="ja-JP" altLang="en-US" dirty="0"/>
+              <a:t>等の送付について（令和 </a:t>
+            </a:r>
+            <a:r>
+              <a:rPr lang="en-US" altLang="ja-JP" dirty="0"/>
+              <a:t>3 </a:t>
+            </a:r>
+            <a:r>
+              <a:rPr lang="ja-JP" altLang="en-US" dirty="0"/>
+              <a:t>年 </a:t>
+            </a:r>
+            <a:r>
+              <a:rPr lang="en-US" altLang="ja-JP" dirty="0"/>
+              <a:t>5 </a:t>
+            </a:r>
+            <a:r>
+              <a:rPr lang="ja-JP" altLang="en-US" dirty="0"/>
+              <a:t>月 </a:t>
+            </a:r>
+            <a:r>
+              <a:rPr lang="en-US" altLang="ja-JP" dirty="0"/>
+              <a:t>14 </a:t>
+            </a:r>
+            <a:r>
+              <a:rPr lang="ja-JP" altLang="en-US" dirty="0"/>
+              <a:t>日時点）特に</a:t>
+            </a:r>
+            <a:r>
+              <a:rPr lang="ja-JP" altLang="en-US" dirty="0">
+                <a:solidFill>
+                  <a:srgbClr val="00B050"/>
+                </a:solidFill>
+              </a:rPr>
+              <a:t>問</a:t>
+            </a:r>
+            <a:r>
+              <a:rPr lang="en-US" altLang="ja-JP" dirty="0">
+                <a:solidFill>
+                  <a:srgbClr val="00B050"/>
+                </a:solidFill>
+              </a:rPr>
+              <a:t>8, 9, 10</a:t>
+            </a:r>
+            <a:r>
+              <a:rPr lang="ja-JP" altLang="en-US" dirty="0"/>
+              <a:t>あたりを参照</a:t>
+            </a:r>
+            <a:endParaRPr lang="en-US" altLang="ja-JP" dirty="0"/>
+          </a:p>
+          <a:p>
+            <a:r>
+              <a:rPr lang="ja-JP" altLang="en-US" dirty="0"/>
+              <a:t>東京大学運用の原典 </a:t>
+            </a:r>
+            <a:r>
+              <a:rPr lang="ja-JP" altLang="en-US" sz="1800" dirty="0"/>
+              <a:t>対面とオンラインを併用した授業実施形態にかかる取扱いの判断基準等について（東京大学 教育運営委員会 学部・大学院教育部会 教育システム整備検討ワーキンググループ）</a:t>
+            </a:r>
+            <a:endParaRPr lang="en-US" altLang="ja-JP" dirty="0"/>
+          </a:p>
+          <a:p>
+            <a:pPr lvl="1"/>
+            <a:r>
+              <a:rPr lang="en-US" altLang="ja-JP" dirty="0">
+                <a:hlinkClick r:id="rId3"/>
+              </a:rPr>
+              <a:t>UTAS</a:t>
+            </a:r>
+            <a:r>
+              <a:rPr lang="en-US" altLang="ja-JP" dirty="0"/>
+              <a:t> </a:t>
+            </a:r>
+            <a:r>
+              <a:rPr lang="en-US" altLang="ja-JP" dirty="0">
+                <a:sym typeface="Symbol" panose="05050102010706020507" pitchFamily="18" charset="2"/>
+              </a:rPr>
+              <a:t></a:t>
+            </a:r>
+            <a:r>
+              <a:rPr lang="ja-JP" altLang="en-US" dirty="0"/>
+              <a:t>シラバス </a:t>
+            </a:r>
+            <a:r>
+              <a:rPr lang="en-US" altLang="ja-JP" dirty="0">
+                <a:sym typeface="Symbol" panose="05050102010706020507" pitchFamily="18" charset="2"/>
+              </a:rPr>
+              <a:t> </a:t>
+            </a:r>
+            <a:r>
+              <a:rPr lang="ja-JP" altLang="en-US" dirty="0"/>
+              <a:t>授業形態 </a:t>
+            </a:r>
+            <a:r>
+              <a:rPr lang="en-US" altLang="ja-JP" dirty="0">
+                <a:sym typeface="Symbol" panose="05050102010706020507" pitchFamily="18" charset="2"/>
+              </a:rPr>
+              <a:t> </a:t>
+            </a:r>
+            <a:r>
+              <a:rPr lang="ja-JP" altLang="en-US" dirty="0"/>
+              <a:t>授業実施形態の判断基準についてを参照</a:t>
+            </a:r>
+            <a:endParaRPr lang="en-US" altLang="ja-JP" dirty="0"/>
+          </a:p>
+        </p:txBody>
+      </p:sp>
+      <p:sp>
+        <p:nvSpPr>
+          <p:cNvPr id="4" name="日付プレースホルダー 3">
+            <a:extLst>
+              <a:ext uri="{FF2B5EF4-FFF2-40B4-BE49-F238E27FC236}">
+                <a16:creationId xmlns:a16="http://schemas.microsoft.com/office/drawing/2014/main" id="{7970A5E8-D208-44E1-9BF9-396622407A95}"/>
+              </a:ext>
+            </a:extLst>
+          </p:cNvPr>
+          <p:cNvSpPr>
+            <a:spLocks noGrp="1"/>
+          </p:cNvSpPr>
+          <p:nvPr>
+            <p:ph type="dt" sz="half" idx="10"/>
+          </p:nvPr>
+        </p:nvSpPr>
+        <p:spPr/>
+        <p:txBody>
+          <a:bodyPr/>
+          <a:lstStyle/>
+          <a:p>
+            <a:r>
+              <a:rPr kumimoji="1" lang="en-US" altLang="ja-JP"/>
+              <a:t>2022/3/16</a:t>
+            </a:r>
+            <a:endParaRPr kumimoji="1" lang="ja-JP" altLang="en-US"/>
+          </a:p>
+        </p:txBody>
+      </p:sp>
+      <p:sp>
+        <p:nvSpPr>
+          <p:cNvPr id="5" name="フッター プレースホルダー 4">
+            <a:extLst>
+              <a:ext uri="{FF2B5EF4-FFF2-40B4-BE49-F238E27FC236}">
+                <a16:creationId xmlns:a16="http://schemas.microsoft.com/office/drawing/2014/main" id="{58E374E8-6B19-4E2A-B7EC-21397A238ED9}"/>
+              </a:ext>
+            </a:extLst>
+          </p:cNvPr>
+          <p:cNvSpPr>
+            <a:spLocks noGrp="1"/>
+          </p:cNvSpPr>
+          <p:nvPr>
+            <p:ph type="ftr" sz="quarter" idx="11"/>
+          </p:nvPr>
+        </p:nvSpPr>
+        <p:spPr/>
+        <p:txBody>
+          <a:bodyPr/>
+          <a:lstStyle/>
+          <a:p>
+            <a:r>
+              <a:rPr kumimoji="1" lang="en-US" altLang="ja-JP"/>
+              <a:t>2022 S</a:t>
+            </a:r>
+            <a:r>
+              <a:rPr kumimoji="1" lang="ja-JP" altLang="en-US"/>
+              <a:t>セメスタ 説明会 </a:t>
+            </a:r>
+            <a:r>
+              <a:rPr kumimoji="1" lang="en-US" altLang="ja-JP"/>
+              <a:t>https://utelecon.adm.u-tokyo.ac.jp/</a:t>
+            </a:r>
+            <a:endParaRPr kumimoji="1" lang="ja-JP" altLang="en-US"/>
+          </a:p>
+        </p:txBody>
+      </p:sp>
+      <p:sp>
+        <p:nvSpPr>
+          <p:cNvPr id="6" name="スライド番号プレースホルダー 5">
+            <a:extLst>
+              <a:ext uri="{FF2B5EF4-FFF2-40B4-BE49-F238E27FC236}">
+                <a16:creationId xmlns:a16="http://schemas.microsoft.com/office/drawing/2014/main" id="{033430DF-7B5E-42E8-B817-D0B770C84301}"/>
+              </a:ext>
+            </a:extLst>
+          </p:cNvPr>
+          <p:cNvSpPr>
+            <a:spLocks noGrp="1"/>
+          </p:cNvSpPr>
+          <p:nvPr>
+            <p:ph type="sldNum" sz="quarter" idx="12"/>
+          </p:nvPr>
+        </p:nvSpPr>
+        <p:spPr/>
+        <p:txBody>
+          <a:bodyPr/>
+          <a:lstStyle/>
+          <a:p>
+            <a:fld id="{EDF77D8D-9987-453A-9A05-EB91CA595C68}" type="slidenum">
+              <a:rPr kumimoji="1" lang="ja-JP" altLang="en-US" smtClean="0"/>
+              <a:pPr/>
+              <a:t>8</a:t>
+            </a:fld>
+            <a:endParaRPr kumimoji="1" lang="ja-JP" altLang="en-US"/>
+          </a:p>
+        </p:txBody>
+      </p:sp>
+    </p:spTree>
+    <p:extLst>
+      <p:ext uri="{BB962C8B-B14F-4D97-AF65-F5344CB8AC3E}">
+        <p14:creationId xmlns:p14="http://schemas.microsoft.com/office/powerpoint/2010/main" val="2058407764"/>
+      </p:ext>
+    </p:extLst>
+  </p:cSld>
+  <p:clrMapOvr>
+    <a:masterClrMapping/>
+  </p:clrMapOvr>
+</p:sld>
+</file>
+
+<file path=ppt/slides/slide9.xml><?xml version="1.0" encoding="utf-8"?>
+<p:sld xmlns:a="http://schemas.openxmlformats.org/drawingml/2006/main" xmlns:r="http://schemas.openxmlformats.org/officeDocument/2006/relationships" xmlns:p="http://schemas.openxmlformats.org/presentationml/2006/main">
+  <p:cSld>
+    <p:spTree>
+      <p:nvGrpSpPr>
+        <p:cNvPr id="1" name=""/>
+        <p:cNvGrpSpPr/>
+        <p:nvPr/>
+      </p:nvGrpSpPr>
+      <p:grpSpPr>
+        <a:xfrm>
+          <a:off x="0" y="0"/>
+          <a:ext cx="0" cy="0"/>
+          <a:chOff x="0" y="0"/>
+          <a:chExt cx="0" cy="0"/>
+        </a:xfrm>
+      </p:grpSpPr>
+      <p:sp>
+        <p:nvSpPr>
+          <p:cNvPr id="2" name="タイトル 1">
+            <a:extLst>
+              <a:ext uri="{FF2B5EF4-FFF2-40B4-BE49-F238E27FC236}">
+                <a16:creationId xmlns:a16="http://schemas.microsoft.com/office/drawing/2014/main" id="{11888EFB-D97F-4211-A8EB-65013FE7B6EC}"/>
+              </a:ext>
+            </a:extLst>
+          </p:cNvPr>
+          <p:cNvSpPr>
+            <a:spLocks noGrp="1"/>
+          </p:cNvSpPr>
+          <p:nvPr>
+            <p:ph type="title"/>
+          </p:nvPr>
+        </p:nvSpPr>
+        <p:spPr/>
+        <p:txBody>
+          <a:bodyPr/>
+          <a:lstStyle/>
+          <a:p>
+            <a:r>
+              <a:rPr kumimoji="1" lang="ja-JP" altLang="en-US" dirty="0"/>
+              <a:t>目次</a:t>
+            </a:r>
+          </a:p>
+        </p:txBody>
+      </p:sp>
+      <p:sp>
+        <p:nvSpPr>
+          <p:cNvPr id="3" name="コンテンツ プレースホルダー 2">
+            <a:extLst>
+              <a:ext uri="{FF2B5EF4-FFF2-40B4-BE49-F238E27FC236}">
+                <a16:creationId xmlns:a16="http://schemas.microsoft.com/office/drawing/2014/main" id="{B1475A2D-4680-498E-AC85-3C1CC85BEE80}"/>
+              </a:ext>
+            </a:extLst>
+          </p:cNvPr>
+          <p:cNvSpPr>
+            <a:spLocks noGrp="1"/>
+          </p:cNvSpPr>
+          <p:nvPr>
+            <p:ph idx="1"/>
+          </p:nvPr>
+        </p:nvSpPr>
+        <p:spPr/>
+        <p:txBody>
+          <a:bodyPr/>
+          <a:lstStyle/>
+          <a:p>
+            <a:r>
+              <a:rPr kumimoji="1" lang="ja-JP" altLang="en-US" dirty="0"/>
+              <a:t>いわゆる「メディア授業</a:t>
+            </a:r>
+            <a:r>
+              <a:rPr kumimoji="1" lang="en-US" altLang="ja-JP" dirty="0"/>
+              <a:t>60</a:t>
+            </a:r>
+            <a:r>
+              <a:rPr kumimoji="1" lang="ja-JP" altLang="en-US" dirty="0"/>
+              <a:t>単位上限」</a:t>
+            </a:r>
+            <a:endParaRPr kumimoji="1" lang="en-US" altLang="ja-JP" dirty="0"/>
+          </a:p>
+          <a:p>
+            <a:r>
+              <a:rPr lang="ja-JP" altLang="en-US" dirty="0">
+                <a:solidFill>
+                  <a:srgbClr val="7030A0"/>
+                </a:solidFill>
+              </a:rPr>
+              <a:t>著作物利用（復習）</a:t>
+            </a:r>
+            <a:endParaRPr kumimoji="1" lang="ja-JP" altLang="en-US" dirty="0">
+              <a:solidFill>
+                <a:srgbClr val="7030A0"/>
+              </a:solidFill>
+            </a:endParaRPr>
+          </a:p>
+        </p:txBody>
+      </p:sp>
+      <p:sp>
+        <p:nvSpPr>
+          <p:cNvPr id="4" name="日付プレースホルダー 3">
+            <a:extLst>
+              <a:ext uri="{FF2B5EF4-FFF2-40B4-BE49-F238E27FC236}">
+                <a16:creationId xmlns:a16="http://schemas.microsoft.com/office/drawing/2014/main" id="{AACEE1DE-C2FE-416F-BE61-42C07CBA3694}"/>
+              </a:ext>
+            </a:extLst>
+          </p:cNvPr>
+          <p:cNvSpPr>
+            <a:spLocks noGrp="1"/>
+          </p:cNvSpPr>
+          <p:nvPr>
+            <p:ph type="dt" sz="half" idx="10"/>
+          </p:nvPr>
+        </p:nvSpPr>
+        <p:spPr/>
+        <p:txBody>
+          <a:bodyPr/>
+          <a:lstStyle/>
+          <a:p>
+            <a:r>
+              <a:rPr kumimoji="1" lang="en-US" altLang="ja-JP"/>
+              <a:t>2022/3/16</a:t>
+            </a:r>
+            <a:endParaRPr kumimoji="1" lang="ja-JP" altLang="en-US"/>
+          </a:p>
+        </p:txBody>
+      </p:sp>
+      <p:sp>
+        <p:nvSpPr>
+          <p:cNvPr id="5" name="フッター プレースホルダー 4">
+            <a:extLst>
+              <a:ext uri="{FF2B5EF4-FFF2-40B4-BE49-F238E27FC236}">
+                <a16:creationId xmlns:a16="http://schemas.microsoft.com/office/drawing/2014/main" id="{90A1C6B6-C0CF-4E31-BA7F-78D9B342A992}"/>
+              </a:ext>
+            </a:extLst>
+          </p:cNvPr>
+          <p:cNvSpPr>
+            <a:spLocks noGrp="1"/>
+          </p:cNvSpPr>
+          <p:nvPr>
+            <p:ph type="ftr" sz="quarter" idx="11"/>
+          </p:nvPr>
+        </p:nvSpPr>
+        <p:spPr/>
+        <p:txBody>
+          <a:bodyPr/>
+          <a:lstStyle/>
+          <a:p>
+            <a:r>
+              <a:rPr kumimoji="1" lang="en-US" altLang="ja-JP"/>
+              <a:t>2022 S</a:t>
+            </a:r>
+            <a:r>
+              <a:rPr kumimoji="1" lang="ja-JP" altLang="en-US"/>
+              <a:t>セメスタ 説明会 </a:t>
+            </a:r>
+            <a:r>
+              <a:rPr kumimoji="1" lang="en-US" altLang="ja-JP"/>
+              <a:t>https://utelecon.adm.u-tokyo.ac.jp/</a:t>
+            </a:r>
+            <a:endParaRPr kumimoji="1" lang="ja-JP" altLang="en-US"/>
+          </a:p>
+        </p:txBody>
+      </p:sp>
+      <p:sp>
+        <p:nvSpPr>
+          <p:cNvPr id="6" name="スライド番号プレースホルダー 5">
+            <a:extLst>
+              <a:ext uri="{FF2B5EF4-FFF2-40B4-BE49-F238E27FC236}">
+                <a16:creationId xmlns:a16="http://schemas.microsoft.com/office/drawing/2014/main" id="{6199F59F-677A-4DD1-BB77-655151672426}"/>
+              </a:ext>
+            </a:extLst>
+          </p:cNvPr>
+          <p:cNvSpPr>
+            <a:spLocks noGrp="1"/>
+          </p:cNvSpPr>
+          <p:nvPr>
+            <p:ph type="sldNum" sz="quarter" idx="12"/>
+          </p:nvPr>
+        </p:nvSpPr>
+        <p:spPr/>
+        <p:txBody>
+          <a:bodyPr/>
+          <a:lstStyle/>
+          <a:p>
+            <a:fld id="{EDF77D8D-9987-453A-9A05-EB91CA595C68}" type="slidenum">
+              <a:rPr kumimoji="1" lang="ja-JP" altLang="en-US" smtClean="0"/>
+              <a:pPr/>
+              <a:t>9</a:t>
+            </a:fld>
+            <a:endParaRPr kumimoji="1" lang="ja-JP" altLang="en-US"/>
+          </a:p>
+        </p:txBody>
+      </p:sp>
+    </p:spTree>
+    <p:extLst>
+      <p:ext uri="{BB962C8B-B14F-4D97-AF65-F5344CB8AC3E}">
+        <p14:creationId xmlns:p14="http://schemas.microsoft.com/office/powerpoint/2010/main" val="2103386409"/>
       </p:ext>
     </p:extLst>
   </p:cSld>
@@ -53231,7 +56084,7 @@
 <file path=ppt/theme/theme1.xml><?xml version="1.0" encoding="utf-8"?>
 <a:theme xmlns:a="http://schemas.openxmlformats.org/drawingml/2006/main" name="雪藤">
   <a:themeElements>
-    <a:clrScheme name="グレースケール">
+    <a:clrScheme name="青">
       <a:dk1>
         <a:sysClr val="windowText" lastClr="000000"/>
       </a:dk1>
@@ -53239,34 +56092,34 @@
         <a:sysClr val="window" lastClr="FFFFFF"/>
       </a:lt1>
       <a:dk2>
-        <a:srgbClr val="000000"/>
+        <a:srgbClr val="17406D"/>
       </a:dk2>
       <a:lt2>
-        <a:srgbClr val="F8F8F8"/>
+        <a:srgbClr val="DBEFF9"/>
       </a:lt2>
       <a:accent1>
-        <a:srgbClr val="DDDDDD"/>
+        <a:srgbClr val="0F6FC6"/>
       </a:accent1>
       <a:accent2>
-        <a:srgbClr val="B2B2B2"/>
+        <a:srgbClr val="009DD9"/>
       </a:accent2>
       <a:accent3>
-        <a:srgbClr val="969696"/>
+        <a:srgbClr val="0BD0D9"/>
       </a:accent3>
       <a:accent4>
-        <a:srgbClr val="808080"/>
+        <a:srgbClr val="10CF9B"/>
       </a:accent4>
       <a:accent5>
-        <a:srgbClr val="5F5F5F"/>
+        <a:srgbClr val="7CCA62"/>
       </a:accent5>
       <a:accent6>
-        <a:srgbClr val="4D4D4D"/>
+        <a:srgbClr val="A5C249"/>
       </a:accent6>
       <a:hlink>
-        <a:srgbClr val="5F5F5F"/>
+        <a:srgbClr val="F49100"/>
       </a:hlink>
       <a:folHlink>
-        <a:srgbClr val="919191"/>
+        <a:srgbClr val="85DFD0"/>
       </a:folHlink>
     </a:clrScheme>
     <a:fontScheme name="ユーザー定義 1">

--- a/events/2022-03-16/slides/01-rules.pptx
+++ b/events/2022-03-16/slides/01-rules.pptx
@@ -5,7 +5,7 @@
     <p:sldMasterId id="2147483660" r:id="rId1"/>
   </p:sldMasterIdLst>
   <p:notesMasterIdLst>
-    <p:notesMasterId r:id="rId14"/>
+    <p:notesMasterId r:id="rId16"/>
   </p:notesMasterIdLst>
   <p:sldIdLst>
     <p:sldId id="256" r:id="rId2"/>
@@ -20,6 +20,8 @@
     <p:sldId id="383" r:id="rId11"/>
     <p:sldId id="371" r:id="rId12"/>
     <p:sldId id="382" r:id="rId13"/>
+    <p:sldId id="384" r:id="rId14"/>
+    <p:sldId id="385" r:id="rId15"/>
   </p:sldIdLst>
   <p:sldSz cx="9144000" cy="6858000" type="screen4x3"/>
   <p:notesSz cx="6858000" cy="9144000"/>
@@ -234,7 +236,7 @@
             <a:fld id="{35305EB0-020F-4995-961E-A35B2BB78D2B}" type="datetimeFigureOut">
               <a:rPr kumimoji="1" lang="ja-JP" altLang="en-US" smtClean="0"/>
               <a:pPr/>
-              <a:t>2022/3/13</a:t>
+              <a:t>2022/3/15</a:t>
             </a:fld>
             <a:endParaRPr kumimoji="1" lang="ja-JP" altLang="en-US"/>
           </a:p>
@@ -52597,7 +52599,7 @@
           <a:p>
             <a:r>
               <a:rPr lang="ja-JP" altLang="en-US" dirty="0"/>
-              <a:t>（授業の過程で利用する場合には）</a:t>
+              <a:t>授業の過程で利用する場合には</a:t>
             </a:r>
             <a:endParaRPr lang="en-US" altLang="ja-JP" dirty="0"/>
           </a:p>
@@ -52636,7 +52638,7 @@
                   <a:srgbClr val="7030A0"/>
                 </a:solidFill>
               </a:rPr>
-              <a:t>教室内、オンライン配信、オンデマンド配信、ネット配布される資料などでの利用が可能</a:t>
+              <a:t>教室内、オンライン授業、オンデマンド配信、ネット配布される資料などでの利用が可能</a:t>
             </a:r>
             <a:endParaRPr kumimoji="1" lang="en-US" altLang="ja-JP" dirty="0">
               <a:solidFill>
@@ -53571,6 +53573,999 @@
 </p:sld>
 </file>
 
+<file path=ppt/slides/slide13.xml><?xml version="1.0" encoding="utf-8"?>
+<p:sld xmlns:a="http://schemas.openxmlformats.org/drawingml/2006/main" xmlns:r="http://schemas.openxmlformats.org/officeDocument/2006/relationships" xmlns:p="http://schemas.openxmlformats.org/presentationml/2006/main">
+  <p:cSld>
+    <p:spTree>
+      <p:nvGrpSpPr>
+        <p:cNvPr id="1" name=""/>
+        <p:cNvGrpSpPr/>
+        <p:nvPr/>
+      </p:nvGrpSpPr>
+      <p:grpSpPr>
+        <a:xfrm>
+          <a:off x="0" y="0"/>
+          <a:ext cx="0" cy="0"/>
+          <a:chOff x="0" y="0"/>
+          <a:chExt cx="0" cy="0"/>
+        </a:xfrm>
+      </p:grpSpPr>
+      <p:sp>
+        <p:nvSpPr>
+          <p:cNvPr id="2" name="タイトル 1">
+            <a:extLst>
+              <a:ext uri="{FF2B5EF4-FFF2-40B4-BE49-F238E27FC236}">
+                <a16:creationId xmlns:a16="http://schemas.microsoft.com/office/drawing/2014/main" id="{B571F97A-4368-471A-907F-0C9EE118A511}"/>
+              </a:ext>
+            </a:extLst>
+          </p:cNvPr>
+          <p:cNvSpPr>
+            <a:spLocks noGrp="1"/>
+          </p:cNvSpPr>
+          <p:nvPr>
+            <p:ph type="title"/>
+          </p:nvPr>
+        </p:nvSpPr>
+        <p:spPr/>
+        <p:txBody>
+          <a:bodyPr>
+            <a:normAutofit fontScale="90000"/>
+          </a:bodyPr>
+          <a:lstStyle/>
+          <a:p>
+            <a:r>
+              <a:rPr kumimoji="1" lang="ja-JP" altLang="en-US" dirty="0"/>
+              <a:t>オンライン入室トラブル連絡体制</a:t>
+            </a:r>
+          </a:p>
+        </p:txBody>
+      </p:sp>
+      <p:sp>
+        <p:nvSpPr>
+          <p:cNvPr id="3" name="コンテンツ プレースホルダー 2">
+            <a:extLst>
+              <a:ext uri="{FF2B5EF4-FFF2-40B4-BE49-F238E27FC236}">
+                <a16:creationId xmlns:a16="http://schemas.microsoft.com/office/drawing/2014/main" id="{ACDF6E6A-CB9D-43FD-986C-72AB2586FF24}"/>
+              </a:ext>
+            </a:extLst>
+          </p:cNvPr>
+          <p:cNvSpPr>
+            <a:spLocks noGrp="1"/>
+          </p:cNvSpPr>
+          <p:nvPr>
+            <p:ph idx="1"/>
+          </p:nvPr>
+        </p:nvSpPr>
+        <p:spPr>
+          <a:xfrm>
+            <a:off x="457200" y="1500174"/>
+            <a:ext cx="8435280" cy="4525963"/>
+          </a:xfrm>
+        </p:spPr>
+        <p:txBody>
+          <a:bodyPr>
+            <a:normAutofit fontScale="92500" lnSpcReduction="20000"/>
+          </a:bodyPr>
+          <a:lstStyle/>
+          <a:p>
+            <a:r>
+              <a:rPr lang="ja-JP" altLang="en-US" dirty="0"/>
+              <a:t>いろいろな理由で「授業に入れない事件」は発生します</a:t>
+            </a:r>
+            <a:endParaRPr lang="en-US" altLang="ja-JP" dirty="0"/>
+          </a:p>
+          <a:p>
+            <a:pPr lvl="1"/>
+            <a:r>
+              <a:rPr lang="ja-JP" altLang="en-US" dirty="0"/>
+              <a:t>原因は様々</a:t>
+            </a:r>
+            <a:r>
+              <a:rPr lang="en-US" altLang="ja-JP" dirty="0"/>
+              <a:t>; </a:t>
+            </a:r>
+            <a:r>
+              <a:rPr lang="ja-JP" altLang="en-US" dirty="0"/>
+              <a:t>学生、先生、システム、どの場合もあります</a:t>
+            </a:r>
+            <a:endParaRPr lang="en-US" altLang="ja-JP" dirty="0"/>
+          </a:p>
+          <a:p>
+            <a:pPr lvl="1"/>
+            <a:r>
+              <a:rPr lang="ja-JP" altLang="en-US" dirty="0"/>
+              <a:t>トラブルゼロにはできませんので、事後フォローでお願いします</a:t>
+            </a:r>
+            <a:endParaRPr lang="en-US" altLang="ja-JP" dirty="0"/>
+          </a:p>
+          <a:p>
+            <a:r>
+              <a:rPr lang="ja-JP" altLang="en-US" dirty="0"/>
+              <a:t>学生には</a:t>
+            </a:r>
+            <a:r>
+              <a:rPr lang="ja-JP" altLang="en-US" dirty="0">
+                <a:hlinkClick r:id="rId2"/>
+              </a:rPr>
+              <a:t>オンライン授業への入室方法 </a:t>
+            </a:r>
+            <a:r>
+              <a:rPr lang="ja-JP" altLang="en-US" dirty="0"/>
+              <a:t>ページで対処法と、入れない、事務、先生の連絡先もわからない時の</a:t>
+            </a:r>
+            <a:r>
+              <a:rPr lang="ja-JP" altLang="en-US" dirty="0">
+                <a:hlinkClick r:id="rId3"/>
+              </a:rPr>
+              <a:t>フォーム</a:t>
+            </a:r>
+            <a:r>
+              <a:rPr lang="ja-JP" altLang="en-US" dirty="0"/>
+              <a:t>を案内しています</a:t>
+            </a:r>
+            <a:endParaRPr lang="en-US" altLang="ja-JP" dirty="0"/>
+          </a:p>
+          <a:p>
+            <a:r>
+              <a:rPr lang="ja-JP" altLang="en-US" dirty="0"/>
+              <a:t>次ページの連絡網・体制でやっていますので先生、部局事務のご協力お願いします</a:t>
+            </a:r>
+            <a:endParaRPr lang="en-US" altLang="ja-JP" dirty="0"/>
+          </a:p>
+        </p:txBody>
+      </p:sp>
+      <p:sp>
+        <p:nvSpPr>
+          <p:cNvPr id="4" name="日付プレースホルダー 3">
+            <a:extLst>
+              <a:ext uri="{FF2B5EF4-FFF2-40B4-BE49-F238E27FC236}">
+                <a16:creationId xmlns:a16="http://schemas.microsoft.com/office/drawing/2014/main" id="{E5A7EE04-F998-44F5-A9EC-8F7385B1CEBB}"/>
+              </a:ext>
+            </a:extLst>
+          </p:cNvPr>
+          <p:cNvSpPr>
+            <a:spLocks noGrp="1"/>
+          </p:cNvSpPr>
+          <p:nvPr>
+            <p:ph type="dt" sz="half" idx="10"/>
+          </p:nvPr>
+        </p:nvSpPr>
+        <p:spPr/>
+        <p:txBody>
+          <a:bodyPr/>
+          <a:lstStyle/>
+          <a:p>
+            <a:r>
+              <a:rPr kumimoji="1" lang="en-US" altLang="ja-JP"/>
+              <a:t>2022/3/16</a:t>
+            </a:r>
+            <a:endParaRPr kumimoji="1" lang="ja-JP" altLang="en-US"/>
+          </a:p>
+        </p:txBody>
+      </p:sp>
+      <p:sp>
+        <p:nvSpPr>
+          <p:cNvPr id="5" name="フッター プレースホルダー 4">
+            <a:extLst>
+              <a:ext uri="{FF2B5EF4-FFF2-40B4-BE49-F238E27FC236}">
+                <a16:creationId xmlns:a16="http://schemas.microsoft.com/office/drawing/2014/main" id="{22FEADB7-A938-4C3E-BFF7-EE1A033CAD4E}"/>
+              </a:ext>
+            </a:extLst>
+          </p:cNvPr>
+          <p:cNvSpPr>
+            <a:spLocks noGrp="1"/>
+          </p:cNvSpPr>
+          <p:nvPr>
+            <p:ph type="ftr" sz="quarter" idx="11"/>
+          </p:nvPr>
+        </p:nvSpPr>
+        <p:spPr/>
+        <p:txBody>
+          <a:bodyPr/>
+          <a:lstStyle/>
+          <a:p>
+            <a:r>
+              <a:rPr kumimoji="1" lang="en-US" altLang="ja-JP"/>
+              <a:t>2022 S</a:t>
+            </a:r>
+            <a:r>
+              <a:rPr kumimoji="1" lang="ja-JP" altLang="en-US"/>
+              <a:t>セメスタ 説明会 </a:t>
+            </a:r>
+            <a:r>
+              <a:rPr kumimoji="1" lang="en-US" altLang="ja-JP"/>
+              <a:t>https://utelecon.adm.u-tokyo.ac.jp/</a:t>
+            </a:r>
+            <a:endParaRPr kumimoji="1" lang="ja-JP" altLang="en-US"/>
+          </a:p>
+        </p:txBody>
+      </p:sp>
+      <p:sp>
+        <p:nvSpPr>
+          <p:cNvPr id="6" name="スライド番号プレースホルダー 5">
+            <a:extLst>
+              <a:ext uri="{FF2B5EF4-FFF2-40B4-BE49-F238E27FC236}">
+                <a16:creationId xmlns:a16="http://schemas.microsoft.com/office/drawing/2014/main" id="{30203DCB-3EDC-4B0E-9AA9-86B727A756E3}"/>
+              </a:ext>
+            </a:extLst>
+          </p:cNvPr>
+          <p:cNvSpPr>
+            <a:spLocks noGrp="1"/>
+          </p:cNvSpPr>
+          <p:nvPr>
+            <p:ph type="sldNum" sz="quarter" idx="12"/>
+          </p:nvPr>
+        </p:nvSpPr>
+        <p:spPr/>
+        <p:txBody>
+          <a:bodyPr/>
+          <a:lstStyle/>
+          <a:p>
+            <a:fld id="{EDF77D8D-9987-453A-9A05-EB91CA595C68}" type="slidenum">
+              <a:rPr kumimoji="1" lang="ja-JP" altLang="en-US" smtClean="0"/>
+              <a:pPr/>
+              <a:t>13</a:t>
+            </a:fld>
+            <a:endParaRPr kumimoji="1" lang="ja-JP" altLang="en-US"/>
+          </a:p>
+        </p:txBody>
+      </p:sp>
+    </p:spTree>
+    <p:extLst>
+      <p:ext uri="{BB962C8B-B14F-4D97-AF65-F5344CB8AC3E}">
+        <p14:creationId xmlns:p14="http://schemas.microsoft.com/office/powerpoint/2010/main" val="1758208277"/>
+      </p:ext>
+    </p:extLst>
+  </p:cSld>
+  <p:clrMapOvr>
+    <a:masterClrMapping/>
+  </p:clrMapOvr>
+</p:sld>
+</file>
+
+<file path=ppt/slides/slide14.xml><?xml version="1.0" encoding="utf-8"?>
+<p:sld xmlns:a="http://schemas.openxmlformats.org/drawingml/2006/main" xmlns:r="http://schemas.openxmlformats.org/officeDocument/2006/relationships" xmlns:p="http://schemas.openxmlformats.org/presentationml/2006/main">
+  <p:cSld>
+    <p:spTree>
+      <p:nvGrpSpPr>
+        <p:cNvPr id="1" name=""/>
+        <p:cNvGrpSpPr/>
+        <p:nvPr/>
+      </p:nvGrpSpPr>
+      <p:grpSpPr>
+        <a:xfrm>
+          <a:off x="0" y="0"/>
+          <a:ext cx="0" cy="0"/>
+          <a:chOff x="0" y="0"/>
+          <a:chExt cx="0" cy="0"/>
+        </a:xfrm>
+      </p:grpSpPr>
+      <p:sp>
+        <p:nvSpPr>
+          <p:cNvPr id="2" name="タイトル 1">
+            <a:extLst>
+              <a:ext uri="{FF2B5EF4-FFF2-40B4-BE49-F238E27FC236}">
+                <a16:creationId xmlns:a16="http://schemas.microsoft.com/office/drawing/2014/main" id="{87705953-E82A-4C80-AA86-A24F558BE3BC}"/>
+              </a:ext>
+            </a:extLst>
+          </p:cNvPr>
+          <p:cNvSpPr>
+            <a:spLocks noGrp="1"/>
+          </p:cNvSpPr>
+          <p:nvPr>
+            <p:ph type="title"/>
+          </p:nvPr>
+        </p:nvSpPr>
+        <p:spPr/>
+        <p:txBody>
+          <a:bodyPr/>
+          <a:lstStyle/>
+          <a:p>
+            <a:r>
+              <a:rPr kumimoji="1" lang="ja-JP" altLang="en-US" dirty="0"/>
+              <a:t>連絡体制</a:t>
+            </a:r>
+          </a:p>
+        </p:txBody>
+      </p:sp>
+      <p:sp>
+        <p:nvSpPr>
+          <p:cNvPr id="4" name="日付プレースホルダー 3">
+            <a:extLst>
+              <a:ext uri="{FF2B5EF4-FFF2-40B4-BE49-F238E27FC236}">
+                <a16:creationId xmlns:a16="http://schemas.microsoft.com/office/drawing/2014/main" id="{D954D1BE-7375-44EE-A444-9F5212A59895}"/>
+              </a:ext>
+            </a:extLst>
+          </p:cNvPr>
+          <p:cNvSpPr>
+            <a:spLocks noGrp="1"/>
+          </p:cNvSpPr>
+          <p:nvPr>
+            <p:ph type="dt" sz="half" idx="10"/>
+          </p:nvPr>
+        </p:nvSpPr>
+        <p:spPr/>
+        <p:txBody>
+          <a:bodyPr/>
+          <a:lstStyle/>
+          <a:p>
+            <a:r>
+              <a:rPr kumimoji="1" lang="en-US" altLang="ja-JP"/>
+              <a:t>2022/3/16</a:t>
+            </a:r>
+            <a:endParaRPr kumimoji="1" lang="ja-JP" altLang="en-US"/>
+          </a:p>
+        </p:txBody>
+      </p:sp>
+      <p:sp>
+        <p:nvSpPr>
+          <p:cNvPr id="5" name="フッター プレースホルダー 4">
+            <a:extLst>
+              <a:ext uri="{FF2B5EF4-FFF2-40B4-BE49-F238E27FC236}">
+                <a16:creationId xmlns:a16="http://schemas.microsoft.com/office/drawing/2014/main" id="{E3EB3AB4-D534-44E6-BBC2-EE662CCC5DA1}"/>
+              </a:ext>
+            </a:extLst>
+          </p:cNvPr>
+          <p:cNvSpPr>
+            <a:spLocks noGrp="1"/>
+          </p:cNvSpPr>
+          <p:nvPr>
+            <p:ph type="ftr" sz="quarter" idx="11"/>
+          </p:nvPr>
+        </p:nvSpPr>
+        <p:spPr/>
+        <p:txBody>
+          <a:bodyPr/>
+          <a:lstStyle/>
+          <a:p>
+            <a:r>
+              <a:rPr kumimoji="1" lang="en-US" altLang="ja-JP"/>
+              <a:t>2022 S</a:t>
+            </a:r>
+            <a:r>
+              <a:rPr kumimoji="1" lang="ja-JP" altLang="en-US"/>
+              <a:t>セメスタ 説明会 </a:t>
+            </a:r>
+            <a:r>
+              <a:rPr kumimoji="1" lang="en-US" altLang="ja-JP"/>
+              <a:t>https://utelecon.adm.u-tokyo.ac.jp/</a:t>
+            </a:r>
+            <a:endParaRPr kumimoji="1" lang="ja-JP" altLang="en-US"/>
+          </a:p>
+        </p:txBody>
+      </p:sp>
+      <p:sp>
+        <p:nvSpPr>
+          <p:cNvPr id="6" name="スライド番号プレースホルダー 5">
+            <a:extLst>
+              <a:ext uri="{FF2B5EF4-FFF2-40B4-BE49-F238E27FC236}">
+                <a16:creationId xmlns:a16="http://schemas.microsoft.com/office/drawing/2014/main" id="{BCA4DC05-F317-4CBD-92A7-C2EF26DBDE1D}"/>
+              </a:ext>
+            </a:extLst>
+          </p:cNvPr>
+          <p:cNvSpPr>
+            <a:spLocks noGrp="1"/>
+          </p:cNvSpPr>
+          <p:nvPr>
+            <p:ph type="sldNum" sz="quarter" idx="12"/>
+          </p:nvPr>
+        </p:nvSpPr>
+        <p:spPr/>
+        <p:txBody>
+          <a:bodyPr/>
+          <a:lstStyle/>
+          <a:p>
+            <a:fld id="{EDF77D8D-9987-453A-9A05-EB91CA595C68}" type="slidenum">
+              <a:rPr kumimoji="1" lang="ja-JP" altLang="en-US" smtClean="0"/>
+              <a:pPr/>
+              <a:t>14</a:t>
+            </a:fld>
+            <a:endParaRPr kumimoji="1" lang="ja-JP" altLang="en-US"/>
+          </a:p>
+        </p:txBody>
+      </p:sp>
+      <p:pic>
+        <p:nvPicPr>
+          <p:cNvPr id="8" name="図 7">
+            <a:extLst>
+              <a:ext uri="{FF2B5EF4-FFF2-40B4-BE49-F238E27FC236}">
+                <a16:creationId xmlns:a16="http://schemas.microsoft.com/office/drawing/2014/main" id="{ED31A8E8-2D15-4FF4-8B62-5CBE18E40F02}"/>
+              </a:ext>
+            </a:extLst>
+          </p:cNvPr>
+          <p:cNvPicPr>
+            <a:picLocks noChangeAspect="1"/>
+          </p:cNvPicPr>
+          <p:nvPr/>
+        </p:nvPicPr>
+        <p:blipFill>
+          <a:blip r:embed="rId2" cstate="print">
+            <a:extLst>
+              <a:ext uri="{28A0092B-C50C-407E-A947-70E740481C1C}">
+                <a14:useLocalDpi xmlns:a14="http://schemas.microsoft.com/office/drawing/2010/main" val="0"/>
+              </a:ext>
+            </a:extLst>
+          </a:blip>
+          <a:stretch>
+            <a:fillRect/>
+          </a:stretch>
+        </p:blipFill>
+        <p:spPr>
+          <a:xfrm>
+            <a:off x="6599256" y="4212864"/>
+            <a:ext cx="1020744" cy="1143000"/>
+          </a:xfrm>
+          <a:prstGeom prst="rect">
+            <a:avLst/>
+          </a:prstGeom>
+        </p:spPr>
+      </p:pic>
+      <p:pic>
+        <p:nvPicPr>
+          <p:cNvPr id="10" name="図 9">
+            <a:extLst>
+              <a:ext uri="{FF2B5EF4-FFF2-40B4-BE49-F238E27FC236}">
+                <a16:creationId xmlns:a16="http://schemas.microsoft.com/office/drawing/2014/main" id="{DA8E488C-9D8E-4A51-8E66-0E9192746906}"/>
+              </a:ext>
+            </a:extLst>
+          </p:cNvPr>
+          <p:cNvPicPr>
+            <a:picLocks noChangeAspect="1"/>
+          </p:cNvPicPr>
+          <p:nvPr/>
+        </p:nvPicPr>
+        <p:blipFill>
+          <a:blip r:embed="rId3" cstate="print">
+            <a:extLst>
+              <a:ext uri="{28A0092B-C50C-407E-A947-70E740481C1C}">
+                <a14:useLocalDpi xmlns:a14="http://schemas.microsoft.com/office/drawing/2010/main" val="0"/>
+              </a:ext>
+            </a:extLst>
+          </a:blip>
+          <a:stretch>
+            <a:fillRect/>
+          </a:stretch>
+        </p:blipFill>
+        <p:spPr>
+          <a:xfrm>
+            <a:off x="8148032" y="4441621"/>
+            <a:ext cx="816455" cy="914243"/>
+          </a:xfrm>
+          <a:prstGeom prst="rect">
+            <a:avLst/>
+          </a:prstGeom>
+        </p:spPr>
+      </p:pic>
+      <p:pic>
+        <p:nvPicPr>
+          <p:cNvPr id="12" name="図 11" descr="座る, 小さい, クマ, テディ が含まれている画像&#10;&#10;自動的に生成された説明">
+            <a:extLst>
+              <a:ext uri="{FF2B5EF4-FFF2-40B4-BE49-F238E27FC236}">
+                <a16:creationId xmlns:a16="http://schemas.microsoft.com/office/drawing/2014/main" id="{AAF6FAF0-0B77-4DAD-A193-2D0185B82A57}"/>
+              </a:ext>
+            </a:extLst>
+          </p:cNvPr>
+          <p:cNvPicPr>
+            <a:picLocks noChangeAspect="1"/>
+          </p:cNvPicPr>
+          <p:nvPr/>
+        </p:nvPicPr>
+        <p:blipFill>
+          <a:blip r:embed="rId4" cstate="print">
+            <a:extLst>
+              <a:ext uri="{28A0092B-C50C-407E-A947-70E740481C1C}">
+                <a14:useLocalDpi xmlns:a14="http://schemas.microsoft.com/office/drawing/2010/main" val="0"/>
+              </a:ext>
+            </a:extLst>
+          </a:blip>
+          <a:stretch>
+            <a:fillRect/>
+          </a:stretch>
+        </p:blipFill>
+        <p:spPr>
+          <a:xfrm>
+            <a:off x="453736" y="3769368"/>
+            <a:ext cx="1676699" cy="1556792"/>
+          </a:xfrm>
+          <a:prstGeom prst="rect">
+            <a:avLst/>
+          </a:prstGeom>
+        </p:spPr>
+      </p:pic>
+      <p:sp>
+        <p:nvSpPr>
+          <p:cNvPr id="17" name="テキスト ボックス 16">
+            <a:extLst>
+              <a:ext uri="{FF2B5EF4-FFF2-40B4-BE49-F238E27FC236}">
+                <a16:creationId xmlns:a16="http://schemas.microsoft.com/office/drawing/2014/main" id="{F8A3D121-A789-428A-8331-7F074D619111}"/>
+              </a:ext>
+            </a:extLst>
+          </p:cNvPr>
+          <p:cNvSpPr txBox="1"/>
+          <p:nvPr/>
+        </p:nvSpPr>
+        <p:spPr>
+          <a:xfrm>
+            <a:off x="700368" y="1993007"/>
+            <a:ext cx="5521063" cy="369332"/>
+          </a:xfrm>
+          <a:prstGeom prst="rect">
+            <a:avLst/>
+          </a:prstGeom>
+          <a:noFill/>
+        </p:spPr>
+        <p:txBody>
+          <a:bodyPr wrap="none" rtlCol="0">
+            <a:spAutoFit/>
+          </a:bodyPr>
+          <a:lstStyle/>
+          <a:p>
+            <a:r>
+              <a:rPr kumimoji="1" lang="en-US" altLang="ja-JP" dirty="0"/>
+              <a:t>A</a:t>
+            </a:r>
+            <a:r>
+              <a:rPr kumimoji="1" lang="ja-JP" altLang="en-US" dirty="0"/>
+              <a:t>学科事務    </a:t>
+            </a:r>
+            <a:r>
+              <a:rPr kumimoji="1" lang="en-US" altLang="ja-JP" dirty="0"/>
+              <a:t>B</a:t>
+            </a:r>
+            <a:r>
+              <a:rPr kumimoji="1" lang="ja-JP" altLang="en-US" dirty="0"/>
+              <a:t>学科事務    </a:t>
+            </a:r>
+            <a:r>
+              <a:rPr kumimoji="1" lang="en-US" altLang="ja-JP" dirty="0"/>
+              <a:t>C</a:t>
+            </a:r>
+            <a:r>
+              <a:rPr kumimoji="1" lang="ja-JP" altLang="en-US" dirty="0"/>
+              <a:t>学科事務     </a:t>
+            </a:r>
+            <a:r>
+              <a:rPr kumimoji="1" lang="en-US" altLang="ja-JP" dirty="0"/>
+              <a:t>…    X</a:t>
+            </a:r>
+            <a:r>
+              <a:rPr kumimoji="1" lang="ja-JP" altLang="en-US" dirty="0"/>
+              <a:t>学科事務</a:t>
+            </a:r>
+          </a:p>
+        </p:txBody>
+      </p:sp>
+      <p:cxnSp>
+        <p:nvCxnSpPr>
+          <p:cNvPr id="23" name="直線矢印コネクタ 22">
+            <a:extLst>
+              <a:ext uri="{FF2B5EF4-FFF2-40B4-BE49-F238E27FC236}">
+                <a16:creationId xmlns:a16="http://schemas.microsoft.com/office/drawing/2014/main" id="{C4CA36A3-0C12-4439-BF65-3BCA1E6B56F1}"/>
+              </a:ext>
+            </a:extLst>
+          </p:cNvPr>
+          <p:cNvCxnSpPr>
+            <a:cxnSpLocks/>
+            <a:stCxn id="8" idx="0"/>
+          </p:cNvCxnSpPr>
+          <p:nvPr/>
+        </p:nvCxnSpPr>
+        <p:spPr>
+          <a:xfrm flipH="1" flipV="1">
+            <a:off x="4136613" y="2362339"/>
+            <a:ext cx="2973015" cy="1850525"/>
+          </a:xfrm>
+          <a:prstGeom prst="straightConnector1">
+            <a:avLst/>
+          </a:prstGeom>
+          <a:ln>
+            <a:tailEnd type="stealth" w="lg" len="lg"/>
+          </a:ln>
+        </p:spPr>
+        <p:style>
+          <a:lnRef idx="1">
+            <a:schemeClr val="accent1"/>
+          </a:lnRef>
+          <a:fillRef idx="0">
+            <a:schemeClr val="accent1"/>
+          </a:fillRef>
+          <a:effectRef idx="0">
+            <a:schemeClr val="accent1"/>
+          </a:effectRef>
+          <a:fontRef idx="minor">
+            <a:schemeClr val="tx1"/>
+          </a:fontRef>
+        </p:style>
+      </p:cxnSp>
+      <p:cxnSp>
+        <p:nvCxnSpPr>
+          <p:cNvPr id="24" name="直線矢印コネクタ 23">
+            <a:extLst>
+              <a:ext uri="{FF2B5EF4-FFF2-40B4-BE49-F238E27FC236}">
+                <a16:creationId xmlns:a16="http://schemas.microsoft.com/office/drawing/2014/main" id="{0761591C-7228-4337-8165-CFD44F908B46}"/>
+              </a:ext>
+            </a:extLst>
+          </p:cNvPr>
+          <p:cNvCxnSpPr>
+            <a:cxnSpLocks/>
+            <a:endCxn id="12" idx="0"/>
+          </p:cNvCxnSpPr>
+          <p:nvPr/>
+        </p:nvCxnSpPr>
+        <p:spPr>
+          <a:xfrm flipH="1">
+            <a:off x="1292086" y="2362339"/>
+            <a:ext cx="2844527" cy="1407029"/>
+          </a:xfrm>
+          <a:prstGeom prst="straightConnector1">
+            <a:avLst/>
+          </a:prstGeom>
+          <a:ln>
+            <a:tailEnd type="stealth" w="lg" len="lg"/>
+          </a:ln>
+        </p:spPr>
+        <p:style>
+          <a:lnRef idx="1">
+            <a:schemeClr val="accent1"/>
+          </a:lnRef>
+          <a:fillRef idx="0">
+            <a:schemeClr val="accent1"/>
+          </a:fillRef>
+          <a:effectRef idx="0">
+            <a:schemeClr val="accent1"/>
+          </a:effectRef>
+          <a:fontRef idx="minor">
+            <a:schemeClr val="tx1"/>
+          </a:fontRef>
+        </p:style>
+      </p:cxnSp>
+      <p:cxnSp>
+        <p:nvCxnSpPr>
+          <p:cNvPr id="28" name="直線矢印コネクタ 27">
+            <a:extLst>
+              <a:ext uri="{FF2B5EF4-FFF2-40B4-BE49-F238E27FC236}">
+                <a16:creationId xmlns:a16="http://schemas.microsoft.com/office/drawing/2014/main" id="{5823363C-34F3-448B-B42D-36AFCF9E1C29}"/>
+              </a:ext>
+            </a:extLst>
+          </p:cNvPr>
+          <p:cNvCxnSpPr>
+            <a:cxnSpLocks/>
+            <a:stCxn id="10" idx="0"/>
+            <a:endCxn id="16" idx="2"/>
+          </p:cNvCxnSpPr>
+          <p:nvPr/>
+        </p:nvCxnSpPr>
+        <p:spPr>
+          <a:xfrm flipH="1" flipV="1">
+            <a:off x="7480962" y="2102314"/>
+            <a:ext cx="1075298" cy="2339307"/>
+          </a:xfrm>
+          <a:prstGeom prst="straightConnector1">
+            <a:avLst/>
+          </a:prstGeom>
+          <a:ln>
+            <a:tailEnd type="stealth" w="lg" len="lg"/>
+          </a:ln>
+        </p:spPr>
+        <p:style>
+          <a:lnRef idx="2">
+            <a:schemeClr val="accent4"/>
+          </a:lnRef>
+          <a:fillRef idx="0">
+            <a:schemeClr val="accent4"/>
+          </a:fillRef>
+          <a:effectRef idx="1">
+            <a:schemeClr val="accent4"/>
+          </a:effectRef>
+          <a:fontRef idx="minor">
+            <a:schemeClr val="tx1"/>
+          </a:fontRef>
+        </p:style>
+      </p:cxnSp>
+      <p:cxnSp>
+        <p:nvCxnSpPr>
+          <p:cNvPr id="31" name="直線矢印コネクタ 30">
+            <a:extLst>
+              <a:ext uri="{FF2B5EF4-FFF2-40B4-BE49-F238E27FC236}">
+                <a16:creationId xmlns:a16="http://schemas.microsoft.com/office/drawing/2014/main" id="{35254DA0-E392-4D57-8A3B-32DEE23B2F15}"/>
+              </a:ext>
+            </a:extLst>
+          </p:cNvPr>
+          <p:cNvCxnSpPr>
+            <a:cxnSpLocks/>
+            <a:stCxn id="16" idx="1"/>
+            <a:endCxn id="17" idx="0"/>
+          </p:cNvCxnSpPr>
+          <p:nvPr/>
+        </p:nvCxnSpPr>
+        <p:spPr>
+          <a:xfrm flipH="1">
+            <a:off x="3460900" y="1289493"/>
+            <a:ext cx="3060824" cy="703514"/>
+          </a:xfrm>
+          <a:prstGeom prst="straightConnector1">
+            <a:avLst/>
+          </a:prstGeom>
+          <a:ln>
+            <a:tailEnd type="stealth" w="lg" len="lg"/>
+          </a:ln>
+        </p:spPr>
+        <p:style>
+          <a:lnRef idx="2">
+            <a:schemeClr val="accent4"/>
+          </a:lnRef>
+          <a:fillRef idx="0">
+            <a:schemeClr val="accent4"/>
+          </a:fillRef>
+          <a:effectRef idx="1">
+            <a:schemeClr val="accent4"/>
+          </a:effectRef>
+          <a:fontRef idx="minor">
+            <a:schemeClr val="tx1"/>
+          </a:fontRef>
+        </p:style>
+      </p:cxnSp>
+      <p:cxnSp>
+        <p:nvCxnSpPr>
+          <p:cNvPr id="34" name="直線矢印コネクタ 33">
+            <a:extLst>
+              <a:ext uri="{FF2B5EF4-FFF2-40B4-BE49-F238E27FC236}">
+                <a16:creationId xmlns:a16="http://schemas.microsoft.com/office/drawing/2014/main" id="{368DCF31-366B-4618-B1B5-486CE730EBFB}"/>
+              </a:ext>
+            </a:extLst>
+          </p:cNvPr>
+          <p:cNvCxnSpPr>
+            <a:cxnSpLocks/>
+            <a:stCxn id="17" idx="2"/>
+            <a:endCxn id="12" idx="0"/>
+          </p:cNvCxnSpPr>
+          <p:nvPr/>
+        </p:nvCxnSpPr>
+        <p:spPr>
+          <a:xfrm flipH="1">
+            <a:off x="1292086" y="2362339"/>
+            <a:ext cx="2168814" cy="1407029"/>
+          </a:xfrm>
+          <a:prstGeom prst="straightConnector1">
+            <a:avLst/>
+          </a:prstGeom>
+          <a:ln>
+            <a:tailEnd type="stealth" w="lg" len="lg"/>
+          </a:ln>
+        </p:spPr>
+        <p:style>
+          <a:lnRef idx="2">
+            <a:schemeClr val="accent4"/>
+          </a:lnRef>
+          <a:fillRef idx="0">
+            <a:schemeClr val="accent4"/>
+          </a:fillRef>
+          <a:effectRef idx="1">
+            <a:schemeClr val="accent4"/>
+          </a:effectRef>
+          <a:fontRef idx="minor">
+            <a:schemeClr val="tx1"/>
+          </a:fontRef>
+        </p:style>
+      </p:cxnSp>
+      <p:pic>
+        <p:nvPicPr>
+          <p:cNvPr id="16" name="図 15" descr="グラフィカル ユーザー インターフェイス, テキスト, アプリケーション&#10;&#10;自動的に生成された説明">
+            <a:hlinkClick r:id="rId5"/>
+            <a:extLst>
+              <a:ext uri="{FF2B5EF4-FFF2-40B4-BE49-F238E27FC236}">
+                <a16:creationId xmlns:a16="http://schemas.microsoft.com/office/drawing/2014/main" id="{36AE8E7E-26EA-448D-BBBC-B13EE382196A}"/>
+              </a:ext>
+            </a:extLst>
+          </p:cNvPr>
+          <p:cNvPicPr>
+            <a:picLocks noChangeAspect="1"/>
+          </p:cNvPicPr>
+          <p:nvPr/>
+        </p:nvPicPr>
+        <p:blipFill>
+          <a:blip r:embed="rId6" cstate="print">
+            <a:extLst>
+              <a:ext uri="{28A0092B-C50C-407E-A947-70E740481C1C}">
+                <a14:useLocalDpi xmlns:a14="http://schemas.microsoft.com/office/drawing/2010/main" val="0"/>
+              </a:ext>
+            </a:extLst>
+          </a:blip>
+          <a:stretch>
+            <a:fillRect/>
+          </a:stretch>
+        </p:blipFill>
+        <p:spPr>
+          <a:xfrm>
+            <a:off x="6521724" y="476672"/>
+            <a:ext cx="1918476" cy="1625642"/>
+          </a:xfrm>
+          <a:prstGeom prst="rect">
+            <a:avLst/>
+          </a:prstGeom>
+        </p:spPr>
+      </p:pic>
+      <p:cxnSp>
+        <p:nvCxnSpPr>
+          <p:cNvPr id="47" name="直線矢印コネクタ 46">
+            <a:extLst>
+              <a:ext uri="{FF2B5EF4-FFF2-40B4-BE49-F238E27FC236}">
+                <a16:creationId xmlns:a16="http://schemas.microsoft.com/office/drawing/2014/main" id="{FBED8886-B28F-4219-8AD4-1C3126911D26}"/>
+              </a:ext>
+            </a:extLst>
+          </p:cNvPr>
+          <p:cNvCxnSpPr>
+            <a:endCxn id="8" idx="1"/>
+          </p:cNvCxnSpPr>
+          <p:nvPr/>
+        </p:nvCxnSpPr>
+        <p:spPr>
+          <a:xfrm>
+            <a:off x="2267744" y="4441621"/>
+            <a:ext cx="4331512" cy="342743"/>
+          </a:xfrm>
+          <a:prstGeom prst="straightConnector1">
+            <a:avLst/>
+          </a:prstGeom>
+          <a:ln>
+            <a:solidFill>
+              <a:srgbClr val="7030A0"/>
+            </a:solidFill>
+            <a:headEnd type="triangle"/>
+            <a:tailEnd type="stealth" w="lg" len="lg"/>
+          </a:ln>
+        </p:spPr>
+        <p:style>
+          <a:lnRef idx="1">
+            <a:schemeClr val="accent1"/>
+          </a:lnRef>
+          <a:fillRef idx="0">
+            <a:schemeClr val="accent1"/>
+          </a:fillRef>
+          <a:effectRef idx="0">
+            <a:schemeClr val="accent1"/>
+          </a:effectRef>
+          <a:fontRef idx="minor">
+            <a:schemeClr val="tx1"/>
+          </a:fontRef>
+        </p:style>
+      </p:cxnSp>
+      <p:sp>
+        <p:nvSpPr>
+          <p:cNvPr id="48" name="テキスト ボックス 47">
+            <a:extLst>
+              <a:ext uri="{FF2B5EF4-FFF2-40B4-BE49-F238E27FC236}">
+                <a16:creationId xmlns:a16="http://schemas.microsoft.com/office/drawing/2014/main" id="{92AE5E84-E9E0-4FFF-9047-FC1DA7CD8B62}"/>
+              </a:ext>
+            </a:extLst>
+          </p:cNvPr>
+          <p:cNvSpPr txBox="1"/>
+          <p:nvPr/>
+        </p:nvSpPr>
+        <p:spPr>
+          <a:xfrm rot="272911">
+            <a:off x="2518500" y="4179385"/>
+            <a:ext cx="3877985" cy="369332"/>
+          </a:xfrm>
+          <a:prstGeom prst="rect">
+            <a:avLst/>
+          </a:prstGeom>
+          <a:noFill/>
+        </p:spPr>
+        <p:txBody>
+          <a:bodyPr wrap="none" rtlCol="0">
+            <a:spAutoFit/>
+          </a:bodyPr>
+          <a:lstStyle/>
+          <a:p>
+            <a:r>
+              <a:rPr lang="ja-JP" altLang="en-US" dirty="0"/>
+              <a:t>録画や教材の提供など事後フォロー</a:t>
+            </a:r>
+            <a:endParaRPr kumimoji="1" lang="ja-JP" altLang="en-US" dirty="0"/>
+          </a:p>
+        </p:txBody>
+      </p:sp>
+      <p:sp>
+        <p:nvSpPr>
+          <p:cNvPr id="49" name="テキスト ボックス 48">
+            <a:extLst>
+              <a:ext uri="{FF2B5EF4-FFF2-40B4-BE49-F238E27FC236}">
+                <a16:creationId xmlns:a16="http://schemas.microsoft.com/office/drawing/2014/main" id="{96F23EE4-3B3D-4B7B-88A4-72F95E36B4FD}"/>
+              </a:ext>
+            </a:extLst>
+          </p:cNvPr>
+          <p:cNvSpPr txBox="1"/>
+          <p:nvPr/>
+        </p:nvSpPr>
+        <p:spPr>
+          <a:xfrm>
+            <a:off x="1402515" y="5436323"/>
+            <a:ext cx="6544292" cy="830997"/>
+          </a:xfrm>
+          <a:prstGeom prst="rect">
+            <a:avLst/>
+          </a:prstGeom>
+          <a:noFill/>
+        </p:spPr>
+        <p:txBody>
+          <a:bodyPr wrap="none" rtlCol="0">
+            <a:spAutoFit/>
+          </a:bodyPr>
+          <a:lstStyle/>
+          <a:p>
+            <a:r>
+              <a:rPr kumimoji="1" lang="en-US" altLang="ja-JP" sz="2400" dirty="0" err="1"/>
+              <a:t>utelecon</a:t>
+            </a:r>
+            <a:r>
+              <a:rPr lang="ja-JP" altLang="en-US" sz="2400" dirty="0"/>
+              <a:t>で原因調査・解決する場合もあります</a:t>
+            </a:r>
+            <a:endParaRPr kumimoji="1" lang="en-US" altLang="ja-JP" sz="2400" dirty="0"/>
+          </a:p>
+          <a:p>
+            <a:r>
+              <a:rPr kumimoji="1" lang="ja-JP" altLang="en-US" sz="2400" dirty="0"/>
+              <a:t>ミスは誰</a:t>
+            </a:r>
+            <a:r>
+              <a:rPr kumimoji="1" lang="ja-JP" altLang="en-US" sz="2400"/>
+              <a:t>にでもあります</a:t>
+            </a:r>
+            <a:endParaRPr kumimoji="1" lang="ja-JP" altLang="en-US" sz="2400" dirty="0"/>
+          </a:p>
+        </p:txBody>
+      </p:sp>
+      <p:sp>
+        <p:nvSpPr>
+          <p:cNvPr id="51" name="テキスト ボックス 50">
+            <a:extLst>
+              <a:ext uri="{FF2B5EF4-FFF2-40B4-BE49-F238E27FC236}">
+                <a16:creationId xmlns:a16="http://schemas.microsoft.com/office/drawing/2014/main" id="{4C52E26A-ECCE-447E-8199-D22ADB340C09}"/>
+              </a:ext>
+            </a:extLst>
+          </p:cNvPr>
+          <p:cNvSpPr txBox="1"/>
+          <p:nvPr/>
+        </p:nvSpPr>
+        <p:spPr>
+          <a:xfrm>
+            <a:off x="7713910" y="2157560"/>
+            <a:ext cx="1027397" cy="369332"/>
+          </a:xfrm>
+          <a:prstGeom prst="rect">
+            <a:avLst/>
+          </a:prstGeom>
+          <a:noFill/>
+        </p:spPr>
+        <p:txBody>
+          <a:bodyPr wrap="none" rtlCol="0">
+            <a:spAutoFit/>
+          </a:bodyPr>
+          <a:lstStyle/>
+          <a:p>
+            <a:r>
+              <a:rPr kumimoji="1" lang="en-US" altLang="ja-JP" dirty="0" err="1"/>
+              <a:t>utelecon</a:t>
+            </a:r>
+            <a:endParaRPr kumimoji="1" lang="ja-JP" altLang="en-US" dirty="0"/>
+          </a:p>
+        </p:txBody>
+      </p:sp>
+    </p:spTree>
+    <p:extLst>
+      <p:ext uri="{BB962C8B-B14F-4D97-AF65-F5344CB8AC3E}">
+        <p14:creationId xmlns:p14="http://schemas.microsoft.com/office/powerpoint/2010/main" val="1508493871"/>
+      </p:ext>
+    </p:extLst>
+  </p:cSld>
+  <p:clrMapOvr>
+    <a:masterClrMapping/>
+  </p:clrMapOvr>
+</p:sld>
+</file>
+
 <file path=ppt/slides/slide2.xml><?xml version="1.0" encoding="utf-8"?>
 <p:sld xmlns:a="http://schemas.openxmlformats.org/drawingml/2006/main" xmlns:r="http://schemas.openxmlformats.org/officeDocument/2006/relationships" xmlns:p="http://schemas.openxmlformats.org/presentationml/2006/main">
   <p:cSld>
@@ -54256,7 +55251,7 @@
         </p:spPr>
         <p:txBody>
           <a:bodyPr>
-            <a:normAutofit/>
+            <a:normAutofit lnSpcReduction="10000"/>
           </a:bodyPr>
           <a:lstStyle/>
           <a:p>
@@ -54343,6 +55338,9 @@
               <a:rPr lang="ja-JP" altLang="en-US" dirty="0"/>
               <a:t>という制限</a:t>
             </a:r>
+            <a:endParaRPr lang="en-US" altLang="ja-JP" dirty="0"/>
+          </a:p>
+          <a:p>
             <a:endParaRPr lang="en-US" altLang="ja-JP" dirty="0"/>
           </a:p>
           <a:p>
@@ -54489,8 +55487,8 @@
         </p:nvSpPr>
         <p:spPr>
           <a:xfrm>
-            <a:off x="822412" y="5714590"/>
-            <a:ext cx="7632848" cy="623094"/>
+            <a:off x="1045928" y="4293096"/>
+            <a:ext cx="7632848" cy="504056"/>
           </a:xfrm>
           <a:prstGeom prst="rect">
             <a:avLst/>
@@ -54675,15 +55673,35 @@
             </a:r>
             <a:r>
               <a:rPr kumimoji="1" lang="ja-JP" altLang="en-US" dirty="0"/>
-              <a:t>（後述）シラバスの記入欄に「</a:t>
+              <a:t>（後述）シラバスの記入欄に</a:t>
             </a:r>
             <a:r>
-              <a:rPr kumimoji="1" lang="zh-TW" altLang="en-US" dirty="0"/>
+              <a:rPr kumimoji="1" lang="ja-JP" altLang="en-US" dirty="0">
+                <a:solidFill>
+                  <a:srgbClr val="7030A0"/>
+                </a:solidFill>
+              </a:rPr>
+              <a:t>「</a:t>
+            </a:r>
+            <a:r>
+              <a:rPr kumimoji="1" lang="zh-TW" altLang="en-US" dirty="0">
+                <a:solidFill>
+                  <a:srgbClr val="7030A0"/>
+                </a:solidFill>
+              </a:rPr>
               <a:t>授業実施形態</a:t>
             </a:r>
             <a:r>
+              <a:rPr kumimoji="1" lang="ja-JP" altLang="en-US" dirty="0">
+                <a:solidFill>
+                  <a:srgbClr val="7030A0"/>
+                </a:solidFill>
+              </a:rPr>
+              <a:t>」</a:t>
+            </a:r>
+            <a:r>
               <a:rPr kumimoji="1" lang="ja-JP" altLang="en-US" dirty="0"/>
-              <a:t>」が新設された</a:t>
+              <a:t>が新設された</a:t>
             </a:r>
             <a:endParaRPr kumimoji="1" lang="en-US" altLang="ja-JP" dirty="0"/>
           </a:p>
@@ -55335,13 +56353,29 @@
         <p:spPr/>
         <p:txBody>
           <a:bodyPr>
-            <a:normAutofit lnSpcReduction="10000"/>
+            <a:normAutofit fontScale="92500" lnSpcReduction="10000"/>
           </a:bodyPr>
           <a:lstStyle/>
           <a:p>
             <a:r>
+              <a:rPr kumimoji="1" lang="ja-JP" altLang="en-US" dirty="0">
+                <a:solidFill>
+                  <a:srgbClr val="00B050"/>
+                </a:solidFill>
+              </a:rPr>
+              <a:t>「面接授業」</a:t>
+            </a:r>
+            <a:r>
               <a:rPr kumimoji="1" lang="ja-JP" altLang="en-US" dirty="0"/>
-              <a:t>「面接授業」の定義</a:t>
+              <a:t>の定義（</a:t>
+            </a:r>
+            <a:r>
+              <a:rPr kumimoji="1" lang="en-US" altLang="ja-JP" dirty="0"/>
+              <a:t>※</a:t>
+            </a:r>
+            <a:r>
+              <a:rPr kumimoji="1" lang="ja-JP" altLang="en-US" dirty="0"/>
+              <a:t>）</a:t>
             </a:r>
             <a:endParaRPr kumimoji="1" lang="en-US" altLang="ja-JP" dirty="0"/>
           </a:p>
@@ -55354,7 +56388,7 @@
             <a:r>
               <a:rPr kumimoji="1" lang="ja-JP" altLang="en-US" dirty="0">
                 <a:solidFill>
-                  <a:srgbClr val="00B0F0"/>
+                  <a:srgbClr val="00B050"/>
                 </a:solidFill>
               </a:rPr>
               <a:t>全ての</a:t>
@@ -55373,7 +56407,7 @@
             <a:r>
               <a:rPr kumimoji="1" lang="ja-JP" altLang="en-US" dirty="0">
                 <a:solidFill>
-                  <a:srgbClr val="00B0F0"/>
+                  <a:srgbClr val="00B050"/>
                 </a:solidFill>
               </a:rPr>
               <a:t>半分以上</a:t>
@@ -55392,7 +56426,7 @@
             <a:r>
               <a:rPr kumimoji="1" lang="ja-JP" altLang="en-US" dirty="0">
                 <a:solidFill>
-                  <a:srgbClr val="00B0F0"/>
+                  <a:srgbClr val="00B050"/>
                 </a:solidFill>
               </a:rPr>
               <a:t>機会を設けて</a:t>
@@ -55402,6 +56436,13 @@
               <a:t>いる</a:t>
             </a:r>
             <a:endParaRPr kumimoji="1" lang="en-US" altLang="ja-JP" dirty="0"/>
+          </a:p>
+          <a:p>
+            <a:r>
+              <a:rPr lang="ja-JP" altLang="en-US" dirty="0"/>
+              <a:t>いわゆるハイフレックス（先生が教室、学生は自由）は面接授業の定義を満たす</a:t>
+            </a:r>
+            <a:endParaRPr lang="en-US" altLang="ja-JP" dirty="0"/>
           </a:p>
           <a:p>
             <a:r>
@@ -55418,31 +56459,89 @@
             </a:r>
             <a:r>
               <a:rPr lang="ja-JP" altLang="en-US" dirty="0"/>
-              <a:t>の文言と微妙にずれ</a:t>
+              <a:t>の文言がやや曖昧だが</a:t>
             </a:r>
             <a:endParaRPr lang="en-US" altLang="ja-JP" dirty="0"/>
           </a:p>
           <a:p>
             <a:pPr lvl="1"/>
             <a:r>
-              <a:rPr kumimoji="1" lang="ja-JP" altLang="en-US" dirty="0"/>
-              <a:t>対面・オンライン併用型</a:t>
+              <a:rPr kumimoji="1" lang="ja-JP" altLang="en-US" b="1" dirty="0"/>
+              <a:t>「対面・オンライン併用型</a:t>
             </a:r>
             <a:r>
-              <a:rPr kumimoji="1" lang="en-US" altLang="ja-JP" dirty="0"/>
+              <a:rPr kumimoji="1" lang="en-US" altLang="ja-JP" b="1" dirty="0"/>
               <a:t>A</a:t>
             </a:r>
             <a:r>
-              <a:rPr kumimoji="1" lang="ja-JP" altLang="en-US" dirty="0"/>
-              <a:t>（総時間数の半数以上を対面で実施）</a:t>
+              <a:rPr kumimoji="1" lang="ja-JP" altLang="en-US" b="1" dirty="0"/>
+              <a:t>（総時間数の半数以上を対面で実施）」</a:t>
             </a:r>
+            <a:endParaRPr kumimoji="1" lang="en-US" altLang="ja-JP" b="1" dirty="0"/>
           </a:p>
           <a:p>
+            <a:pPr lvl="1"/>
+            <a:r>
+              <a:rPr lang="ja-JP" altLang="en-US" dirty="0">
+                <a:solidFill>
+                  <a:srgbClr val="00B050"/>
+                </a:solidFill>
+              </a:rPr>
+              <a:t>「選択肢</a:t>
+            </a:r>
+            <a:r>
+              <a:rPr lang="en-US" altLang="ja-JP" dirty="0">
+                <a:solidFill>
+                  <a:srgbClr val="00B050"/>
+                </a:solidFill>
+              </a:rPr>
+              <a:t>#1</a:t>
+            </a:r>
+            <a:r>
+              <a:rPr lang="ja-JP" altLang="en-US" dirty="0">
+                <a:solidFill>
+                  <a:srgbClr val="00B050"/>
+                </a:solidFill>
+              </a:rPr>
+              <a:t>または</a:t>
+            </a:r>
+            <a:r>
+              <a:rPr lang="en-US" altLang="ja-JP" dirty="0">
+                <a:solidFill>
+                  <a:srgbClr val="00B050"/>
+                </a:solidFill>
+              </a:rPr>
+              <a:t>#2</a:t>
+            </a:r>
+            <a:r>
+              <a:rPr lang="ja-JP" altLang="en-US" dirty="0">
+                <a:solidFill>
+                  <a:srgbClr val="00B050"/>
+                </a:solidFill>
+              </a:rPr>
+              <a:t>は（</a:t>
+            </a:r>
+            <a:r>
+              <a:rPr lang="en-US" altLang="ja-JP" dirty="0">
+                <a:solidFill>
+                  <a:srgbClr val="00B050"/>
+                </a:solidFill>
+              </a:rPr>
+              <a:t>※</a:t>
+            </a:r>
+            <a:r>
+              <a:rPr lang="ja-JP" altLang="en-US" dirty="0">
+                <a:solidFill>
+                  <a:srgbClr val="00B050"/>
+                </a:solidFill>
+              </a:rPr>
+              <a:t>）」</a:t>
+            </a:r>
             <a:r>
               <a:rPr lang="ja-JP" altLang="en-US" dirty="0"/>
-              <a:t>いわゆるハイフレックス（先生が教室、学生は自由）は面接授業の定義を満たす</a:t>
+              <a:t>を守って下さい</a:t>
             </a:r>
-            <a:endParaRPr lang="en-US" altLang="ja-JP" dirty="0"/>
+            <a:endParaRPr kumimoji="1" lang="ja-JP" altLang="en-US" dirty="0"/>
           </a:p>
         </p:txBody>
       </p:sp>

--- a/events/2022-03-16/slides/01-rules.pptx
+++ b/events/2022-03-16/slides/01-rules.pptx
@@ -5,7 +5,7 @@
     <p:sldMasterId id="2147483660" r:id="rId1"/>
   </p:sldMasterIdLst>
   <p:notesMasterIdLst>
-    <p:notesMasterId r:id="rId16"/>
+    <p:notesMasterId r:id="rId17"/>
   </p:notesMasterIdLst>
   <p:sldIdLst>
     <p:sldId id="256" r:id="rId2"/>
@@ -20,8 +20,9 @@
     <p:sldId id="383" r:id="rId11"/>
     <p:sldId id="371" r:id="rId12"/>
     <p:sldId id="382" r:id="rId13"/>
-    <p:sldId id="384" r:id="rId14"/>
-    <p:sldId id="385" r:id="rId15"/>
+    <p:sldId id="386" r:id="rId14"/>
+    <p:sldId id="384" r:id="rId15"/>
+    <p:sldId id="385" r:id="rId16"/>
   </p:sldIdLst>
   <p:sldSz cx="9144000" cy="6858000" type="screen4x3"/>
   <p:notesSz cx="6858000" cy="9144000"/>
@@ -52617,6 +52618,16 @@
               <a:rPr kumimoji="1" lang="ja-JP" altLang="en-US" dirty="0"/>
               <a:t>著作権者の利益を不当に害さない範囲で</a:t>
             </a:r>
+            <a:endParaRPr kumimoji="1" lang="en-US" altLang="ja-JP" dirty="0"/>
+          </a:p>
+          <a:p>
+            <a:pPr marL="0" indent="0">
+              <a:buNone/>
+            </a:pPr>
+            <a:r>
+              <a:rPr kumimoji="1" lang="ja-JP" altLang="en-US" dirty="0"/>
+              <a:t>（利用許諾を取ることなく）</a:t>
+            </a:r>
             <a:r>
               <a:rPr kumimoji="1" lang="ja-JP" altLang="en-US" dirty="0">
                 <a:solidFill>
@@ -52645,37 +52656,6 @@
                 <a:srgbClr val="7030A0"/>
               </a:solidFill>
             </a:endParaRPr>
-          </a:p>
-          <a:p>
-            <a:r>
-              <a:rPr lang="ja-JP" altLang="en-US" dirty="0"/>
-              <a:t>注：</a:t>
-            </a:r>
-            <a:r>
-              <a:rPr lang="ja-JP" altLang="en-US" dirty="0">
-                <a:solidFill>
-                  <a:srgbClr val="00B050"/>
-                </a:solidFill>
-              </a:rPr>
-              <a:t>「利用可能」</a:t>
-            </a:r>
-            <a:r>
-              <a:rPr lang="ja-JP" altLang="en-US" dirty="0"/>
-              <a:t>は</a:t>
-            </a:r>
-            <a:r>
-              <a:rPr lang="ja-JP" altLang="en-US" dirty="0">
-                <a:solidFill>
-                  <a:srgbClr val="00B050"/>
-                </a:solidFill>
-              </a:rPr>
-              <a:t>利用許諾を個別に取る必要がない</a:t>
-            </a:r>
-            <a:r>
-              <a:rPr lang="ja-JP" altLang="en-US" dirty="0"/>
-              <a:t>という意味</a:t>
-            </a:r>
-            <a:endParaRPr lang="en-US" altLang="ja-JP" dirty="0"/>
           </a:p>
         </p:txBody>
       </p:sp>
@@ -53595,6 +53575,218 @@
           <p:cNvPr id="2" name="タイトル 1">
             <a:extLst>
               <a:ext uri="{FF2B5EF4-FFF2-40B4-BE49-F238E27FC236}">
+                <a16:creationId xmlns:a16="http://schemas.microsoft.com/office/drawing/2014/main" id="{11888EFB-D97F-4211-A8EB-65013FE7B6EC}"/>
+              </a:ext>
+            </a:extLst>
+          </p:cNvPr>
+          <p:cNvSpPr>
+            <a:spLocks noGrp="1"/>
+          </p:cNvSpPr>
+          <p:nvPr>
+            <p:ph type="title"/>
+          </p:nvPr>
+        </p:nvSpPr>
+        <p:spPr/>
+        <p:txBody>
+          <a:bodyPr/>
+          <a:lstStyle/>
+          <a:p>
+            <a:r>
+              <a:rPr kumimoji="1" lang="ja-JP" altLang="en-US" dirty="0"/>
+              <a:t>目次</a:t>
+            </a:r>
+          </a:p>
+        </p:txBody>
+      </p:sp>
+      <p:sp>
+        <p:nvSpPr>
+          <p:cNvPr id="3" name="コンテンツ プレースホルダー 2">
+            <a:extLst>
+              <a:ext uri="{FF2B5EF4-FFF2-40B4-BE49-F238E27FC236}">
+                <a16:creationId xmlns:a16="http://schemas.microsoft.com/office/drawing/2014/main" id="{B1475A2D-4680-498E-AC85-3C1CC85BEE80}"/>
+              </a:ext>
+            </a:extLst>
+          </p:cNvPr>
+          <p:cNvSpPr>
+            <a:spLocks noGrp="1"/>
+          </p:cNvSpPr>
+          <p:nvPr>
+            <p:ph idx="1"/>
+          </p:nvPr>
+        </p:nvSpPr>
+        <p:spPr/>
+        <p:txBody>
+          <a:bodyPr/>
+          <a:lstStyle/>
+          <a:p>
+            <a:r>
+              <a:rPr kumimoji="1" lang="ja-JP" altLang="en-US" dirty="0"/>
+              <a:t>いわゆる「メディア授業</a:t>
+            </a:r>
+            <a:r>
+              <a:rPr kumimoji="1" lang="en-US" altLang="ja-JP" dirty="0"/>
+              <a:t>60</a:t>
+            </a:r>
+            <a:r>
+              <a:rPr kumimoji="1" lang="ja-JP" altLang="en-US" dirty="0"/>
+              <a:t>単位上限」</a:t>
+            </a:r>
+            <a:endParaRPr kumimoji="1" lang="en-US" altLang="ja-JP" dirty="0"/>
+          </a:p>
+          <a:p>
+            <a:r>
+              <a:rPr lang="ja-JP" altLang="en-US" dirty="0"/>
+              <a:t>著作物利用（復習）</a:t>
+            </a:r>
+          </a:p>
+          <a:p>
+            <a:r>
+              <a:rPr kumimoji="1" lang="ja-JP" altLang="en-US" dirty="0">
+                <a:solidFill>
+                  <a:srgbClr val="7030A0"/>
+                </a:solidFill>
+              </a:rPr>
+              <a:t>オンライン授業入室トラブル連絡体制</a:t>
+            </a:r>
+            <a:endParaRPr kumimoji="1" lang="en-US" altLang="ja-JP" dirty="0">
+              <a:solidFill>
+                <a:srgbClr val="7030A0"/>
+              </a:solidFill>
+            </a:endParaRPr>
+          </a:p>
+        </p:txBody>
+      </p:sp>
+      <p:sp>
+        <p:nvSpPr>
+          <p:cNvPr id="4" name="日付プレースホルダー 3">
+            <a:extLst>
+              <a:ext uri="{FF2B5EF4-FFF2-40B4-BE49-F238E27FC236}">
+                <a16:creationId xmlns:a16="http://schemas.microsoft.com/office/drawing/2014/main" id="{AACEE1DE-C2FE-416F-BE61-42C07CBA3694}"/>
+              </a:ext>
+            </a:extLst>
+          </p:cNvPr>
+          <p:cNvSpPr>
+            <a:spLocks noGrp="1"/>
+          </p:cNvSpPr>
+          <p:nvPr>
+            <p:ph type="dt" sz="half" idx="10"/>
+          </p:nvPr>
+        </p:nvSpPr>
+        <p:spPr/>
+        <p:txBody>
+          <a:bodyPr/>
+          <a:lstStyle/>
+          <a:p>
+            <a:r>
+              <a:rPr kumimoji="1" lang="en-US" altLang="ja-JP"/>
+              <a:t>2022/3/16</a:t>
+            </a:r>
+            <a:endParaRPr kumimoji="1" lang="ja-JP" altLang="en-US"/>
+          </a:p>
+        </p:txBody>
+      </p:sp>
+      <p:sp>
+        <p:nvSpPr>
+          <p:cNvPr id="5" name="フッター プレースホルダー 4">
+            <a:extLst>
+              <a:ext uri="{FF2B5EF4-FFF2-40B4-BE49-F238E27FC236}">
+                <a16:creationId xmlns:a16="http://schemas.microsoft.com/office/drawing/2014/main" id="{90A1C6B6-C0CF-4E31-BA7F-78D9B342A992}"/>
+              </a:ext>
+            </a:extLst>
+          </p:cNvPr>
+          <p:cNvSpPr>
+            <a:spLocks noGrp="1"/>
+          </p:cNvSpPr>
+          <p:nvPr>
+            <p:ph type="ftr" sz="quarter" idx="11"/>
+          </p:nvPr>
+        </p:nvSpPr>
+        <p:spPr/>
+        <p:txBody>
+          <a:bodyPr/>
+          <a:lstStyle/>
+          <a:p>
+            <a:r>
+              <a:rPr kumimoji="1" lang="en-US" altLang="ja-JP"/>
+              <a:t>2022 S</a:t>
+            </a:r>
+            <a:r>
+              <a:rPr kumimoji="1" lang="ja-JP" altLang="en-US"/>
+              <a:t>セメスタ 説明会 </a:t>
+            </a:r>
+            <a:r>
+              <a:rPr kumimoji="1" lang="en-US" altLang="ja-JP"/>
+              <a:t>https://utelecon.adm.u-tokyo.ac.jp/</a:t>
+            </a:r>
+            <a:endParaRPr kumimoji="1" lang="ja-JP" altLang="en-US"/>
+          </a:p>
+        </p:txBody>
+      </p:sp>
+      <p:sp>
+        <p:nvSpPr>
+          <p:cNvPr id="6" name="スライド番号プレースホルダー 5">
+            <a:extLst>
+              <a:ext uri="{FF2B5EF4-FFF2-40B4-BE49-F238E27FC236}">
+                <a16:creationId xmlns:a16="http://schemas.microsoft.com/office/drawing/2014/main" id="{6199F59F-677A-4DD1-BB77-655151672426}"/>
+              </a:ext>
+            </a:extLst>
+          </p:cNvPr>
+          <p:cNvSpPr>
+            <a:spLocks noGrp="1"/>
+          </p:cNvSpPr>
+          <p:nvPr>
+            <p:ph type="sldNum" sz="quarter" idx="12"/>
+          </p:nvPr>
+        </p:nvSpPr>
+        <p:spPr/>
+        <p:txBody>
+          <a:bodyPr/>
+          <a:lstStyle/>
+          <a:p>
+            <a:fld id="{EDF77D8D-9987-453A-9A05-EB91CA595C68}" type="slidenum">
+              <a:rPr kumimoji="1" lang="ja-JP" altLang="en-US" smtClean="0"/>
+              <a:pPr/>
+              <a:t>13</a:t>
+            </a:fld>
+            <a:endParaRPr kumimoji="1" lang="ja-JP" altLang="en-US"/>
+          </a:p>
+        </p:txBody>
+      </p:sp>
+    </p:spTree>
+    <p:extLst>
+      <p:ext uri="{BB962C8B-B14F-4D97-AF65-F5344CB8AC3E}">
+        <p14:creationId xmlns:p14="http://schemas.microsoft.com/office/powerpoint/2010/main" val="1858921674"/>
+      </p:ext>
+    </p:extLst>
+  </p:cSld>
+  <p:clrMapOvr>
+    <a:masterClrMapping/>
+  </p:clrMapOvr>
+</p:sld>
+</file>
+
+<file path=ppt/slides/slide14.xml><?xml version="1.0" encoding="utf-8"?>
+<p:sld xmlns:a="http://schemas.openxmlformats.org/drawingml/2006/main" xmlns:r="http://schemas.openxmlformats.org/officeDocument/2006/relationships" xmlns:p="http://schemas.openxmlformats.org/presentationml/2006/main">
+  <p:cSld>
+    <p:spTree>
+      <p:nvGrpSpPr>
+        <p:cNvPr id="1" name=""/>
+        <p:cNvGrpSpPr/>
+        <p:nvPr/>
+      </p:nvGrpSpPr>
+      <p:grpSpPr>
+        <a:xfrm>
+          <a:off x="0" y="0"/>
+          <a:ext cx="0" cy="0"/>
+          <a:chOff x="0" y="0"/>
+          <a:chExt cx="0" cy="0"/>
+        </a:xfrm>
+      </p:grpSpPr>
+      <p:sp>
+        <p:nvSpPr>
+          <p:cNvPr id="2" name="タイトル 1">
+            <a:extLst>
+              <a:ext uri="{FF2B5EF4-FFF2-40B4-BE49-F238E27FC236}">
                 <a16:creationId xmlns:a16="http://schemas.microsoft.com/office/drawing/2014/main" id="{B571F97A-4368-471A-907F-0C9EE118A511}"/>
               </a:ext>
             </a:extLst>
@@ -53644,7 +53836,7 @@
         </p:spPr>
         <p:txBody>
           <a:bodyPr>
-            <a:normAutofit fontScale="92500" lnSpcReduction="20000"/>
+            <a:normAutofit fontScale="92500" lnSpcReduction="10000"/>
           </a:bodyPr>
           <a:lstStyle/>
           <a:p>
@@ -53666,9 +53858,12 @@
             </a:r>
             <a:r>
               <a:rPr lang="ja-JP" altLang="en-US" dirty="0"/>
-              <a:t>学生、先生、システム、どの場合もあります</a:t>
+              <a:t>学生、先生、システム</a:t>
             </a:r>
-            <a:endParaRPr lang="en-US" altLang="ja-JP" dirty="0"/>
+            <a:r>
+              <a:rPr lang="en-US" altLang="ja-JP" dirty="0"/>
+              <a:t>…</a:t>
+            </a:r>
           </a:p>
           <a:p>
             <a:pPr lvl="1"/>
@@ -53708,7 +53903,15 @@
           <a:p>
             <a:r>
               <a:rPr lang="ja-JP" altLang="en-US" dirty="0"/>
-              <a:t>次ページの連絡網・体制でやっていますので先生、部局事務のご協力お願いします</a:t>
+              <a:t>次ページの連絡網・体制でやっていますので</a:t>
+            </a:r>
+            <a:r>
+              <a:rPr lang="ja-JP" altLang="en-US"/>
+              <a:t>先生、学科・専攻事務</a:t>
+            </a:r>
+            <a:r>
+              <a:rPr lang="ja-JP" altLang="en-US" dirty="0"/>
+              <a:t>のご協力お願いします</a:t>
             </a:r>
             <a:endParaRPr lang="en-US" altLang="ja-JP" dirty="0"/>
           </a:p>
@@ -53804,7 +54007,7 @@
             <a:fld id="{EDF77D8D-9987-453A-9A05-EB91CA595C68}" type="slidenum">
               <a:rPr kumimoji="1" lang="ja-JP" altLang="en-US" smtClean="0"/>
               <a:pPr/>
-              <a:t>13</a:t>
+              <a:t>14</a:t>
             </a:fld>
             <a:endParaRPr kumimoji="1" lang="ja-JP" altLang="en-US"/>
           </a:p>
@@ -53823,7 +54026,7 @@
 </p:sld>
 </file>
 
-<file path=ppt/slides/slide14.xml><?xml version="1.0" encoding="utf-8"?>
+<file path=ppt/slides/slide15.xml><?xml version="1.0" encoding="utf-8"?>
 <p:sld xmlns:a="http://schemas.openxmlformats.org/drawingml/2006/main" xmlns:r="http://schemas.openxmlformats.org/officeDocument/2006/relationships" xmlns:p="http://schemas.openxmlformats.org/presentationml/2006/main">
   <p:cSld>
     <p:spTree>
@@ -53958,7 +54161,7 @@
             <a:fld id="{EDF77D8D-9987-453A-9A05-EB91CA595C68}" type="slidenum">
               <a:rPr kumimoji="1" lang="ja-JP" altLang="en-US" smtClean="0"/>
               <a:pPr/>
-              <a:t>14</a:t>
+              <a:t>15</a:t>
             </a:fld>
             <a:endParaRPr kumimoji="1" lang="ja-JP" altLang="en-US"/>
           </a:p>
@@ -54838,7 +55041,13 @@
               <a:rPr lang="ja-JP" altLang="en-US" dirty="0"/>
               <a:t>著作物利用（復習）</a:t>
             </a:r>
-            <a:endParaRPr kumimoji="1" lang="ja-JP" altLang="en-US" dirty="0"/>
+            <a:endParaRPr lang="en-US" altLang="ja-JP" dirty="0"/>
+          </a:p>
+          <a:p>
+            <a:r>
+              <a:rPr kumimoji="1" lang="ja-JP" altLang="en-US" dirty="0"/>
+              <a:t>オンライン授業入室トラブル連絡体制</a:t>
+            </a:r>
           </a:p>
         </p:txBody>
       </p:sp>
@@ -55052,7 +55261,13 @@
               <a:rPr lang="ja-JP" altLang="en-US" dirty="0"/>
               <a:t>著作物利用（復習）</a:t>
             </a:r>
-            <a:endParaRPr kumimoji="1" lang="ja-JP" altLang="en-US" dirty="0"/>
+            <a:endParaRPr lang="en-US" altLang="ja-JP" dirty="0"/>
+          </a:p>
+          <a:p>
+            <a:r>
+              <a:rPr kumimoji="1" lang="ja-JP" altLang="en-US" dirty="0"/>
+              <a:t>オンライン授業入室トラブル連絡体制</a:t>
+            </a:r>
           </a:p>
         </p:txBody>
       </p:sp>
@@ -57069,6 +57284,13 @@
               </a:solidFill>
             </a:endParaRPr>
           </a:p>
+          <a:p>
+            <a:r>
+              <a:rPr kumimoji="1" lang="ja-JP" altLang="en-US" dirty="0"/>
+              <a:t>オンライン授業入室トラブル連絡体制</a:t>
+            </a:r>
+            <a:endParaRPr kumimoji="1" lang="en-US" altLang="ja-JP" dirty="0"/>
+          </a:p>
         </p:txBody>
       </p:sp>
       <p:sp>

--- a/events/2022-03-16/slides/01-rules.pptx
+++ b/events/2022-03-16/slides/01-rules.pptx
@@ -237,7 +237,7 @@
             <a:fld id="{35305EB0-020F-4995-961E-A35B2BB78D2B}" type="datetimeFigureOut">
               <a:rPr kumimoji="1" lang="ja-JP" altLang="en-US" smtClean="0"/>
               <a:pPr/>
-              <a:t>2022/3/15</a:t>
+              <a:t>2022/3/16</a:t>
             </a:fld>
             <a:endParaRPr kumimoji="1" lang="ja-JP" altLang="en-US"/>
           </a:p>
@@ -53434,25 +53434,6 @@
               <a:t>月）</a:t>
             </a:r>
             <a:endParaRPr lang="en-US" altLang="ja-JP" sz="2700" dirty="0"/>
-          </a:p>
-          <a:p>
-            <a:r>
-              <a:rPr lang="ja-JP" altLang="en-US" sz="2700" dirty="0"/>
-              <a:t>卒業に必要な単位数など</a:t>
-            </a:r>
-            <a:endParaRPr lang="en-US" altLang="ja-JP" sz="2700" dirty="0">
-              <a:hlinkClick r:id="rId7"/>
-            </a:endParaRPr>
-          </a:p>
-          <a:p>
-            <a:pPr lvl="1"/>
-            <a:r>
-              <a:rPr lang="ja-JP" altLang="en-US" sz="2300" dirty="0">
-                <a:hlinkClick r:id="rId7"/>
-              </a:rPr>
-              <a:t>大学設置基準</a:t>
-            </a:r>
-            <a:endParaRPr lang="en-US" altLang="ja-JP" sz="2300" dirty="0"/>
           </a:p>
         </p:txBody>
       </p:sp>
@@ -56935,7 +56916,7 @@
         <p:spPr/>
         <p:txBody>
           <a:bodyPr>
-            <a:normAutofit/>
+            <a:normAutofit lnSpcReduction="10000"/>
           </a:bodyPr>
           <a:lstStyle/>
           <a:p>
@@ -57077,6 +57058,31 @@
               <a:t>授業実施形態の判断基準についてを参照</a:t>
             </a:r>
             <a:endParaRPr lang="en-US" altLang="ja-JP" dirty="0"/>
+          </a:p>
+          <a:p>
+            <a:r>
+              <a:rPr lang="ja-JP" altLang="en-US" sz="2700" dirty="0"/>
+              <a:t>卒業に必要な単位数など</a:t>
+            </a:r>
+            <a:endParaRPr lang="en-US" altLang="ja-JP" sz="2700" dirty="0">
+              <a:hlinkClick r:id="rId4"/>
+            </a:endParaRPr>
+          </a:p>
+          <a:p>
+            <a:pPr lvl="1"/>
+            <a:r>
+              <a:rPr lang="ja-JP" altLang="en-US" sz="2300" dirty="0">
+                <a:hlinkClick r:id="rId4"/>
+              </a:rPr>
+              <a:t>大学</a:t>
+            </a:r>
+            <a:r>
+              <a:rPr lang="ja-JP" altLang="en-US" sz="2300">
+                <a:hlinkClick r:id="rId4"/>
+              </a:rPr>
+              <a:t>設置基準</a:t>
+            </a:r>
+            <a:endParaRPr lang="en-US" altLang="ja-JP" sz="2300"/>
           </a:p>
         </p:txBody>
       </p:sp>

--- a/events/2022-03-16/slides/01-rules.pptx
+++ b/events/2022-03-16/slides/01-rules.pptx
@@ -52886,7 +52886,7 @@
             <a:r>
               <a:rPr kumimoji="1" lang="ja-JP" altLang="en-US" dirty="0">
                 <a:solidFill>
-                  <a:srgbClr val="00B0F0"/>
+                  <a:srgbClr val="00B050"/>
                 </a:solidFill>
               </a:rPr>
               <a:t>公衆送信</a:t>
@@ -52914,7 +52914,7 @@
             <a:r>
               <a:rPr kumimoji="1" lang="ja-JP" altLang="en-US" dirty="0">
                 <a:solidFill>
-                  <a:srgbClr val="00B0F0"/>
+                  <a:srgbClr val="00B050"/>
                 </a:solidFill>
               </a:rPr>
               <a:t>公衆送信</a:t>
@@ -52981,7 +52981,7 @@
             <a:r>
               <a:rPr kumimoji="1" lang="zh-TW" altLang="en-US" dirty="0">
                 <a:solidFill>
-                  <a:srgbClr val="00B0F0"/>
+                  <a:srgbClr val="00B050"/>
                 </a:solidFill>
               </a:rPr>
               <a:t>公衆送信補償金</a:t>
@@ -52997,7 +52997,7 @@
             <a:r>
               <a:rPr lang="ja-JP" altLang="en-US" dirty="0">
                 <a:solidFill>
-                  <a:srgbClr val="00B0F0"/>
+                  <a:srgbClr val="00B050"/>
                 </a:solidFill>
               </a:rPr>
               <a:t>公衆送信</a:t>
@@ -53009,7 +53009,7 @@
             <a:r>
               <a:rPr lang="ja-JP" altLang="en-US" dirty="0">
                 <a:solidFill>
-                  <a:srgbClr val="00B0F0"/>
+                  <a:srgbClr val="00B050"/>
                 </a:solidFill>
               </a:rPr>
               <a:t>補償金</a:t>
@@ -53041,14 +53041,14 @@
             <a:r>
               <a:rPr lang="ja-JP" altLang="en-US" dirty="0">
                 <a:solidFill>
-                  <a:srgbClr val="00B0F0"/>
+                  <a:srgbClr val="00B050"/>
                 </a:solidFill>
               </a:rPr>
               <a:t>（教員の手続き不要）</a:t>
             </a:r>
             <a:endParaRPr lang="en-US" altLang="ja-JP" dirty="0">
               <a:solidFill>
-                <a:srgbClr val="00B0F0"/>
+                <a:srgbClr val="00B050"/>
               </a:solidFill>
             </a:endParaRPr>
           </a:p>
@@ -53163,7 +53163,7 @@
           </a:solidFill>
           <a:ln>
             <a:solidFill>
-              <a:srgbClr val="00B0F0"/>
+              <a:srgbClr val="00B050"/>
             </a:solidFill>
           </a:ln>
         </p:spPr>
@@ -53191,7 +53191,7 @@
             <a:r>
               <a:rPr kumimoji="1" lang="ja-JP" altLang="en-US" dirty="0">
                 <a:solidFill>
-                  <a:srgbClr val="00B0F0"/>
+                  <a:srgbClr val="00B050"/>
                 </a:solidFill>
               </a:rPr>
               <a:t>オンデマンドや資料のネットでの配布</a:t>
@@ -53224,7 +53224,7 @@
           </a:prstGeom>
           <a:ln w="19050">
             <a:solidFill>
-              <a:srgbClr val="00B0F0"/>
+              <a:srgbClr val="00B050"/>
             </a:solidFill>
           </a:ln>
         </p:spPr>
